--- a/web二/Web（二）/课件/第四章 字符串和数组.pptx
+++ b/web二/Web（二）/课件/第四章 字符串和数组.pptx
@@ -145,6 +145,36 @@
       </a:defRPr>
     </a:lvl9pPr>
   </p:defaultTextStyle>
+  <p:extLst>
+    <p:ext uri="{EFAFB233-063F-42B5-8137-9DF3F51BA10A}">
+      <p15:sldGuideLst xmlns:p15="http://schemas.microsoft.com/office/powerpoint/2012/main">
+        <p15:guide id="1" orient="horz" pos="2125">
+          <p15:clr>
+            <a:srgbClr val="A4A3A4"/>
+          </p15:clr>
+        </p15:guide>
+        <p15:guide id="2" pos="3851">
+          <p15:clr>
+            <a:srgbClr val="A4A3A4"/>
+          </p15:clr>
+        </p15:guide>
+      </p15:sldGuideLst>
+    </p:ext>
+    <p:ext uri="{2D200454-40CA-4A62-9FC3-DE9A4176ACB9}">
+      <p15:notesGuideLst xmlns:p15="http://schemas.microsoft.com/office/powerpoint/2012/main">
+        <p15:guide id="1" orient="horz" pos="2834">
+          <p15:clr>
+            <a:srgbClr val="A4A3A4"/>
+          </p15:clr>
+        </p15:guide>
+        <p15:guide id="2" pos="2166">
+          <p15:clr>
+            <a:srgbClr val="A4A3A4"/>
+          </p15:clr>
+        </p15:guide>
+      </p15:notesGuideLst>
+    </p:ext>
+  </p:extLst>
 </p:presentation>
 </file>
 
@@ -230,7 +260,7 @@
           <a:p>
             <a:fld id="{437C8CB6-18B8-413C-B318-A699700D3BD1}" type="datetimeFigureOut">
               <a:rPr lang="zh-CN" altLang="en-US" smtClean="0"/>
-              <a:t>2019/7/12</a:t>
+              <a:t>2019/11/16</a:t>
             </a:fld>
             <a:endParaRPr lang="zh-CN" altLang="en-US"/>
           </a:p>
@@ -395,7 +425,7 @@
           <a:p>
             <a:fld id="{684D3FB2-7CB8-4067-B1A5-8C2CFD21EA41}" type="datetimeFigureOut">
               <a:rPr lang="zh-CN" altLang="en-US" smtClean="0"/>
-              <a:t>2019/7/12</a:t>
+              <a:t>2019/11/16</a:t>
             </a:fld>
             <a:endParaRPr lang="zh-CN" altLang="en-US"/>
           </a:p>
@@ -461,38 +491,37 @@
           <a:p>
             <a:pPr lvl="0"/>
             <a:r>
-              <a:rPr lang="zh-CN" altLang="en-US" smtClean="0"/>
+              <a:rPr lang="zh-CN" altLang="en-US"/>
               <a:t>单击此处编辑母版文本样式</a:t>
             </a:r>
           </a:p>
           <a:p>
             <a:pPr lvl="1"/>
             <a:r>
-              <a:rPr lang="zh-CN" altLang="en-US" smtClean="0"/>
+              <a:rPr lang="zh-CN" altLang="en-US"/>
               <a:t>第二级</a:t>
             </a:r>
           </a:p>
           <a:p>
             <a:pPr lvl="2"/>
             <a:r>
-              <a:rPr lang="zh-CN" altLang="en-US" smtClean="0"/>
+              <a:rPr lang="zh-CN" altLang="en-US"/>
               <a:t>第三级</a:t>
             </a:r>
           </a:p>
           <a:p>
             <a:pPr lvl="3"/>
             <a:r>
-              <a:rPr lang="zh-CN" altLang="en-US" smtClean="0"/>
+              <a:rPr lang="zh-CN" altLang="en-US"/>
               <a:t>第四级</a:t>
             </a:r>
           </a:p>
           <a:p>
             <a:pPr lvl="4"/>
             <a:r>
-              <a:rPr lang="zh-CN" altLang="en-US" smtClean="0"/>
+              <a:rPr lang="zh-CN" altLang="en-US"/>
               <a:t>第五级</a:t>
             </a:r>
-            <a:endParaRPr lang="zh-CN" altLang="en-US"/>
           </a:p>
         </p:txBody>
       </p:sp>
@@ -1051,35 +1080,35 @@
           <a:lstStyle/>
           <a:p>
             <a:r>
-              <a:rPr lang="en-US" altLang="zh-CN" dirty="0" smtClean="0"/>
+              <a:rPr lang="en-US" altLang="zh-CN" dirty="0"/>
               <a:t>substring()  </a:t>
             </a:r>
             <a:r>
-              <a:rPr lang="en-US" altLang="zh-CN" dirty="0" err="1" smtClean="0"/>
+              <a:rPr lang="en-US" altLang="zh-CN" dirty="0" err="1"/>
               <a:t>indexOf</a:t>
             </a:r>
             <a:r>
-              <a:rPr lang="en-US" altLang="zh-CN" dirty="0" smtClean="0"/>
+              <a:rPr lang="en-US" altLang="zh-CN" dirty="0"/>
               <a:t>() O</a:t>
             </a:r>
             <a:r>
-              <a:rPr lang="zh-CN" altLang="en-US" dirty="0" smtClean="0"/>
+              <a:rPr lang="zh-CN" altLang="en-US" dirty="0"/>
               <a:t>记得大写     </a:t>
             </a:r>
             <a:r>
-              <a:rPr lang="en-US" altLang="zh-CN" i="1" dirty="0" smtClean="0"/>
+              <a:rPr lang="en-US" altLang="zh-CN" i="1" dirty="0"/>
               <a:t>length</a:t>
             </a:r>
             <a:r>
-              <a:rPr lang="zh-CN" altLang="en-US" dirty="0" smtClean="0"/>
+              <a:rPr lang="zh-CN" altLang="en-US" dirty="0"/>
               <a:t> 可选。子串中的字符数。必须是数值。如果省略了该参数，那么返回从 </a:t>
             </a:r>
             <a:r>
-              <a:rPr lang="en-US" altLang="zh-CN" i="1" dirty="0" err="1" smtClean="0"/>
+              <a:rPr lang="en-US" altLang="zh-CN" i="1" dirty="0" err="1"/>
               <a:t>stringObject</a:t>
             </a:r>
             <a:r>
-              <a:rPr lang="zh-CN" altLang="en-US" smtClean="0"/>
+              <a:rPr lang="zh-CN" altLang="en-US"/>
               <a:t> 的开始位置到结尾的字串。</a:t>
             </a:r>
             <a:endParaRPr lang="zh-CN" altLang="en-US" dirty="0"/>
@@ -1167,35 +1196,35 @@
           <a:lstStyle/>
           <a:p>
             <a:r>
-              <a:rPr lang="en-US" altLang="zh-CN" dirty="0" smtClean="0"/>
+              <a:rPr lang="en-US" altLang="zh-CN" dirty="0"/>
               <a:t>substring()  </a:t>
             </a:r>
             <a:r>
-              <a:rPr lang="en-US" altLang="zh-CN" dirty="0" err="1" smtClean="0"/>
+              <a:rPr lang="en-US" altLang="zh-CN" dirty="0" err="1"/>
               <a:t>indexOf</a:t>
             </a:r>
             <a:r>
-              <a:rPr lang="en-US" altLang="zh-CN" dirty="0" smtClean="0"/>
+              <a:rPr lang="en-US" altLang="zh-CN" dirty="0"/>
               <a:t>() O</a:t>
             </a:r>
             <a:r>
-              <a:rPr lang="zh-CN" altLang="en-US" dirty="0" smtClean="0"/>
+              <a:rPr lang="zh-CN" altLang="en-US" dirty="0"/>
               <a:t>记得大写     </a:t>
             </a:r>
             <a:r>
-              <a:rPr lang="en-US" altLang="zh-CN" i="1" dirty="0" smtClean="0"/>
+              <a:rPr lang="en-US" altLang="zh-CN" i="1" dirty="0"/>
               <a:t>length</a:t>
             </a:r>
             <a:r>
-              <a:rPr lang="zh-CN" altLang="en-US" dirty="0" smtClean="0"/>
+              <a:rPr lang="zh-CN" altLang="en-US" dirty="0"/>
               <a:t> 可选。子串中的字符数。必须是数值。如果省略了该参数，那么返回从 </a:t>
             </a:r>
             <a:r>
-              <a:rPr lang="en-US" altLang="zh-CN" i="1" dirty="0" err="1" smtClean="0"/>
+              <a:rPr lang="en-US" altLang="zh-CN" i="1" dirty="0" err="1"/>
               <a:t>stringObject</a:t>
             </a:r>
             <a:r>
-              <a:rPr lang="zh-CN" altLang="en-US" smtClean="0"/>
+              <a:rPr lang="zh-CN" altLang="en-US"/>
               <a:t> 的开始位置到结尾的字串。</a:t>
             </a:r>
             <a:endParaRPr lang="zh-CN" altLang="en-US" dirty="0"/>
@@ -1283,35 +1312,35 @@
           <a:lstStyle/>
           <a:p>
             <a:r>
-              <a:rPr lang="en-US" altLang="zh-CN" dirty="0" smtClean="0"/>
+              <a:rPr lang="en-US" altLang="zh-CN" dirty="0"/>
               <a:t>substring()  </a:t>
             </a:r>
             <a:r>
-              <a:rPr lang="en-US" altLang="zh-CN" dirty="0" err="1" smtClean="0"/>
+              <a:rPr lang="en-US" altLang="zh-CN" dirty="0" err="1"/>
               <a:t>indexOf</a:t>
             </a:r>
             <a:r>
-              <a:rPr lang="en-US" altLang="zh-CN" dirty="0" smtClean="0"/>
+              <a:rPr lang="en-US" altLang="zh-CN" dirty="0"/>
               <a:t>() O</a:t>
             </a:r>
             <a:r>
-              <a:rPr lang="zh-CN" altLang="en-US" dirty="0" smtClean="0"/>
+              <a:rPr lang="zh-CN" altLang="en-US" dirty="0"/>
               <a:t>记得大写     </a:t>
             </a:r>
             <a:r>
-              <a:rPr lang="en-US" altLang="zh-CN" i="1" dirty="0" smtClean="0"/>
+              <a:rPr lang="en-US" altLang="zh-CN" i="1" dirty="0"/>
               <a:t>length</a:t>
             </a:r>
             <a:r>
-              <a:rPr lang="zh-CN" altLang="en-US" dirty="0" smtClean="0"/>
+              <a:rPr lang="zh-CN" altLang="en-US" dirty="0"/>
               <a:t> 可选。子串中的字符数。必须是数值。如果省略了该参数，那么返回从 </a:t>
             </a:r>
             <a:r>
-              <a:rPr lang="en-US" altLang="zh-CN" i="1" dirty="0" err="1" smtClean="0"/>
+              <a:rPr lang="en-US" altLang="zh-CN" i="1" dirty="0" err="1"/>
               <a:t>stringObject</a:t>
             </a:r>
             <a:r>
-              <a:rPr lang="zh-CN" altLang="en-US" smtClean="0"/>
+              <a:rPr lang="zh-CN" altLang="en-US"/>
               <a:t> 的开始位置到结尾的字串。</a:t>
             </a:r>
             <a:endParaRPr lang="zh-CN" altLang="en-US" dirty="0"/>
@@ -1399,35 +1428,35 @@
           <a:lstStyle/>
           <a:p>
             <a:r>
-              <a:rPr lang="en-US" altLang="zh-CN" dirty="0" smtClean="0"/>
+              <a:rPr lang="en-US" altLang="zh-CN" dirty="0"/>
               <a:t>substring()  </a:t>
             </a:r>
             <a:r>
-              <a:rPr lang="en-US" altLang="zh-CN" dirty="0" err="1" smtClean="0"/>
+              <a:rPr lang="en-US" altLang="zh-CN" dirty="0" err="1"/>
               <a:t>indexOf</a:t>
             </a:r>
             <a:r>
-              <a:rPr lang="en-US" altLang="zh-CN" dirty="0" smtClean="0"/>
+              <a:rPr lang="en-US" altLang="zh-CN" dirty="0"/>
               <a:t>() O</a:t>
             </a:r>
             <a:r>
-              <a:rPr lang="zh-CN" altLang="en-US" dirty="0" smtClean="0"/>
+              <a:rPr lang="zh-CN" altLang="en-US" dirty="0"/>
               <a:t>记得大写     </a:t>
             </a:r>
             <a:r>
-              <a:rPr lang="en-US" altLang="zh-CN" i="1" dirty="0" smtClean="0"/>
+              <a:rPr lang="en-US" altLang="zh-CN" i="1" dirty="0"/>
               <a:t>length</a:t>
             </a:r>
             <a:r>
-              <a:rPr lang="zh-CN" altLang="en-US" dirty="0" smtClean="0"/>
+              <a:rPr lang="zh-CN" altLang="en-US" dirty="0"/>
               <a:t> 可选。子串中的字符数。必须是数值。如果省略了该参数，那么返回从 </a:t>
             </a:r>
             <a:r>
-              <a:rPr lang="en-US" altLang="zh-CN" i="1" dirty="0" err="1" smtClean="0"/>
+              <a:rPr lang="en-US" altLang="zh-CN" i="1" dirty="0" err="1"/>
               <a:t>stringObject</a:t>
             </a:r>
             <a:r>
-              <a:rPr lang="zh-CN" altLang="en-US" smtClean="0"/>
+              <a:rPr lang="zh-CN" altLang="en-US"/>
               <a:t> 的开始位置到结尾的字串。</a:t>
             </a:r>
             <a:endParaRPr lang="zh-CN" altLang="en-US" dirty="0"/>
@@ -1515,35 +1544,35 @@
           <a:lstStyle/>
           <a:p>
             <a:r>
-              <a:rPr lang="en-US" altLang="zh-CN" dirty="0" smtClean="0"/>
+              <a:rPr lang="en-US" altLang="zh-CN" dirty="0"/>
               <a:t>substring()  </a:t>
             </a:r>
             <a:r>
-              <a:rPr lang="en-US" altLang="zh-CN" dirty="0" err="1" smtClean="0"/>
+              <a:rPr lang="en-US" altLang="zh-CN" dirty="0" err="1"/>
               <a:t>indexOf</a:t>
             </a:r>
             <a:r>
-              <a:rPr lang="en-US" altLang="zh-CN" dirty="0" smtClean="0"/>
+              <a:rPr lang="en-US" altLang="zh-CN" dirty="0"/>
               <a:t>() O</a:t>
             </a:r>
             <a:r>
-              <a:rPr lang="zh-CN" altLang="en-US" dirty="0" smtClean="0"/>
+              <a:rPr lang="zh-CN" altLang="en-US" dirty="0"/>
               <a:t>记得大写     </a:t>
             </a:r>
             <a:r>
-              <a:rPr lang="en-US" altLang="zh-CN" i="1" dirty="0" smtClean="0"/>
+              <a:rPr lang="en-US" altLang="zh-CN" i="1" dirty="0"/>
               <a:t>length</a:t>
             </a:r>
             <a:r>
-              <a:rPr lang="zh-CN" altLang="en-US" dirty="0" smtClean="0"/>
+              <a:rPr lang="zh-CN" altLang="en-US" dirty="0"/>
               <a:t> 可选。子串中的字符数。必须是数值。如果省略了该参数，那么返回从 </a:t>
             </a:r>
             <a:r>
-              <a:rPr lang="en-US" altLang="zh-CN" i="1" dirty="0" err="1" smtClean="0"/>
+              <a:rPr lang="en-US" altLang="zh-CN" i="1" dirty="0" err="1"/>
               <a:t>stringObject</a:t>
             </a:r>
             <a:r>
-              <a:rPr lang="zh-CN" altLang="en-US" smtClean="0"/>
+              <a:rPr lang="zh-CN" altLang="en-US"/>
               <a:t> 的开始位置到结尾的字串。</a:t>
             </a:r>
             <a:endParaRPr lang="zh-CN" altLang="en-US" dirty="0"/>
@@ -1715,35 +1744,35 @@
           <a:lstStyle/>
           <a:p>
             <a:r>
-              <a:rPr lang="en-US" altLang="zh-CN" dirty="0" smtClean="0"/>
+              <a:rPr lang="en-US" altLang="zh-CN" dirty="0"/>
               <a:t>substring()  </a:t>
             </a:r>
             <a:r>
-              <a:rPr lang="en-US" altLang="zh-CN" dirty="0" err="1" smtClean="0"/>
+              <a:rPr lang="en-US" altLang="zh-CN" dirty="0" err="1"/>
               <a:t>indexOf</a:t>
             </a:r>
             <a:r>
-              <a:rPr lang="en-US" altLang="zh-CN" dirty="0" smtClean="0"/>
+              <a:rPr lang="en-US" altLang="zh-CN" dirty="0"/>
               <a:t>() O</a:t>
             </a:r>
             <a:r>
-              <a:rPr lang="zh-CN" altLang="en-US" dirty="0" smtClean="0"/>
+              <a:rPr lang="zh-CN" altLang="en-US" dirty="0"/>
               <a:t>记得大写     </a:t>
             </a:r>
             <a:r>
-              <a:rPr lang="en-US" altLang="zh-CN" i="1" dirty="0" smtClean="0"/>
+              <a:rPr lang="en-US" altLang="zh-CN" i="1" dirty="0"/>
               <a:t>length</a:t>
             </a:r>
             <a:r>
-              <a:rPr lang="zh-CN" altLang="en-US" dirty="0" smtClean="0"/>
+              <a:rPr lang="zh-CN" altLang="en-US" dirty="0"/>
               <a:t> 可选。子串中的字符数。必须是数值。如果省略了该参数，那么返回从 </a:t>
             </a:r>
             <a:r>
-              <a:rPr lang="en-US" altLang="zh-CN" i="1" dirty="0" err="1" smtClean="0"/>
+              <a:rPr lang="en-US" altLang="zh-CN" i="1" dirty="0" err="1"/>
               <a:t>stringObject</a:t>
             </a:r>
             <a:r>
-              <a:rPr lang="zh-CN" altLang="en-US" smtClean="0"/>
+              <a:rPr lang="zh-CN" altLang="en-US"/>
               <a:t> 的开始位置到结尾的字串。</a:t>
             </a:r>
             <a:endParaRPr lang="zh-CN" altLang="en-US" dirty="0"/>
@@ -1831,35 +1860,35 @@
           <a:lstStyle/>
           <a:p>
             <a:r>
-              <a:rPr lang="en-US" altLang="zh-CN" dirty="0" smtClean="0"/>
+              <a:rPr lang="en-US" altLang="zh-CN" dirty="0"/>
               <a:t>substring()  </a:t>
             </a:r>
             <a:r>
-              <a:rPr lang="en-US" altLang="zh-CN" dirty="0" err="1" smtClean="0"/>
+              <a:rPr lang="en-US" altLang="zh-CN" dirty="0" err="1"/>
               <a:t>indexOf</a:t>
             </a:r>
             <a:r>
-              <a:rPr lang="en-US" altLang="zh-CN" dirty="0" smtClean="0"/>
+              <a:rPr lang="en-US" altLang="zh-CN" dirty="0"/>
               <a:t>() O</a:t>
             </a:r>
             <a:r>
-              <a:rPr lang="zh-CN" altLang="en-US" dirty="0" smtClean="0"/>
+              <a:rPr lang="zh-CN" altLang="en-US" dirty="0"/>
               <a:t>记得大写     </a:t>
             </a:r>
             <a:r>
-              <a:rPr lang="en-US" altLang="zh-CN" i="1" dirty="0" smtClean="0"/>
+              <a:rPr lang="en-US" altLang="zh-CN" i="1" dirty="0"/>
               <a:t>length</a:t>
             </a:r>
             <a:r>
-              <a:rPr lang="zh-CN" altLang="en-US" dirty="0" smtClean="0"/>
+              <a:rPr lang="zh-CN" altLang="en-US" dirty="0"/>
               <a:t> 可选。子串中的字符数。必须是数值。如果省略了该参数，那么返回从 </a:t>
             </a:r>
             <a:r>
-              <a:rPr lang="en-US" altLang="zh-CN" i="1" dirty="0" err="1" smtClean="0"/>
+              <a:rPr lang="en-US" altLang="zh-CN" i="1" dirty="0" err="1"/>
               <a:t>stringObject</a:t>
             </a:r>
             <a:r>
-              <a:rPr lang="zh-CN" altLang="en-US" smtClean="0"/>
+              <a:rPr lang="zh-CN" altLang="en-US"/>
               <a:t> 的开始位置到结尾的字串。</a:t>
             </a:r>
             <a:endParaRPr lang="zh-CN" altLang="en-US" dirty="0"/>
@@ -1947,35 +1976,35 @@
           <a:lstStyle/>
           <a:p>
             <a:r>
-              <a:rPr lang="en-US" altLang="zh-CN" dirty="0" smtClean="0"/>
+              <a:rPr lang="en-US" altLang="zh-CN" dirty="0"/>
               <a:t>substring()  </a:t>
             </a:r>
             <a:r>
-              <a:rPr lang="en-US" altLang="zh-CN" dirty="0" err="1" smtClean="0"/>
+              <a:rPr lang="en-US" altLang="zh-CN" dirty="0" err="1"/>
               <a:t>indexOf</a:t>
             </a:r>
             <a:r>
-              <a:rPr lang="en-US" altLang="zh-CN" dirty="0" smtClean="0"/>
+              <a:rPr lang="en-US" altLang="zh-CN" dirty="0"/>
               <a:t>() O</a:t>
             </a:r>
             <a:r>
-              <a:rPr lang="zh-CN" altLang="en-US" dirty="0" smtClean="0"/>
+              <a:rPr lang="zh-CN" altLang="en-US" dirty="0"/>
               <a:t>记得大写     </a:t>
             </a:r>
             <a:r>
-              <a:rPr lang="en-US" altLang="zh-CN" i="1" dirty="0" smtClean="0"/>
+              <a:rPr lang="en-US" altLang="zh-CN" i="1" dirty="0"/>
               <a:t>length</a:t>
             </a:r>
             <a:r>
-              <a:rPr lang="zh-CN" altLang="en-US" dirty="0" smtClean="0"/>
+              <a:rPr lang="zh-CN" altLang="en-US" dirty="0"/>
               <a:t> 可选。子串中的字符数。必须是数值。如果省略了该参数，那么返回从 </a:t>
             </a:r>
             <a:r>
-              <a:rPr lang="en-US" altLang="zh-CN" i="1" dirty="0" err="1" smtClean="0"/>
+              <a:rPr lang="en-US" altLang="zh-CN" i="1" dirty="0" err="1"/>
               <a:t>stringObject</a:t>
             </a:r>
             <a:r>
-              <a:rPr lang="zh-CN" altLang="en-US" smtClean="0"/>
+              <a:rPr lang="zh-CN" altLang="en-US"/>
               <a:t> 的开始位置到结尾的字串。</a:t>
             </a:r>
             <a:endParaRPr lang="zh-CN" altLang="en-US" dirty="0"/>
@@ -2063,35 +2092,35 @@
           <a:lstStyle/>
           <a:p>
             <a:r>
-              <a:rPr lang="en-US" altLang="zh-CN" dirty="0" smtClean="0"/>
+              <a:rPr lang="en-US" altLang="zh-CN" dirty="0"/>
               <a:t>substring()  </a:t>
             </a:r>
             <a:r>
-              <a:rPr lang="en-US" altLang="zh-CN" dirty="0" err="1" smtClean="0"/>
+              <a:rPr lang="en-US" altLang="zh-CN" dirty="0" err="1"/>
               <a:t>indexOf</a:t>
             </a:r>
             <a:r>
-              <a:rPr lang="en-US" altLang="zh-CN" dirty="0" smtClean="0"/>
+              <a:rPr lang="en-US" altLang="zh-CN" dirty="0"/>
               <a:t>() O</a:t>
             </a:r>
             <a:r>
-              <a:rPr lang="zh-CN" altLang="en-US" dirty="0" smtClean="0"/>
+              <a:rPr lang="zh-CN" altLang="en-US" dirty="0"/>
               <a:t>记得大写     </a:t>
             </a:r>
             <a:r>
-              <a:rPr lang="en-US" altLang="zh-CN" i="1" dirty="0" smtClean="0"/>
+              <a:rPr lang="en-US" altLang="zh-CN" i="1" dirty="0"/>
               <a:t>length</a:t>
             </a:r>
             <a:r>
-              <a:rPr lang="zh-CN" altLang="en-US" dirty="0" smtClean="0"/>
+              <a:rPr lang="zh-CN" altLang="en-US" dirty="0"/>
               <a:t> 可选。子串中的字符数。必须是数值。如果省略了该参数，那么返回从 </a:t>
             </a:r>
             <a:r>
-              <a:rPr lang="en-US" altLang="zh-CN" i="1" dirty="0" err="1" smtClean="0"/>
+              <a:rPr lang="en-US" altLang="zh-CN" i="1" dirty="0" err="1"/>
               <a:t>stringObject</a:t>
             </a:r>
             <a:r>
-              <a:rPr lang="zh-CN" altLang="en-US" smtClean="0"/>
+              <a:rPr lang="zh-CN" altLang="en-US"/>
               <a:t> 的开始位置到结尾的字串。</a:t>
             </a:r>
             <a:endParaRPr lang="zh-CN" altLang="en-US" dirty="0"/>
@@ -2179,18 +2208,17 @@
           <a:lstStyle/>
           <a:p>
             <a:r>
-              <a:rPr lang="zh-CN" altLang="en-US" dirty="0" smtClean="0"/>
+              <a:rPr lang="zh-CN" altLang="en-US" dirty="0"/>
               <a:t>直接赋值。</a:t>
             </a:r>
             <a:r>
-              <a:rPr lang="en-US" altLang="zh-CN" dirty="0" smtClean="0"/>
+              <a:rPr lang="en-US" altLang="zh-CN" dirty="0"/>
               <a:t>JS</a:t>
             </a:r>
             <a:r>
-              <a:rPr lang="zh-CN" altLang="en-US" dirty="0" smtClean="0"/>
+              <a:rPr lang="zh-CN" altLang="en-US" dirty="0"/>
               <a:t>里面没有二维数组的概念？只是间接的实现。</a:t>
             </a:r>
-            <a:endParaRPr lang="zh-CN" altLang="en-US" dirty="0"/>
           </a:p>
         </p:txBody>
       </p:sp>
@@ -2275,18 +2303,17 @@
           <a:lstStyle/>
           <a:p>
             <a:r>
-              <a:rPr lang="zh-CN" altLang="en-US" dirty="0" smtClean="0"/>
+              <a:rPr lang="zh-CN" altLang="en-US" dirty="0"/>
               <a:t>直接赋值。</a:t>
             </a:r>
             <a:r>
-              <a:rPr lang="en-US" altLang="zh-CN" dirty="0" smtClean="0"/>
+              <a:rPr lang="en-US" altLang="zh-CN" dirty="0"/>
               <a:t>JS</a:t>
             </a:r>
             <a:r>
-              <a:rPr lang="zh-CN" altLang="en-US" dirty="0" smtClean="0"/>
+              <a:rPr lang="zh-CN" altLang="en-US" dirty="0"/>
               <a:t>里面没有二维数组的概念   只是间接的实现。</a:t>
             </a:r>
-            <a:endParaRPr lang="zh-CN" altLang="en-US" dirty="0"/>
           </a:p>
         </p:txBody>
       </p:sp>
@@ -2484,28 +2511,28 @@
           <a:p>
             <a:pPr lvl="0"/>
             <a:r>
-              <a:rPr lang="zh-CN" altLang="en-US" dirty="0" smtClean="0"/>
+              <a:rPr lang="zh-CN" altLang="en-US" dirty="0"/>
               <a:t>单击此处编辑母版文本样式</a:t>
             </a:r>
           </a:p>
           <a:p>
             <a:pPr lvl="1"/>
             <a:r>
-              <a:rPr lang="zh-CN" altLang="en-US" dirty="0" smtClean="0"/>
+              <a:rPr lang="zh-CN" altLang="en-US" dirty="0"/>
               <a:t>第二级</a:t>
             </a:r>
           </a:p>
           <a:p>
             <a:pPr lvl="2"/>
             <a:r>
-              <a:rPr lang="zh-CN" altLang="en-US" dirty="0" smtClean="0"/>
+              <a:rPr lang="zh-CN" altLang="en-US" dirty="0"/>
               <a:t>第三级</a:t>
             </a:r>
           </a:p>
           <a:p>
             <a:pPr lvl="3"/>
             <a:r>
-              <a:rPr lang="zh-CN" altLang="en-US" dirty="0" smtClean="0"/>
+              <a:rPr lang="zh-CN" altLang="en-US" dirty="0"/>
               <a:t>第四级</a:t>
             </a:r>
           </a:p>
@@ -2566,7 +2593,7 @@
           <a:p>
             <a:pPr lvl="0"/>
             <a:r>
-              <a:rPr lang="zh-CN" altLang="en-US" dirty="0" smtClean="0"/>
+              <a:rPr lang="zh-CN" altLang="en-US" dirty="0"/>
               <a:t>单击此处编辑母版文本样式</a:t>
             </a:r>
           </a:p>
@@ -2702,28 +2729,28 @@
           <a:p>
             <a:pPr lvl="0"/>
             <a:r>
-              <a:rPr lang="zh-CN" altLang="en-US" dirty="0" smtClean="0"/>
+              <a:rPr lang="zh-CN" altLang="en-US" dirty="0"/>
               <a:t>单击此处编辑母版文本样式</a:t>
             </a:r>
           </a:p>
           <a:p>
             <a:pPr lvl="1"/>
             <a:r>
-              <a:rPr lang="zh-CN" altLang="en-US" dirty="0" smtClean="0"/>
+              <a:rPr lang="zh-CN" altLang="en-US" dirty="0"/>
               <a:t>第二级</a:t>
             </a:r>
           </a:p>
           <a:p>
             <a:pPr lvl="2"/>
             <a:r>
-              <a:rPr lang="zh-CN" altLang="en-US" dirty="0" smtClean="0"/>
+              <a:rPr lang="zh-CN" altLang="en-US" dirty="0"/>
               <a:t>第三级</a:t>
             </a:r>
           </a:p>
           <a:p>
             <a:pPr lvl="3"/>
             <a:r>
-              <a:rPr lang="zh-CN" altLang="en-US" dirty="0" smtClean="0"/>
+              <a:rPr lang="zh-CN" altLang="en-US" dirty="0"/>
               <a:t>第四级</a:t>
             </a:r>
           </a:p>
@@ -2784,7 +2811,7 @@
           <a:p>
             <a:pPr lvl="0"/>
             <a:r>
-              <a:rPr lang="zh-CN" altLang="en-US" dirty="0" smtClean="0"/>
+              <a:rPr lang="zh-CN" altLang="en-US" dirty="0"/>
               <a:t>单击此处编辑母版文本样式</a:t>
             </a:r>
           </a:p>
@@ -2989,13 +3016,6 @@
     <p:sldLayoutId id="2147483650" r:id="rId2"/>
     <p:sldLayoutId id="2147483651" r:id="rId3"/>
   </p:sldLayoutIdLst>
-  <p:timing>
-    <p:tnLst>
-      <p:par>
-        <p:cTn id="1" dur="indefinite" restart="never" nodeType="tmRoot"/>
-      </p:par>
-    </p:tnLst>
-  </p:timing>
   <p:txStyles>
     <p:titleStyle>
       <a:lvl1pPr algn="l" rtl="0" eaLnBrk="0" fontAlgn="base" hangingPunct="0">
@@ -3658,13 +3678,6 @@
     <a:masterClrMapping/>
   </p:clrMapOvr>
   <p:transition advClick="0"/>
-  <p:timing>
-    <p:tnLst>
-      <p:par>
-        <p:cTn id="1" dur="indefinite" restart="never" nodeType="tmRoot"/>
-      </p:par>
-    </p:tnLst>
-  </p:timing>
 </p:sld>
 </file>
 
@@ -3706,19 +3719,15 @@
           <a:lstStyle/>
           <a:p>
             <a:r>
-              <a:rPr lang="zh-CN" altLang="en-US" sz="3200" dirty="0" smtClean="0"/>
+              <a:rPr lang="zh-CN" altLang="en-US" sz="3200" dirty="0"/>
               <a:t> </a:t>
             </a:r>
             <a:r>
-              <a:rPr lang="zh-CN" altLang="en-US" dirty="0" smtClean="0"/>
-              <a:t>动手做</a:t>
-            </a:r>
-            <a:r>
               <a:rPr lang="zh-CN" altLang="en-US" dirty="0"/>
-              <a:t>：</a:t>
-            </a:r>
-            <a:r>
-              <a:rPr lang="en-US" altLang="zh-CN" dirty="0" smtClean="0"/>
+              <a:t>动手做：</a:t>
+            </a:r>
+            <a:r>
+              <a:rPr lang="en-US" altLang="zh-CN" dirty="0"/>
               <a:t>demo4-4.html</a:t>
             </a:r>
           </a:p>
@@ -3729,26 +3738,26 @@
           <a:p>
             <a:pPr lvl="1"/>
             <a:r>
-              <a:rPr lang="zh-CN" altLang="en-US" sz="2400" dirty="0" smtClean="0"/>
+              <a:rPr lang="zh-CN" altLang="en-US" sz="2400" dirty="0"/>
               <a:t>创建一个字符串，用来存储帖子的内容</a:t>
             </a:r>
-            <a:endParaRPr lang="en-US" altLang="zh-CN" sz="2400" dirty="0" smtClean="0"/>
+            <a:endParaRPr lang="en-US" altLang="zh-CN" sz="2400" dirty="0"/>
           </a:p>
           <a:p>
             <a:pPr lvl="1"/>
             <a:r>
-              <a:rPr lang="zh-CN" altLang="en-US" sz="2400" dirty="0" smtClean="0"/>
+              <a:rPr lang="zh-CN" altLang="en-US" sz="2400" dirty="0"/>
               <a:t>只输出帖子内容的前 </a:t>
             </a:r>
             <a:r>
-              <a:rPr lang="en-US" altLang="zh-CN" sz="2400" dirty="0" smtClean="0"/>
+              <a:rPr lang="en-US" altLang="zh-CN" sz="2400" dirty="0"/>
               <a:t>5 </a:t>
             </a:r>
             <a:r>
-              <a:rPr lang="zh-CN" altLang="en-US" sz="2400" dirty="0" smtClean="0"/>
+              <a:rPr lang="zh-CN" altLang="en-US" sz="2400" dirty="0"/>
               <a:t>个字符</a:t>
             </a:r>
-            <a:endParaRPr lang="en-US" altLang="zh-CN" sz="2400" dirty="0" smtClean="0"/>
+            <a:endParaRPr lang="en-US" altLang="zh-CN" sz="2400" dirty="0"/>
           </a:p>
           <a:p>
             <a:pPr lvl="1"/>
@@ -3772,10 +3781,9 @@
           <a:lstStyle/>
           <a:p>
             <a:r>
-              <a:rPr lang="zh-CN" altLang="en-US" dirty="0" smtClean="0"/>
+              <a:rPr lang="zh-CN" altLang="en-US" dirty="0"/>
               <a:t>试一试</a:t>
             </a:r>
-            <a:endParaRPr lang="zh-CN" altLang="en-US" dirty="0"/>
           </a:p>
         </p:txBody>
       </p:sp>
@@ -3816,13 +3824,6 @@
   <p:clrMapOvr>
     <a:masterClrMapping/>
   </p:clrMapOvr>
-  <p:timing>
-    <p:tnLst>
-      <p:par>
-        <p:cTn id="1" dur="indefinite" restart="never" nodeType="tmRoot"/>
-      </p:par>
-    </p:tnLst>
-  </p:timing>
 </p:sld>
 </file>
 
@@ -3864,29 +3865,29 @@
           <a:lstStyle/>
           <a:p>
             <a:r>
-              <a:rPr lang="zh-CN" altLang="en-US" dirty="0" smtClean="0"/>
+              <a:rPr lang="zh-CN" altLang="en-US" dirty="0"/>
               <a:t> 把字符串分割成</a:t>
             </a:r>
             <a:r>
-              <a:rPr lang="zh-CN" altLang="en-US" dirty="0" smtClean="0">
+              <a:rPr lang="zh-CN" altLang="en-US" dirty="0">
                 <a:solidFill>
                   <a:srgbClr val="FF0000"/>
                 </a:solidFill>
               </a:rPr>
               <a:t>数组</a:t>
             </a:r>
-            <a:endParaRPr lang="zh-CN" altLang="en-US" dirty="0" smtClean="0"/>
+            <a:endParaRPr lang="zh-CN" altLang="en-US" dirty="0"/>
           </a:p>
           <a:p>
             <a:pPr lvl="1"/>
             <a:r>
-              <a:rPr lang="zh-CN" altLang="en-US" sz="2400" dirty="0" smtClean="0">
+              <a:rPr lang="zh-CN" altLang="en-US" sz="2400" dirty="0">
                 <a:cs typeface="+mn-ea"/>
               </a:rPr>
               <a:t> 通过字符串变量的 </a:t>
             </a:r>
             <a:r>
-              <a:rPr lang="en-US" altLang="zh-CN" sz="2400" dirty="0" smtClean="0">
+              <a:rPr lang="en-US" altLang="zh-CN" sz="2400" dirty="0">
                 <a:solidFill>
                   <a:srgbClr val="C00000"/>
                 </a:solidFill>
@@ -3895,7 +3896,7 @@
               <a:t>split</a:t>
             </a:r>
             <a:r>
-              <a:rPr lang="zh-CN" altLang="en-US" sz="2400" dirty="0" smtClean="0">
+              <a:rPr lang="zh-CN" altLang="en-US" sz="2400" dirty="0">
                 <a:solidFill>
                   <a:srgbClr val="C00000"/>
                 </a:solidFill>
@@ -3904,7 +3905,7 @@
               <a:t>(separator,howmany) </a:t>
             </a:r>
             <a:r>
-              <a:rPr lang="zh-CN" altLang="en-US" sz="2400" dirty="0" smtClean="0">
+              <a:rPr lang="zh-CN" altLang="en-US" sz="2400" dirty="0">
                 <a:cs typeface="+mn-ea"/>
               </a:rPr>
               <a:t>方法</a:t>
@@ -3915,7 +3916,7 @@
               <a:buNone/>
             </a:pPr>
             <a:r>
-              <a:rPr lang="en-US" altLang="zh-CN" sz="2400" dirty="0" smtClean="0"/>
+              <a:rPr lang="en-US" altLang="zh-CN" sz="2400" dirty="0"/>
               <a:t>	</a:t>
             </a:r>
           </a:p>
@@ -3923,31 +3924,26 @@
             <a:pPr lvl="1">
               <a:buNone/>
             </a:pPr>
-            <a:endParaRPr lang="en-US" altLang="zh-CN" sz="2400" dirty="0" smtClean="0"/>
+            <a:endParaRPr lang="en-US" altLang="zh-CN" sz="2400" dirty="0"/>
           </a:p>
           <a:p>
             <a:pPr lvl="1">
               <a:buNone/>
             </a:pPr>
-            <a:endParaRPr lang="en-US" altLang="zh-CN" dirty="0" smtClean="0"/>
+            <a:endParaRPr lang="en-US" altLang="zh-CN" dirty="0"/>
           </a:p>
           <a:p>
             <a:pPr marL="168275" lvl="1" indent="0">
               <a:buNone/>
             </a:pPr>
             <a:r>
-              <a:rPr lang="en-US" altLang="zh-CN" sz="2400" dirty="0" smtClean="0">
+              <a:rPr lang="en-US" altLang="zh-CN" sz="2400" dirty="0">
                 <a:solidFill>
                   <a:srgbClr val="C00000"/>
                 </a:solidFill>
               </a:rPr>
               <a:t> </a:t>
             </a:r>
-            <a:endParaRPr lang="en-US" altLang="zh-CN" sz="2400" dirty="0">
-              <a:solidFill>
-                <a:srgbClr val="C00000"/>
-              </a:solidFill>
-            </a:endParaRPr>
           </a:p>
         </p:txBody>
       </p:sp>
@@ -3967,10 +3963,9 @@
           <a:lstStyle/>
           <a:p>
             <a:r>
-              <a:rPr lang="zh-CN" altLang="en-US" dirty="0" smtClean="0"/>
+              <a:rPr lang="zh-CN" altLang="en-US" dirty="0"/>
               <a:t>字符串方法</a:t>
             </a:r>
-            <a:endParaRPr lang="zh-CN" altLang="en-US" dirty="0"/>
           </a:p>
         </p:txBody>
       </p:sp>
@@ -3997,16 +3992,12 @@
           <a:lstStyle/>
           <a:p>
             <a:r>
-              <a:rPr lang="en-US" altLang="zh-CN" sz="2800" dirty="0" smtClean="0">
+              <a:rPr lang="en-US" altLang="zh-CN" sz="2800" dirty="0">
                 <a:latin typeface="Arial" panose="020B0604020202020204" pitchFamily="34" charset="0"/>
                 <a:ea typeface="微软雅黑" panose="020B0503020204020204" pitchFamily="34" charset="-122"/>
               </a:rPr>
               <a:t>demo4-5.html</a:t>
             </a:r>
-            <a:endParaRPr lang="en-US" altLang="zh-CN" sz="2800" dirty="0">
-              <a:latin typeface="Arial" panose="020B0604020202020204" pitchFamily="34" charset="0"/>
-              <a:ea typeface="微软雅黑" panose="020B0503020204020204" pitchFamily="34" charset="-122"/>
-            </a:endParaRPr>
           </a:p>
         </p:txBody>
       </p:sp>
@@ -4075,7 +4066,7 @@
               </a:lnSpc>
             </a:pPr>
             <a:r>
-              <a:rPr lang="en-US" sz="2600" dirty="0" err="1" smtClean="0">
+              <a:rPr lang="en-US" sz="2600" dirty="0" err="1">
                 <a:solidFill>
                   <a:schemeClr val="tx1"/>
                 </a:solidFill>
@@ -4093,7 +4084,7 @@
               </a:lnSpc>
             </a:pPr>
             <a:r>
-              <a:rPr lang="en-US" sz="2600" dirty="0" err="1" smtClean="0">
+              <a:rPr lang="en-US" sz="2600" dirty="0" err="1">
                 <a:solidFill>
                   <a:schemeClr val="tx1"/>
                 </a:solidFill>
@@ -4361,21 +4352,21 @@
           <a:lstStyle/>
           <a:p>
             <a:r>
-              <a:rPr lang="zh-CN" altLang="en-US" dirty="0" smtClean="0"/>
+              <a:rPr lang="zh-CN" altLang="en-US" dirty="0"/>
               <a:t> 把字符串转换成大写</a:t>
             </a:r>
           </a:p>
           <a:p>
             <a:pPr lvl="1"/>
             <a:r>
-              <a:rPr lang="zh-CN" altLang="en-US" sz="2400" dirty="0" smtClean="0">
+              <a:rPr lang="zh-CN" altLang="en-US" sz="2400" dirty="0">
                 <a:cs typeface="+mn-ea"/>
                 <a:sym typeface="+mn-ea"/>
               </a:rPr>
               <a:t> 通过字符串变量的 </a:t>
             </a:r>
             <a:r>
-              <a:rPr sz="2400" dirty="0" smtClean="0">
+              <a:rPr sz="2400" dirty="0">
                 <a:solidFill>
                   <a:srgbClr val="C00000"/>
                 </a:solidFill>
@@ -4385,21 +4376,21 @@
               <a:t>toUpperCase() </a:t>
             </a:r>
             <a:r>
-              <a:rPr lang="zh-CN" altLang="en-US" sz="2400" dirty="0" smtClean="0">
+              <a:rPr lang="zh-CN" altLang="en-US" sz="2400" dirty="0">
                 <a:cs typeface="+mn-ea"/>
                 <a:sym typeface="+mn-ea"/>
               </a:rPr>
               <a:t>方法</a:t>
             </a:r>
-            <a:endParaRPr lang="zh-CN" altLang="en-US" sz="2400" dirty="0" smtClean="0"/>
-          </a:p>
-          <a:p>
-            <a:r>
-              <a:rPr lang="zh-CN" altLang="en-US" dirty="0" smtClean="0"/>
+            <a:endParaRPr lang="zh-CN" altLang="en-US" sz="2400" dirty="0"/>
+          </a:p>
+          <a:p>
+            <a:r>
+              <a:rPr lang="zh-CN" altLang="en-US" dirty="0"/>
               <a:t> </a:t>
             </a:r>
             <a:r>
-              <a:rPr lang="zh-CN" altLang="en-US" sz="2800" dirty="0" smtClean="0">
+              <a:rPr lang="zh-CN" altLang="en-US" sz="2800" dirty="0">
                 <a:solidFill>
                   <a:srgbClr val="006F53"/>
                 </a:solidFill>
@@ -4408,19 +4399,19 @@
               </a:rPr>
               <a:t>把字符串转换成小写</a:t>
             </a:r>
-            <a:endParaRPr lang="zh-CN" altLang="en-US" sz="2400" dirty="0" smtClean="0"/>
+            <a:endParaRPr lang="zh-CN" altLang="en-US" sz="2400" dirty="0"/>
           </a:p>
           <a:p>
             <a:pPr lvl="1"/>
             <a:r>
-              <a:rPr lang="zh-CN" altLang="en-US" sz="2400" dirty="0" smtClean="0">
+              <a:rPr lang="zh-CN" altLang="en-US" sz="2400" dirty="0">
                 <a:cs typeface="+mn-ea"/>
                 <a:sym typeface="+mn-ea"/>
               </a:rPr>
               <a:t> 通过字符串变量的 </a:t>
             </a:r>
             <a:r>
-              <a:rPr sz="2400" dirty="0" smtClean="0">
+              <a:rPr sz="2400" dirty="0">
                 <a:solidFill>
                   <a:srgbClr val="C00000"/>
                 </a:solidFill>
@@ -4430,7 +4421,7 @@
               <a:t>to</a:t>
             </a:r>
             <a:r>
-              <a:rPr lang="en-US" sz="2400" dirty="0" smtClean="0">
+              <a:rPr lang="en-US" sz="2400" dirty="0">
                 <a:solidFill>
                   <a:srgbClr val="C00000"/>
                 </a:solidFill>
@@ -4440,7 +4431,7 @@
               <a:t>Lower</a:t>
             </a:r>
             <a:r>
-              <a:rPr sz="2400" dirty="0" smtClean="0">
+              <a:rPr sz="2400" dirty="0">
                 <a:solidFill>
                   <a:srgbClr val="C00000"/>
                 </a:solidFill>
@@ -4450,7 +4441,7 @@
               <a:t>Case() </a:t>
             </a:r>
             <a:r>
-              <a:rPr lang="zh-CN" altLang="en-US" sz="2400" dirty="0" smtClean="0">
+              <a:rPr lang="zh-CN" altLang="en-US" sz="2400" dirty="0">
                 <a:cs typeface="+mn-ea"/>
                 <a:sym typeface="+mn-ea"/>
               </a:rPr>
@@ -4492,16 +4483,12 @@
           <a:lstStyle/>
           <a:p>
             <a:r>
-              <a:rPr lang="en-US" altLang="zh-CN" sz="2800" dirty="0" smtClean="0">
+              <a:rPr lang="en-US" altLang="zh-CN" sz="2800" dirty="0">
                 <a:latin typeface="Arial" panose="020B0604020202020204" pitchFamily="34" charset="0"/>
                 <a:ea typeface="微软雅黑" panose="020B0503020204020204" pitchFamily="34" charset="-122"/>
               </a:rPr>
               <a:t>demo4-6.html</a:t>
             </a:r>
-            <a:endParaRPr lang="en-US" altLang="zh-CN" sz="2800" dirty="0">
-              <a:latin typeface="Arial" panose="020B0604020202020204" pitchFamily="34" charset="0"/>
-              <a:ea typeface="微软雅黑" panose="020B0503020204020204" pitchFamily="34" charset="-122"/>
-            </a:endParaRPr>
           </a:p>
         </p:txBody>
       </p:sp>
@@ -4521,10 +4508,9 @@
           <a:lstStyle/>
           <a:p>
             <a:r>
-              <a:rPr lang="zh-CN" altLang="en-US" dirty="0" smtClean="0"/>
+              <a:rPr lang="zh-CN" altLang="en-US" dirty="0"/>
               <a:t>字符串方法</a:t>
             </a:r>
-            <a:endParaRPr lang="zh-CN" altLang="en-US" dirty="0"/>
           </a:p>
         </p:txBody>
       </p:sp>
@@ -5529,13 +5515,6 @@
   <p:clrMapOvr>
     <a:masterClrMapping/>
   </p:clrMapOvr>
-  <p:timing>
-    <p:tnLst>
-      <p:par>
-        <p:cTn id="1" dur="indefinite" restart="never" nodeType="tmRoot"/>
-      </p:par>
-    </p:tnLst>
-  </p:timing>
 </p:sld>
 </file>
 
@@ -5572,7 +5551,7 @@
           <a:lstStyle/>
           <a:p>
             <a:r>
-              <a:rPr lang="zh-CN" altLang="en-US" dirty="0" smtClean="0">
+              <a:rPr lang="zh-CN" altLang="en-US" dirty="0">
                 <a:sym typeface="+mn-ea"/>
               </a:rPr>
               <a:t>字符串小结</a:t>
@@ -5595,7 +5574,7 @@
         </p:nvGraphicFramePr>
         <p:xfrm>
           <a:off x="1229360" y="1066165"/>
-          <a:ext cx="5986145" cy="4840224"/>
+          <a:ext cx="5986145" cy="4601150"/>
         </p:xfrm>
         <a:graphic>
           <a:graphicData uri="http://schemas.openxmlformats.org/drawingml/2006/table">
@@ -5604,8 +5583,20 @@
                 <a:tableStyleId>{5C22544A-7EE6-4342-B048-85BDC9FD1C3A}</a:tableStyleId>
               </a:tblPr>
               <a:tblGrid>
-                <a:gridCol w="2833370"/>
-                <a:gridCol w="3152775"/>
+                <a:gridCol w="2833370">
+                  <a:extLst>
+                    <a:ext uri="{9D8B030D-6E8A-4147-A177-3AD203B41FA5}">
+                      <a16:colId xmlns:a16="http://schemas.microsoft.com/office/drawing/2014/main" val="20000"/>
+                    </a:ext>
+                  </a:extLst>
+                </a:gridCol>
+                <a:gridCol w="3152775">
+                  <a:extLst>
+                    <a:ext uri="{9D8B030D-6E8A-4147-A177-3AD203B41FA5}">
+                      <a16:colId xmlns:a16="http://schemas.microsoft.com/office/drawing/2014/main" val="20001"/>
+                    </a:ext>
+                  </a:extLst>
+                </a:gridCol>
               </a:tblGrid>
               <a:tr h="487680">
                 <a:tc>
@@ -5646,6 +5637,11 @@
                   </a:txBody>
                   <a:tcPr/>
                 </a:tc>
+                <a:extLst>
+                  <a:ext uri="{0D108BD9-81ED-4DB2-BD59-A6C34878D82A}">
+                    <a16:rowId xmlns:a16="http://schemas.microsoft.com/office/drawing/2014/main" val="10000"/>
+                  </a:ext>
+                </a:extLst>
               </a:tr>
               <a:tr h="381000">
                 <a:tc>
@@ -5692,6 +5688,11 @@
                   </a:txBody>
                   <a:tcPr/>
                 </a:tc>
+                <a:extLst>
+                  <a:ext uri="{0D108BD9-81ED-4DB2-BD59-A6C34878D82A}">
+                    <a16:rowId xmlns:a16="http://schemas.microsoft.com/office/drawing/2014/main" val="10001"/>
+                  </a:ext>
+                </a:extLst>
               </a:tr>
               <a:tr h="381000">
                 <a:tc>
@@ -5738,6 +5739,11 @@
                   </a:txBody>
                   <a:tcPr/>
                 </a:tc>
+                <a:extLst>
+                  <a:ext uri="{0D108BD9-81ED-4DB2-BD59-A6C34878D82A}">
+                    <a16:rowId xmlns:a16="http://schemas.microsoft.com/office/drawing/2014/main" val="10002"/>
+                  </a:ext>
+                </a:extLst>
               </a:tr>
               <a:tr h="381000">
                 <a:tc>
@@ -5784,6 +5790,11 @@
                   </a:txBody>
                   <a:tcPr/>
                 </a:tc>
+                <a:extLst>
+                  <a:ext uri="{0D108BD9-81ED-4DB2-BD59-A6C34878D82A}">
+                    <a16:rowId xmlns:a16="http://schemas.microsoft.com/office/drawing/2014/main" val="10003"/>
+                  </a:ext>
+                </a:extLst>
               </a:tr>
               <a:tr h="381000">
                 <a:tc>
@@ -5837,6 +5848,11 @@
                   </a:txBody>
                   <a:tcPr/>
                 </a:tc>
+                <a:extLst>
+                  <a:ext uri="{0D108BD9-81ED-4DB2-BD59-A6C34878D82A}">
+                    <a16:rowId xmlns:a16="http://schemas.microsoft.com/office/drawing/2014/main" val="10004"/>
+                  </a:ext>
+                </a:extLst>
               </a:tr>
               <a:tr h="493395">
                 <a:tc>
@@ -5883,7 +5899,7 @@
                         <a:t>split(</a:t>
                       </a:r>
                       <a:r>
-                        <a:rPr lang="zh-CN" altLang="en-US" sz="2200" dirty="0" smtClean="0">
+                        <a:rPr lang="zh-CN" altLang="en-US" sz="2200" dirty="0">
                           <a:solidFill>
                             <a:schemeClr val="tx1"/>
                           </a:solidFill>
@@ -5908,6 +5924,11 @@
                   </a:txBody>
                   <a:tcPr/>
                 </a:tc>
+                <a:extLst>
+                  <a:ext uri="{0D108BD9-81ED-4DB2-BD59-A6C34878D82A}">
+                    <a16:rowId xmlns:a16="http://schemas.microsoft.com/office/drawing/2014/main" val="10005"/>
+                  </a:ext>
+                </a:extLst>
               </a:tr>
               <a:tr h="381000">
                 <a:tc>
@@ -5963,6 +5984,11 @@
                   </a:txBody>
                   <a:tcPr/>
                 </a:tc>
+                <a:extLst>
+                  <a:ext uri="{0D108BD9-81ED-4DB2-BD59-A6C34878D82A}">
+                    <a16:rowId xmlns:a16="http://schemas.microsoft.com/office/drawing/2014/main" val="10006"/>
+                  </a:ext>
+                </a:extLst>
               </a:tr>
               <a:tr h="381000">
                 <a:tc>
@@ -6009,6 +6035,11 @@
                   </a:txBody>
                   <a:tcPr/>
                 </a:tc>
+                <a:extLst>
+                  <a:ext uri="{0D108BD9-81ED-4DB2-BD59-A6C34878D82A}">
+                    <a16:rowId xmlns:a16="http://schemas.microsoft.com/office/drawing/2014/main" val="10007"/>
+                  </a:ext>
+                </a:extLst>
               </a:tr>
               <a:tr h="762000">
                 <a:tc>
@@ -6070,6 +6101,11 @@
                   </a:txBody>
                   <a:tcPr/>
                 </a:tc>
+                <a:extLst>
+                  <a:ext uri="{0D108BD9-81ED-4DB2-BD59-A6C34878D82A}">
+                    <a16:rowId xmlns:a16="http://schemas.microsoft.com/office/drawing/2014/main" val="10008"/>
+                  </a:ext>
+                </a:extLst>
               </a:tr>
             </a:tbl>
           </a:graphicData>
@@ -6111,7 +6147,7 @@
               </a:spcAft>
             </a:pPr>
             <a:r>
-              <a:rPr lang="zh-CN" altLang="en-US" sz="2600" dirty="0" smtClean="0">
+              <a:rPr lang="zh-CN" altLang="en-US" sz="2600" dirty="0">
                 <a:latin typeface="微软雅黑" panose="020B0503020204020204" pitchFamily="34" charset="-122"/>
                 <a:ea typeface="微软雅黑" panose="020B0503020204020204" pitchFamily="34" charset="-122"/>
                 <a:cs typeface="微软雅黑" panose="020B0503020204020204" pitchFamily="34" charset="-122"/>
@@ -6119,7 +6155,7 @@
               <a:t>关于 </a:t>
             </a:r>
             <a:r>
-              <a:rPr lang="en-US" altLang="zh-CN" sz="2600" dirty="0" smtClean="0">
+              <a:rPr lang="en-US" altLang="zh-CN" sz="2600" dirty="0">
                 <a:latin typeface="微软雅黑" panose="020B0503020204020204" pitchFamily="34" charset="-122"/>
                 <a:ea typeface="微软雅黑" panose="020B0503020204020204" pitchFamily="34" charset="-122"/>
                 <a:cs typeface="微软雅黑" panose="020B0503020204020204" pitchFamily="34" charset="-122"/>
@@ -6127,7 +6163,7 @@
               <a:t>JavaScript </a:t>
             </a:r>
             <a:r>
-              <a:rPr lang="zh-CN" altLang="en-US" sz="2600" dirty="0" smtClean="0">
+              <a:rPr lang="zh-CN" altLang="en-US" sz="2600" dirty="0">
                 <a:latin typeface="微软雅黑" panose="020B0503020204020204" pitchFamily="34" charset="-122"/>
                 <a:ea typeface="微软雅黑" panose="020B0503020204020204" pitchFamily="34" charset="-122"/>
                 <a:cs typeface="微软雅黑" panose="020B0503020204020204" pitchFamily="34" charset="-122"/>
@@ -6148,7 +6184,7 @@
               </a:spcAft>
             </a:pPr>
             <a:r>
-              <a:rPr lang="zh-CN" altLang="en-US" sz="2600" dirty="0" smtClean="0">
+              <a:rPr lang="zh-CN" altLang="en-US" sz="2600" dirty="0">
                 <a:latin typeface="微软雅黑" panose="020B0503020204020204" pitchFamily="34" charset="-122"/>
                 <a:ea typeface="微软雅黑" panose="020B0503020204020204" pitchFamily="34" charset="-122"/>
                 <a:cs typeface="微软雅黑" panose="020B0503020204020204" pitchFamily="34" charset="-122"/>
@@ -6156,13 +6192,13 @@
               <a:t>① </a:t>
             </a:r>
             <a:r>
-              <a:rPr lang="zh-CN" altLang="en-US" sz="2600" dirty="0" smtClean="0">
+              <a:rPr lang="zh-CN" altLang="en-US" sz="2600" dirty="0">
                 <a:sym typeface="+mn-ea"/>
               </a:rPr>
               <a:t>字符串变量是由</a:t>
             </a:r>
             <a:r>
-              <a:rPr lang="zh-CN" altLang="en-US" sz="2600" dirty="0" smtClean="0">
+              <a:rPr lang="zh-CN" altLang="en-US" sz="2600" dirty="0">
                 <a:solidFill>
                   <a:srgbClr val="FF0000"/>
                 </a:solidFill>
@@ -6171,13 +6207,13 @@
               <a:t>双</a:t>
             </a:r>
             <a:r>
-              <a:rPr lang="zh-CN" altLang="en-US" sz="2600" dirty="0" smtClean="0">
+              <a:rPr lang="zh-CN" altLang="en-US" sz="2600" dirty="0">
                 <a:sym typeface="+mn-ea"/>
               </a:rPr>
               <a:t>引号或</a:t>
             </a:r>
             <a:r>
-              <a:rPr lang="zh-CN" altLang="en-US" sz="2600" dirty="0" smtClean="0">
+              <a:rPr lang="zh-CN" altLang="en-US" sz="2600" dirty="0">
                 <a:solidFill>
                   <a:srgbClr val="FF0000"/>
                 </a:solidFill>
@@ -6186,12 +6222,12 @@
               <a:t>单</a:t>
             </a:r>
             <a:r>
-              <a:rPr lang="zh-CN" altLang="en-US" sz="2600" dirty="0" smtClean="0">
+              <a:rPr lang="zh-CN" altLang="en-US" sz="2600" dirty="0">
                 <a:sym typeface="+mn-ea"/>
               </a:rPr>
               <a:t>引号来声明。</a:t>
             </a:r>
-            <a:endParaRPr lang="zh-CN" altLang="en-US" sz="2600" dirty="0" smtClean="0">
+            <a:endParaRPr lang="zh-CN" altLang="en-US" sz="2600" dirty="0">
               <a:latin typeface="微软雅黑" panose="020B0503020204020204" pitchFamily="34" charset="-122"/>
               <a:ea typeface="微软雅黑" panose="020B0503020204020204" pitchFamily="34" charset="-122"/>
               <a:cs typeface="微软雅黑" panose="020B0503020204020204" pitchFamily="34" charset="-122"/>
@@ -6210,7 +6246,7 @@
               </a:spcAft>
             </a:pPr>
             <a:r>
-              <a:rPr lang="zh-CN" altLang="en-US" sz="2600" dirty="0" smtClean="0">
+              <a:rPr lang="zh-CN" altLang="en-US" sz="2600" dirty="0">
                 <a:latin typeface="微软雅黑" panose="020B0503020204020204" pitchFamily="34" charset="-122"/>
                 <a:ea typeface="微软雅黑" panose="020B0503020204020204" pitchFamily="34" charset="-122"/>
                 <a:cs typeface="微软雅黑" panose="020B0503020204020204" pitchFamily="34" charset="-122"/>
@@ -6218,7 +6254,7 @@
               <a:t>② </a:t>
             </a:r>
             <a:r>
-              <a:rPr lang="zh-CN" altLang="en-US" sz="2600" dirty="0" smtClean="0">
+              <a:rPr lang="zh-CN" altLang="en-US" sz="2600" dirty="0">
                 <a:latin typeface="微软雅黑" panose="020B0503020204020204" pitchFamily="34" charset="-122"/>
                 <a:ea typeface="微软雅黑" panose="020B0503020204020204" pitchFamily="34" charset="-122"/>
                 <a:cs typeface="微软雅黑" panose="020B0503020204020204" pitchFamily="34" charset="-122"/>
@@ -6227,7 +6263,7 @@
               <a:t>字符串是</a:t>
             </a:r>
             <a:r>
-              <a:rPr lang="zh-CN" altLang="en-US" sz="2600" dirty="0" smtClean="0">
+              <a:rPr lang="zh-CN" altLang="en-US" sz="2600" dirty="0">
                 <a:solidFill>
                   <a:srgbClr val="FF0000"/>
                 </a:solidFill>
@@ -6239,7 +6275,7 @@
               <a:t>不可更改</a:t>
             </a:r>
             <a:r>
-              <a:rPr lang="zh-CN" altLang="en-US" sz="2600" dirty="0" smtClean="0">
+              <a:rPr lang="zh-CN" altLang="en-US" sz="2600" dirty="0">
                 <a:latin typeface="微软雅黑" panose="020B0503020204020204" pitchFamily="34" charset="-122"/>
                 <a:ea typeface="微软雅黑" panose="020B0503020204020204" pitchFamily="34" charset="-122"/>
                 <a:cs typeface="微软雅黑" panose="020B0503020204020204" pitchFamily="34" charset="-122"/>
@@ -6248,7 +6284,7 @@
               <a:t>的，故字符串的方法返回的都是</a:t>
             </a:r>
             <a:r>
-              <a:rPr lang="zh-CN" altLang="en-US" sz="2600" dirty="0" smtClean="0">
+              <a:rPr lang="zh-CN" altLang="en-US" sz="2600" dirty="0">
                 <a:solidFill>
                   <a:srgbClr val="FF0000"/>
                 </a:solidFill>
@@ -6260,7 +6296,7 @@
               <a:t>全新</a:t>
             </a:r>
             <a:r>
-              <a:rPr lang="zh-CN" altLang="en-US" sz="2600" dirty="0" smtClean="0">
+              <a:rPr lang="zh-CN" altLang="en-US" sz="2600" dirty="0">
                 <a:latin typeface="微软雅黑" panose="020B0503020204020204" pitchFamily="34" charset="-122"/>
                 <a:ea typeface="微软雅黑" panose="020B0503020204020204" pitchFamily="34" charset="-122"/>
                 <a:cs typeface="微软雅黑" panose="020B0503020204020204" pitchFamily="34" charset="-122"/>
@@ -6269,7 +6305,7 @@
               <a:t>的字符串，</a:t>
             </a:r>
             <a:r>
-              <a:rPr lang="zh-CN" altLang="en-US" sz="2600" dirty="0" smtClean="0">
+              <a:rPr lang="zh-CN" altLang="en-US" sz="2600" dirty="0">
                 <a:solidFill>
                   <a:srgbClr val="FF0000"/>
                 </a:solidFill>
@@ -6278,13 +6314,13 @@
               <a:t>没有</a:t>
             </a:r>
             <a:r>
-              <a:rPr lang="zh-CN" altLang="en-US" sz="2600" dirty="0" smtClean="0">
+              <a:rPr lang="zh-CN" altLang="en-US" sz="2600" dirty="0">
                 <a:sym typeface="+mn-ea"/>
               </a:rPr>
               <a:t>改变原始字符串</a:t>
             </a:r>
             <a:r>
-              <a:rPr lang="zh-CN" altLang="en-US" sz="2600" dirty="0" smtClean="0">
+              <a:rPr lang="zh-CN" altLang="en-US" sz="2600" dirty="0">
                 <a:latin typeface="微软雅黑" panose="020B0503020204020204" pitchFamily="34" charset="-122"/>
                 <a:ea typeface="微软雅黑" panose="020B0503020204020204" pitchFamily="34" charset="-122"/>
                 <a:cs typeface="微软雅黑" panose="020B0503020204020204" pitchFamily="34" charset="-122"/>
@@ -6306,7 +6342,7 @@
               </a:spcAft>
             </a:pPr>
             <a:r>
-              <a:rPr lang="zh-CN" altLang="en-US" sz="2600" dirty="0" smtClean="0">
+              <a:rPr lang="zh-CN" altLang="en-US" sz="2600" dirty="0">
                 <a:latin typeface="微软雅黑" panose="020B0503020204020204" pitchFamily="34" charset="-122"/>
                 <a:ea typeface="微软雅黑" panose="020B0503020204020204" pitchFamily="34" charset="-122"/>
                 <a:cs typeface="微软雅黑" panose="020B0503020204020204" pitchFamily="34" charset="-122"/>
@@ -6314,7 +6350,7 @@
               <a:t>③ </a:t>
             </a:r>
             <a:r>
-              <a:rPr lang="zh-CN" altLang="en-US" sz="2600" dirty="0" smtClean="0">
+              <a:rPr lang="zh-CN" altLang="en-US" sz="2600" dirty="0">
                 <a:latin typeface="微软雅黑" panose="020B0503020204020204" pitchFamily="34" charset="-122"/>
                 <a:ea typeface="微软雅黑" panose="020B0503020204020204" pitchFamily="34" charset="-122"/>
                 <a:cs typeface="微软雅黑" panose="020B0503020204020204" pitchFamily="34" charset="-122"/>
@@ -6323,7 +6359,7 @@
               <a:t>字符串的方法书写符合</a:t>
             </a:r>
             <a:r>
-              <a:rPr lang="zh-CN" altLang="en-US" sz="2600" dirty="0" smtClean="0">
+              <a:rPr lang="zh-CN" altLang="en-US" sz="2600" dirty="0">
                 <a:solidFill>
                   <a:srgbClr val="FF0000"/>
                 </a:solidFill>
@@ -6335,7 +6371,7 @@
               <a:t>小驼峰</a:t>
             </a:r>
             <a:r>
-              <a:rPr lang="zh-CN" altLang="en-US" sz="2600" dirty="0" smtClean="0">
+              <a:rPr lang="zh-CN" altLang="en-US" sz="2600" dirty="0">
                 <a:latin typeface="微软雅黑" panose="020B0503020204020204" pitchFamily="34" charset="-122"/>
                 <a:ea typeface="微软雅黑" panose="020B0503020204020204" pitchFamily="34" charset="-122"/>
                 <a:cs typeface="微软雅黑" panose="020B0503020204020204" pitchFamily="34" charset="-122"/>
@@ -6356,13 +6392,6 @@
   <p:clrMapOvr>
     <a:masterClrMapping/>
   </p:clrMapOvr>
-  <p:timing>
-    <p:tnLst>
-      <p:par>
-        <p:cTn id="1" dur="indefinite" restart="never" nodeType="tmRoot"/>
-      </p:par>
-    </p:tnLst>
-  </p:timing>
 </p:sld>
 </file>
 
@@ -6672,13 +6701,6 @@
   <p:clrMapOvr>
     <a:masterClrMapping/>
   </p:clrMapOvr>
-  <p:timing>
-    <p:tnLst>
-      <p:par>
-        <p:cTn id="1" dur="indefinite" restart="never" nodeType="tmRoot"/>
-      </p:par>
-    </p:tnLst>
-  </p:timing>
 </p:sld>
 </file>
 
@@ -6715,7 +6737,7 @@
           <a:lstStyle/>
           <a:p>
             <a:r>
-              <a:rPr lang="zh-CN" altLang="en-US" dirty="0" smtClean="0"/>
+              <a:rPr lang="zh-CN" altLang="en-US" dirty="0"/>
               <a:t> </a:t>
             </a:r>
             <a:r>
@@ -7025,10 +7047,9 @@
           <a:lstStyle/>
           <a:p>
             <a:r>
-              <a:rPr lang="zh-CN" altLang="en-US" dirty="0" smtClean="0"/>
+              <a:rPr lang="zh-CN" altLang="en-US" dirty="0"/>
               <a:t>数组</a:t>
             </a:r>
-            <a:endParaRPr lang="zh-CN" altLang="en-US" dirty="0"/>
           </a:p>
         </p:txBody>
       </p:sp>
@@ -7336,66 +7357,23 @@
           <a:lstStyle/>
           <a:p>
             <a:r>
-              <a:rPr lang="zh-CN" altLang="en-US" dirty="0" smtClean="0"/>
+              <a:rPr lang="zh-CN" altLang="en-US" dirty="0"/>
               <a:t> 多条记录的表示</a:t>
             </a:r>
             <a:r>
-              <a:rPr lang="en-US" altLang="zh-CN" dirty="0" smtClean="0"/>
+              <a:rPr lang="en-US" altLang="zh-CN" dirty="0"/>
               <a:t>----</a:t>
-            </a:r>
-            <a:r>
-              <a:rPr lang="zh-CN" altLang="en-US" dirty="0" smtClean="0">
-                <a:solidFill>
-                  <a:srgbClr val="FF0000"/>
-                </a:solidFill>
-              </a:rPr>
-              <a:t>二维数组</a:t>
-            </a:r>
-          </a:p>
-          <a:p>
-            <a:endParaRPr lang="en-US" altLang="zh-CN" dirty="0" smtClean="0">
-              <a:solidFill>
-                <a:srgbClr val="FF0000"/>
-              </a:solidFill>
-            </a:endParaRPr>
-          </a:p>
-          <a:p>
-            <a:endParaRPr lang="en-US" altLang="zh-CN" dirty="0" smtClean="0">
-              <a:solidFill>
-                <a:srgbClr val="FF0000"/>
-              </a:solidFill>
-            </a:endParaRPr>
-          </a:p>
-          <a:p>
-            <a:endParaRPr lang="en-US" altLang="zh-CN" dirty="0" smtClean="0">
-              <a:solidFill>
-                <a:srgbClr val="FF0000"/>
-              </a:solidFill>
-            </a:endParaRPr>
-          </a:p>
-          <a:p>
-            <a:endParaRPr lang="en-US" altLang="zh-CN" dirty="0" smtClean="0">
-              <a:solidFill>
-                <a:srgbClr val="FF0000"/>
-              </a:solidFill>
-            </a:endParaRPr>
-          </a:p>
-          <a:p>
-            <a:r>
-              <a:rPr lang="zh-CN" altLang="en-US" dirty="0">
-                <a:sym typeface="+mn-ea"/>
-              </a:rPr>
-              <a:t> 数组中的元素</a:t>
             </a:r>
             <a:r>
               <a:rPr lang="zh-CN" altLang="en-US" dirty="0">
                 <a:solidFill>
                   <a:srgbClr val="FF0000"/>
                 </a:solidFill>
-                <a:sym typeface="+mn-ea"/>
-              </a:rPr>
-              <a:t>可以是不同的数据类型</a:t>
-            </a:r>
+              </a:rPr>
+              <a:t>二维数组</a:t>
+            </a:r>
+          </a:p>
+          <a:p>
             <a:endParaRPr lang="en-US" altLang="zh-CN" dirty="0">
               <a:solidFill>
                 <a:srgbClr val="FF0000"/>
@@ -7403,18 +7381,61 @@
             </a:endParaRPr>
           </a:p>
           <a:p>
-            <a:endParaRPr lang="en-US" altLang="zh-CN" dirty="0" smtClean="0">
+            <a:endParaRPr lang="en-US" altLang="zh-CN" dirty="0">
               <a:solidFill>
                 <a:srgbClr val="FF0000"/>
               </a:solidFill>
             </a:endParaRPr>
           </a:p>
           <a:p>
+            <a:endParaRPr lang="en-US" altLang="zh-CN" dirty="0">
+              <a:solidFill>
+                <a:srgbClr val="FF0000"/>
+              </a:solidFill>
+            </a:endParaRPr>
+          </a:p>
+          <a:p>
+            <a:endParaRPr lang="en-US" altLang="zh-CN" dirty="0">
+              <a:solidFill>
+                <a:srgbClr val="FF0000"/>
+              </a:solidFill>
+            </a:endParaRPr>
+          </a:p>
+          <a:p>
+            <a:r>
+              <a:rPr lang="zh-CN" altLang="en-US" dirty="0">
+                <a:sym typeface="+mn-ea"/>
+              </a:rPr>
+              <a:t> 数组中的元素</a:t>
+            </a:r>
+            <a:r>
+              <a:rPr lang="zh-CN" altLang="en-US" dirty="0">
+                <a:solidFill>
+                  <a:srgbClr val="FF0000"/>
+                </a:solidFill>
+                <a:sym typeface="+mn-ea"/>
+              </a:rPr>
+              <a:t>可以是不同的数据类型</a:t>
+            </a:r>
+            <a:endParaRPr lang="en-US" altLang="zh-CN" dirty="0">
+              <a:solidFill>
+                <a:srgbClr val="FF0000"/>
+              </a:solidFill>
+            </a:endParaRPr>
+          </a:p>
+          <a:p>
+            <a:endParaRPr lang="en-US" altLang="zh-CN" dirty="0">
+              <a:solidFill>
+                <a:srgbClr val="FF0000"/>
+              </a:solidFill>
+            </a:endParaRPr>
+          </a:p>
+          <a:p>
             <a:pPr lvl="1">
               <a:buNone/>
             </a:pPr>
             <a:r>
-              <a:rPr lang="en-US" altLang="zh-CN" sz="2400" b="1" dirty="0" smtClean="0"/>
+              <a:rPr lang="en-US" altLang="zh-CN" sz="2400" b="1" dirty="0"/>
               <a:t>   </a:t>
             </a:r>
             <a:endParaRPr lang="zh-CN" altLang="en-US" sz="2400" b="1" dirty="0"/>
@@ -7437,10 +7458,9 @@
           <a:lstStyle/>
           <a:p>
             <a:r>
-              <a:rPr lang="zh-CN" altLang="en-US" dirty="0" smtClean="0"/>
+              <a:rPr lang="zh-CN" altLang="en-US" dirty="0"/>
               <a:t>多条记录的表示</a:t>
             </a:r>
-            <a:endParaRPr lang="zh-CN" altLang="en-US" dirty="0"/>
           </a:p>
         </p:txBody>
       </p:sp>
@@ -7478,7 +7498,7 @@
               <a:buNone/>
             </a:pPr>
             <a:r>
-              <a:rPr lang="en-US" altLang="zh-CN" sz="2400" b="1" dirty="0" smtClean="0">
+              <a:rPr lang="en-US" altLang="zh-CN" sz="2400" b="1" dirty="0">
                 <a:latin typeface="微软雅黑" panose="020B0503020204020204" pitchFamily="34" charset="-122"/>
                 <a:ea typeface="微软雅黑" panose="020B0503020204020204" pitchFamily="34" charset="-122"/>
                 <a:cs typeface="微软雅黑" panose="020B0503020204020204" pitchFamily="34" charset="-122"/>
@@ -7487,7 +7507,7 @@
               <a:t>var msg=</a:t>
             </a:r>
             <a:r>
-              <a:rPr lang="en-US" altLang="zh-CN" sz="2400" b="1" dirty="0" smtClean="0">
+              <a:rPr lang="en-US" altLang="zh-CN" sz="2400" b="1" dirty="0">
                 <a:solidFill>
                   <a:srgbClr val="FF0000"/>
                 </a:solidFill>
@@ -7498,7 +7518,7 @@
               </a:rPr>
               <a:t>[ </a:t>
             </a:r>
-            <a:endParaRPr lang="en-US" altLang="zh-CN" sz="2400" b="1" dirty="0" smtClean="0">
+            <a:endParaRPr lang="en-US" altLang="zh-CN" sz="2400" b="1" dirty="0">
               <a:solidFill>
                 <a:srgbClr val="FF0000"/>
               </a:solidFill>
@@ -7515,7 +7535,7 @@
               <a:buNone/>
             </a:pPr>
             <a:r>
-              <a:rPr lang="en-US" altLang="zh-CN" sz="2400" b="1" dirty="0" smtClean="0">
+              <a:rPr lang="en-US" altLang="zh-CN" sz="2400" b="1" dirty="0">
                 <a:solidFill>
                   <a:srgbClr val="FF0000"/>
                 </a:solidFill>
@@ -7527,22 +7547,13 @@
               <a:t>                      </a:t>
             </a:r>
             <a:r>
-              <a:rPr lang="en-US" altLang="zh-CN" sz="2400" b="1" dirty="0" smtClean="0">
-                <a:latin typeface="微软雅黑" panose="020B0503020204020204" pitchFamily="34" charset="-122"/>
-                <a:ea typeface="微软雅黑" panose="020B0503020204020204" pitchFamily="34" charset="-122"/>
-                <a:cs typeface="微软雅黑" panose="020B0503020204020204" pitchFamily="34" charset="-122"/>
-                <a:sym typeface="+mn-ea"/>
-              </a:rPr>
-              <a:t>[ </a:t>
-            </a:r>
-            <a:r>
               <a:rPr lang="en-US" altLang="zh-CN" sz="2400" b="1" dirty="0">
                 <a:latin typeface="微软雅黑" panose="020B0503020204020204" pitchFamily="34" charset="-122"/>
                 <a:ea typeface="微软雅黑" panose="020B0503020204020204" pitchFamily="34" charset="-122"/>
                 <a:cs typeface="微软雅黑" panose="020B0503020204020204" pitchFamily="34" charset="-122"/>
                 <a:sym typeface="+mn-ea"/>
               </a:rPr>
-              <a:t>'</a:t>
+              <a:t>[ '</a:t>
             </a:r>
             <a:r>
               <a:rPr lang="zh-CN" altLang="en-US" sz="2400" b="1" dirty="0">
@@ -7610,16 +7621,7 @@
                 <a:cs typeface="微软雅黑" panose="020B0503020204020204" pitchFamily="34" charset="-122"/>
                 <a:sym typeface="+mn-ea"/>
               </a:rPr>
-              <a:t>		       </a:t>
-            </a:r>
-            <a:r>
-              <a:rPr lang="en-US" altLang="zh-CN" sz="2400" b="1" dirty="0" smtClean="0">
-                <a:latin typeface="微软雅黑" panose="020B0503020204020204" pitchFamily="34" charset="-122"/>
-                <a:ea typeface="微软雅黑" panose="020B0503020204020204" pitchFamily="34" charset="-122"/>
-                <a:cs typeface="微软雅黑" panose="020B0503020204020204" pitchFamily="34" charset="-122"/>
-                <a:sym typeface="+mn-ea"/>
-              </a:rPr>
-              <a:t>[ '</a:t>
+              <a:t>		       [ '</a:t>
             </a:r>
             <a:r>
               <a:rPr lang="zh-CN" altLang="en-US" sz="2400" b="1" dirty="0">
@@ -7717,7 +7719,7 @@
               <a:t>  </a:t>
             </a:r>
             <a:r>
-              <a:rPr lang="en-US" altLang="zh-CN" sz="2400" b="1" dirty="0" smtClean="0">
+              <a:rPr lang="en-US" altLang="zh-CN" sz="2400" b="1" dirty="0">
                 <a:solidFill>
                   <a:srgbClr val="FF0000"/>
                 </a:solidFill>
@@ -7729,7 +7731,7 @@
               <a:t>              ]</a:t>
             </a:r>
             <a:r>
-              <a:rPr lang="en-US" altLang="zh-CN" sz="2400" b="1" dirty="0" smtClean="0">
+              <a:rPr lang="en-US" altLang="zh-CN" sz="2400" b="1" dirty="0">
                 <a:latin typeface="微软雅黑" panose="020B0503020204020204" pitchFamily="34" charset="-122"/>
                 <a:ea typeface="微软雅黑" panose="020B0503020204020204" pitchFamily="34" charset="-122"/>
                 <a:cs typeface="微软雅黑" panose="020B0503020204020204" pitchFamily="34" charset="-122"/>
@@ -7919,67 +7921,67 @@
           <a:lstStyle/>
           <a:p>
             <a:r>
-              <a:rPr lang="zh-CN" altLang="en-US" dirty="0" smtClean="0"/>
+              <a:rPr lang="zh-CN" altLang="en-US" dirty="0"/>
               <a:t> 一维数组</a:t>
             </a:r>
-            <a:endParaRPr lang="en-US" altLang="zh-CN" dirty="0" smtClean="0"/>
+            <a:endParaRPr lang="en-US" altLang="zh-CN" dirty="0"/>
           </a:p>
           <a:p>
             <a:pPr lvl="1"/>
             <a:r>
-              <a:rPr lang="en-US" altLang="zh-CN" sz="2400" dirty="0" smtClean="0"/>
+              <a:rPr lang="en-US" altLang="zh-CN" sz="2400" dirty="0"/>
               <a:t> arr1[0]</a:t>
             </a:r>
           </a:p>
           <a:p>
             <a:pPr lvl="1"/>
             <a:r>
-              <a:rPr lang="en-US" altLang="zh-CN" sz="2400" dirty="0" smtClean="0"/>
+              <a:rPr lang="en-US" altLang="zh-CN" sz="2400" dirty="0"/>
               <a:t> arr1[1]</a:t>
             </a:r>
             <a:endParaRPr lang="en-US" altLang="zh-CN" sz="900" dirty="0"/>
           </a:p>
           <a:p>
             <a:r>
-              <a:rPr lang="zh-CN" altLang="en-US" dirty="0" smtClean="0"/>
+              <a:rPr lang="zh-CN" altLang="en-US" dirty="0"/>
               <a:t> 二维数组</a:t>
             </a:r>
-            <a:endParaRPr lang="en-US" altLang="zh-CN" dirty="0" smtClean="0"/>
+            <a:endParaRPr lang="en-US" altLang="zh-CN" dirty="0"/>
           </a:p>
           <a:p>
             <a:pPr lvl="1"/>
             <a:r>
-              <a:rPr lang="en-US" altLang="zh-CN" sz="2400" dirty="0" smtClean="0"/>
+              <a:rPr lang="en-US" altLang="zh-CN" sz="2400" dirty="0"/>
               <a:t> </a:t>
             </a:r>
             <a:r>
-              <a:rPr lang="en-US" altLang="zh-CN" sz="2400" dirty="0" err="1" smtClean="0"/>
+              <a:rPr lang="en-US" altLang="zh-CN" sz="2400" dirty="0" err="1"/>
               <a:t>msg</a:t>
             </a:r>
             <a:r>
-              <a:rPr lang="en-US" altLang="zh-CN" sz="2400" dirty="0" smtClean="0"/>
+              <a:rPr lang="en-US" altLang="zh-CN" sz="2400" dirty="0"/>
               <a:t>[0][0]</a:t>
             </a:r>
           </a:p>
           <a:p>
             <a:pPr lvl="1"/>
             <a:r>
-              <a:rPr lang="en-US" altLang="zh-CN" sz="2400" dirty="0" smtClean="0"/>
+              <a:rPr lang="en-US" altLang="zh-CN" sz="2400" dirty="0"/>
               <a:t> </a:t>
             </a:r>
             <a:r>
-              <a:rPr lang="en-US" altLang="zh-CN" sz="2400" dirty="0" err="1" smtClean="0"/>
+              <a:rPr lang="en-US" altLang="zh-CN" sz="2400" dirty="0" err="1"/>
               <a:t>msg</a:t>
             </a:r>
             <a:r>
-              <a:rPr lang="en-US" altLang="zh-CN" sz="2400" dirty="0" smtClean="0"/>
+              <a:rPr lang="en-US" altLang="zh-CN" sz="2400" dirty="0"/>
               <a:t>[0][1]</a:t>
             </a:r>
           </a:p>
           <a:p>
             <a:pPr lvl="1"/>
             <a:r>
-              <a:rPr lang="en-US" altLang="zh-CN" sz="2400" dirty="0" smtClean="0"/>
+              <a:rPr lang="en-US" altLang="zh-CN" sz="2400" dirty="0"/>
               <a:t> ….</a:t>
             </a:r>
             <a:endParaRPr lang="zh-CN" altLang="en-US" sz="2400" dirty="0"/>
@@ -8002,10 +8004,9 @@
           <a:lstStyle/>
           <a:p>
             <a:r>
-              <a:rPr lang="zh-CN" altLang="en-US" dirty="0" smtClean="0"/>
+              <a:rPr lang="zh-CN" altLang="en-US" dirty="0"/>
               <a:t>访问数组中的元素</a:t>
             </a:r>
-            <a:endParaRPr lang="zh-CN" altLang="en-US" dirty="0"/>
           </a:p>
         </p:txBody>
       </p:sp>
@@ -8026,9 +8027,27 @@
                 <a:tableStyleId>{5C22544A-7EE6-4342-B048-85BDC9FD1C3A}</a:tableStyleId>
               </a:tblPr>
               <a:tblGrid>
-                <a:gridCol w="1069975"/>
-                <a:gridCol w="1069975"/>
-                <a:gridCol w="1069975"/>
+                <a:gridCol w="1069975">
+                  <a:extLst>
+                    <a:ext uri="{9D8B030D-6E8A-4147-A177-3AD203B41FA5}">
+                      <a16:colId xmlns:a16="http://schemas.microsoft.com/office/drawing/2014/main" val="20000"/>
+                    </a:ext>
+                  </a:extLst>
+                </a:gridCol>
+                <a:gridCol w="1069975">
+                  <a:extLst>
+                    <a:ext uri="{9D8B030D-6E8A-4147-A177-3AD203B41FA5}">
+                      <a16:colId xmlns:a16="http://schemas.microsoft.com/office/drawing/2014/main" val="20001"/>
+                    </a:ext>
+                  </a:extLst>
+                </a:gridCol>
+                <a:gridCol w="1069975">
+                  <a:extLst>
+                    <a:ext uri="{9D8B030D-6E8A-4147-A177-3AD203B41FA5}">
+                      <a16:colId xmlns:a16="http://schemas.microsoft.com/office/drawing/2014/main" val="20002"/>
+                    </a:ext>
+                  </a:extLst>
+                </a:gridCol>
               </a:tblGrid>
               <a:tr h="703580">
                 <a:tc>
@@ -8181,6 +8200,11 @@
                     <a:noFill/>
                   </a:tcPr>
                 </a:tc>
+                <a:extLst>
+                  <a:ext uri="{0D108BD9-81ED-4DB2-BD59-A6C34878D82A}">
+                    <a16:rowId xmlns:a16="http://schemas.microsoft.com/office/drawing/2014/main" val="10000"/>
+                  </a:ext>
+                </a:extLst>
               </a:tr>
               <a:tr h="717550">
                 <a:tc>
@@ -8333,6 +8357,11 @@
                     <a:noFill/>
                   </a:tcPr>
                 </a:tc>
+                <a:extLst>
+                  <a:ext uri="{0D108BD9-81ED-4DB2-BD59-A6C34878D82A}">
+                    <a16:rowId xmlns:a16="http://schemas.microsoft.com/office/drawing/2014/main" val="10001"/>
+                  </a:ext>
+                </a:extLst>
               </a:tr>
               <a:tr h="718185">
                 <a:tc>
@@ -8509,6 +8538,11 @@
                     <a:noFill/>
                   </a:tcPr>
                 </a:tc>
+                <a:extLst>
+                  <a:ext uri="{0D108BD9-81ED-4DB2-BD59-A6C34878D82A}">
+                    <a16:rowId xmlns:a16="http://schemas.microsoft.com/office/drawing/2014/main" val="10002"/>
+                  </a:ext>
+                </a:extLst>
               </a:tr>
             </a:tbl>
           </a:graphicData>
@@ -8531,9 +8565,27 @@
                 <a:tableStyleId>{5C22544A-7EE6-4342-B048-85BDC9FD1C3A}</a:tableStyleId>
               </a:tblPr>
               <a:tblGrid>
-                <a:gridCol w="1070610"/>
-                <a:gridCol w="1070610"/>
-                <a:gridCol w="1070610"/>
+                <a:gridCol w="1070610">
+                  <a:extLst>
+                    <a:ext uri="{9D8B030D-6E8A-4147-A177-3AD203B41FA5}">
+                      <a16:colId xmlns:a16="http://schemas.microsoft.com/office/drawing/2014/main" val="20000"/>
+                    </a:ext>
+                  </a:extLst>
+                </a:gridCol>
+                <a:gridCol w="1070610">
+                  <a:extLst>
+                    <a:ext uri="{9D8B030D-6E8A-4147-A177-3AD203B41FA5}">
+                      <a16:colId xmlns:a16="http://schemas.microsoft.com/office/drawing/2014/main" val="20001"/>
+                    </a:ext>
+                  </a:extLst>
+                </a:gridCol>
+                <a:gridCol w="1070610">
+                  <a:extLst>
+                    <a:ext uri="{9D8B030D-6E8A-4147-A177-3AD203B41FA5}">
+                      <a16:colId xmlns:a16="http://schemas.microsoft.com/office/drawing/2014/main" val="20002"/>
+                    </a:ext>
+                  </a:extLst>
+                </a:gridCol>
               </a:tblGrid>
               <a:tr h="447040">
                 <a:tc>
@@ -8668,6 +8720,11 @@
                     </a:solidFill>
                   </a:tcPr>
                 </a:tc>
+                <a:extLst>
+                  <a:ext uri="{0D108BD9-81ED-4DB2-BD59-A6C34878D82A}">
+                    <a16:rowId xmlns:a16="http://schemas.microsoft.com/office/drawing/2014/main" val="10000"/>
+                  </a:ext>
+                </a:extLst>
               </a:tr>
             </a:tbl>
           </a:graphicData>
@@ -8690,7 +8747,13 @@
                 <a:tableStyleId>{5C22544A-7EE6-4342-B048-85BDC9FD1C3A}</a:tableStyleId>
               </a:tblPr>
               <a:tblGrid>
-                <a:gridCol w="468630"/>
+                <a:gridCol w="468630">
+                  <a:extLst>
+                    <a:ext uri="{9D8B030D-6E8A-4147-A177-3AD203B41FA5}">
+                      <a16:colId xmlns:a16="http://schemas.microsoft.com/office/drawing/2014/main" val="20000"/>
+                    </a:ext>
+                  </a:extLst>
+                </a:gridCol>
               </a:tblGrid>
               <a:tr h="713740">
                 <a:tc>
@@ -8719,6 +8782,11 @@
                     </a:solidFill>
                   </a:tcPr>
                 </a:tc>
+                <a:extLst>
+                  <a:ext uri="{0D108BD9-81ED-4DB2-BD59-A6C34878D82A}">
+                    <a16:rowId xmlns:a16="http://schemas.microsoft.com/office/drawing/2014/main" val="10000"/>
+                  </a:ext>
+                </a:extLst>
               </a:tr>
               <a:tr h="713740">
                 <a:tc>
@@ -8747,6 +8815,11 @@
                     </a:solidFill>
                   </a:tcPr>
                 </a:tc>
+                <a:extLst>
+                  <a:ext uri="{0D108BD9-81ED-4DB2-BD59-A6C34878D82A}">
+                    <a16:rowId xmlns:a16="http://schemas.microsoft.com/office/drawing/2014/main" val="10001"/>
+                  </a:ext>
+                </a:extLst>
               </a:tr>
               <a:tr h="713740">
                 <a:tc>
@@ -8775,6 +8848,11 @@
                     </a:solidFill>
                   </a:tcPr>
                 </a:tc>
+                <a:extLst>
+                  <a:ext uri="{0D108BD9-81ED-4DB2-BD59-A6C34878D82A}">
+                    <a16:rowId xmlns:a16="http://schemas.microsoft.com/office/drawing/2014/main" val="10002"/>
+                  </a:ext>
+                </a:extLst>
               </a:tr>
             </a:tbl>
           </a:graphicData>
@@ -8803,16 +8881,12 @@
           <a:lstStyle/>
           <a:p>
             <a:r>
-              <a:rPr lang="en-US" altLang="zh-CN" sz="2800" dirty="0" smtClean="0">
+              <a:rPr lang="en-US" altLang="zh-CN" sz="2800" dirty="0">
                 <a:latin typeface="Arial" panose="020B0604020202020204" pitchFamily="34" charset="0"/>
                 <a:ea typeface="微软雅黑" panose="020B0503020204020204" pitchFamily="34" charset="-122"/>
               </a:rPr>
               <a:t>demo4-7.html</a:t>
             </a:r>
-            <a:endParaRPr lang="en-US" altLang="zh-CN" sz="2800" dirty="0">
-              <a:latin typeface="Arial" panose="020B0604020202020204" pitchFamily="34" charset="0"/>
-              <a:ea typeface="微软雅黑" panose="020B0503020204020204" pitchFamily="34" charset="-122"/>
-            </a:endParaRPr>
           </a:p>
         </p:txBody>
       </p:sp>
@@ -8821,13 +8895,6 @@
   <p:clrMapOvr>
     <a:masterClrMapping/>
   </p:clrMapOvr>
-  <p:timing>
-    <p:tnLst>
-      <p:par>
-        <p:cTn id="1" dur="indefinite" restart="never" nodeType="tmRoot"/>
-      </p:par>
-    </p:tnLst>
-  </p:timing>
 </p:sld>
 </file>
 
@@ -8864,47 +8931,47 @@
           <a:lstStyle/>
           <a:p>
             <a:r>
-              <a:rPr lang="zh-CN" altLang="en-US" dirty="0" smtClean="0"/>
+              <a:rPr lang="zh-CN" altLang="en-US" dirty="0"/>
               <a:t> 数组的 </a:t>
             </a:r>
             <a:r>
-              <a:rPr lang="en-US" altLang="zh-CN" dirty="0" smtClean="0"/>
+              <a:rPr lang="en-US" altLang="zh-CN" dirty="0"/>
               <a:t>length </a:t>
             </a:r>
             <a:r>
-              <a:rPr lang="zh-CN" altLang="en-US" dirty="0" smtClean="0"/>
+              <a:rPr lang="zh-CN" altLang="en-US" dirty="0"/>
               <a:t>属性</a:t>
             </a:r>
-            <a:endParaRPr lang="en-US" altLang="zh-CN" dirty="0" smtClean="0"/>
+            <a:endParaRPr lang="en-US" altLang="zh-CN" dirty="0"/>
           </a:p>
           <a:p>
             <a:pPr lvl="1"/>
             <a:r>
-              <a:rPr lang="zh-CN" altLang="en-US" sz="2400" dirty="0" smtClean="0"/>
+              <a:rPr lang="zh-CN" altLang="en-US" sz="2400" dirty="0"/>
               <a:t> 返回数组长度的整数值</a:t>
             </a:r>
-            <a:endParaRPr lang="en-US" altLang="zh-CN" sz="2400" dirty="0" smtClean="0"/>
+            <a:endParaRPr lang="en-US" altLang="zh-CN" sz="2400" dirty="0"/>
           </a:p>
           <a:p>
             <a:pPr lvl="1"/>
             <a:r>
-              <a:rPr lang="en-US" altLang="zh-CN" sz="2400" dirty="0" smtClean="0"/>
+              <a:rPr lang="en-US" altLang="zh-CN" sz="2400" dirty="0"/>
               <a:t> </a:t>
             </a:r>
             <a:r>
-              <a:rPr lang="en-US" altLang="zh-CN" sz="2400" dirty="0" err="1" smtClean="0"/>
+              <a:rPr lang="en-US" altLang="zh-CN" sz="2400" dirty="0" err="1"/>
               <a:t>var</a:t>
             </a:r>
             <a:r>
-              <a:rPr lang="en-US" altLang="zh-CN" sz="2400" dirty="0" smtClean="0"/>
+              <a:rPr lang="en-US" altLang="zh-CN" sz="2400" dirty="0"/>
               <a:t> </a:t>
             </a:r>
             <a:r>
-              <a:rPr lang="en-US" altLang="zh-CN" sz="2400" dirty="0" err="1" smtClean="0"/>
+              <a:rPr lang="en-US" altLang="zh-CN" sz="2400" dirty="0" err="1"/>
               <a:t>num</a:t>
             </a:r>
             <a:r>
-              <a:rPr lang="en-US" altLang="zh-CN" sz="2400" dirty="0" smtClean="0"/>
+              <a:rPr lang="en-US" altLang="zh-CN" sz="2400" dirty="0"/>
               <a:t> = arr1.length;</a:t>
             </a:r>
           </a:p>
@@ -8932,10 +8999,9 @@
           <a:lstStyle/>
           <a:p>
             <a:r>
-              <a:rPr lang="zh-CN" altLang="en-US" dirty="0" smtClean="0"/>
+              <a:rPr lang="zh-CN" altLang="en-US" dirty="0"/>
               <a:t>获取数组长度</a:t>
             </a:r>
-            <a:endParaRPr lang="zh-CN" altLang="en-US" dirty="0"/>
           </a:p>
         </p:txBody>
       </p:sp>
@@ -8962,16 +9028,12 @@
           <a:lstStyle/>
           <a:p>
             <a:r>
-              <a:rPr lang="en-US" altLang="zh-CN" sz="2800" dirty="0" smtClean="0">
+              <a:rPr lang="en-US" altLang="zh-CN" sz="2800" dirty="0">
                 <a:latin typeface="Arial" panose="020B0604020202020204" pitchFamily="34" charset="0"/>
                 <a:ea typeface="微软雅黑" panose="020B0503020204020204" pitchFamily="34" charset="-122"/>
               </a:rPr>
               <a:t>demo4-7.html</a:t>
             </a:r>
-            <a:endParaRPr lang="en-US" altLang="zh-CN" sz="2800" dirty="0">
-              <a:latin typeface="Arial" panose="020B0604020202020204" pitchFamily="34" charset="0"/>
-              <a:ea typeface="微软雅黑" panose="020B0503020204020204" pitchFamily="34" charset="-122"/>
-            </a:endParaRPr>
           </a:p>
         </p:txBody>
       </p:sp>
@@ -8980,13 +9042,6 @@
   <p:clrMapOvr>
     <a:masterClrMapping/>
   </p:clrMapOvr>
-  <p:timing>
-    <p:tnLst>
-      <p:par>
-        <p:cTn id="1" dur="indefinite" restart="never" nodeType="tmRoot"/>
-      </p:par>
-    </p:tnLst>
-  </p:timing>
 </p:sld>
 </file>
 
@@ -9023,18 +9078,18 @@
           <a:lstStyle/>
           <a:p>
             <a:r>
-              <a:rPr lang="zh-CN" altLang="en-US" dirty="0" smtClean="0"/>
+              <a:rPr lang="zh-CN" altLang="en-US" dirty="0"/>
               <a:t>  数组</a:t>
             </a:r>
             <a:r>
-              <a:rPr lang="zh-CN" altLang="en-US" dirty="0" smtClean="0">
+              <a:rPr lang="zh-CN" altLang="en-US" dirty="0">
                 <a:solidFill>
                   <a:srgbClr val="FF0000"/>
                 </a:solidFill>
               </a:rPr>
               <a:t>长度可变</a:t>
             </a:r>
-            <a:endParaRPr lang="en-US" altLang="zh-CN" dirty="0" smtClean="0">
+            <a:endParaRPr lang="en-US" altLang="zh-CN" dirty="0">
               <a:solidFill>
                 <a:srgbClr val="FF0000"/>
               </a:solidFill>
@@ -9061,14 +9116,13 @@
           <a:lstStyle/>
           <a:p>
             <a:r>
-              <a:rPr lang="en-US" altLang="zh-CN" smtClean="0"/>
+              <a:rPr lang="en-US" altLang="zh-CN"/>
               <a:t>JS</a:t>
             </a:r>
             <a:r>
-              <a:rPr lang="zh-CN" altLang="en-US" smtClean="0"/>
+              <a:rPr lang="zh-CN" altLang="en-US"/>
               <a:t>中数组的特性</a:t>
             </a:r>
-            <a:endParaRPr lang="zh-CN" altLang="en-US"/>
           </a:p>
         </p:txBody>
       </p:sp>
@@ -9099,7 +9153,7 @@
               </a:lnSpc>
             </a:pPr>
             <a:r>
-              <a:rPr lang="en-US" altLang="zh-CN" sz="2400" dirty="0" smtClean="0">
+              <a:rPr lang="en-US" altLang="zh-CN" sz="2400" dirty="0">
                 <a:latin typeface="Arial" panose="020B0604020202020204" pitchFamily="34" charset="0"/>
               </a:rPr>
               <a:t>&lt;script&gt;</a:t>
@@ -9112,43 +9166,43 @@
               </a:lnSpc>
             </a:pPr>
             <a:r>
-              <a:rPr lang="en-US" altLang="zh-CN" sz="2400" dirty="0" smtClean="0">
+              <a:rPr lang="en-US" altLang="zh-CN" sz="2400" dirty="0">
                 <a:latin typeface="Arial" panose="020B0604020202020204" pitchFamily="34" charset="0"/>
               </a:rPr>
               <a:t>	</a:t>
             </a:r>
             <a:r>
-              <a:rPr lang="en-US" altLang="zh-CN" sz="2400" dirty="0" err="1" smtClean="0">
+              <a:rPr lang="en-US" altLang="zh-CN" sz="2400" dirty="0" err="1">
                 <a:latin typeface="Arial" panose="020B0604020202020204" pitchFamily="34" charset="0"/>
               </a:rPr>
               <a:t>var</a:t>
             </a:r>
             <a:r>
-              <a:rPr lang="en-US" altLang="zh-CN" sz="2400" dirty="0" smtClean="0">
+              <a:rPr lang="en-US" altLang="zh-CN" sz="2400" dirty="0">
                 <a:latin typeface="Arial" panose="020B0604020202020204" pitchFamily="34" charset="0"/>
               </a:rPr>
               <a:t> </a:t>
             </a:r>
             <a:r>
-              <a:rPr lang="en-US" altLang="zh-CN" sz="2400" dirty="0" err="1" smtClean="0">
+              <a:rPr lang="en-US" altLang="zh-CN" sz="2400" dirty="0" err="1">
                 <a:latin typeface="Arial" panose="020B0604020202020204" pitchFamily="34" charset="0"/>
               </a:rPr>
               <a:t>aColors</a:t>
             </a:r>
             <a:r>
-              <a:rPr lang="en-US" altLang="zh-CN" sz="2400" dirty="0" smtClean="0">
+              <a:rPr lang="en-US" altLang="zh-CN" sz="2400" dirty="0">
                 <a:latin typeface="Arial" panose="020B0604020202020204" pitchFamily="34" charset="0"/>
               </a:rPr>
               <a:t> = [ "</a:t>
             </a:r>
             <a:r>
-              <a:rPr lang="en-US" altLang="zh-CN" sz="2400" dirty="0" err="1" smtClean="0">
+              <a:rPr lang="en-US" altLang="zh-CN" sz="2400" dirty="0" err="1">
                 <a:latin typeface="Arial" panose="020B0604020202020204" pitchFamily="34" charset="0"/>
               </a:rPr>
               <a:t>red", "green", "blue</a:t>
             </a:r>
             <a:r>
-              <a:rPr lang="en-US" altLang="zh-CN" sz="2400" dirty="0" smtClean="0">
+              <a:rPr lang="en-US" altLang="zh-CN" sz="2400" dirty="0">
                 <a:latin typeface="Arial" panose="020B0604020202020204" pitchFamily="34" charset="0"/>
               </a:rPr>
               <a:t>" ];</a:t>
@@ -9164,104 +9218,7 @@
               <a:rPr lang="en-US" altLang="zh-CN" sz="2400" dirty="0">
                 <a:latin typeface="Arial" panose="020B0604020202020204" pitchFamily="34" charset="0"/>
               </a:rPr>
-              <a:t>	</a:t>
-            </a:r>
-            <a:r>
-              <a:rPr lang="en-US" altLang="zh-CN" sz="2400" dirty="0" smtClean="0">
-                <a:latin typeface="Arial" panose="020B0604020202020204" pitchFamily="34" charset="0"/>
-              </a:rPr>
-              <a:t>alert( </a:t>
-            </a:r>
-            <a:r>
-              <a:rPr lang="en-US" altLang="zh-CN" sz="2400" dirty="0" err="1" smtClean="0">
-                <a:latin typeface="Arial" panose="020B0604020202020204" pitchFamily="34" charset="0"/>
-              </a:rPr>
-              <a:t>aColors.length</a:t>
-            </a:r>
-            <a:r>
-              <a:rPr lang="en-US" altLang="zh-CN" sz="2400" dirty="0" smtClean="0">
-                <a:latin typeface="Arial" panose="020B0604020202020204" pitchFamily="34" charset="0"/>
-              </a:rPr>
-              <a:t> ); // </a:t>
-            </a:r>
-            <a:r>
-              <a:rPr lang="en-US" altLang="zh-CN" sz="2400" dirty="0" smtClean="0">
-                <a:solidFill>
-                  <a:srgbClr val="006600"/>
-                </a:solidFill>
-                <a:latin typeface="Arial" panose="020B0604020202020204" pitchFamily="34" charset="0"/>
-              </a:rPr>
-              <a:t>output  </a:t>
-            </a:r>
-            <a:r>
-              <a:rPr lang="en-US" altLang="zh-CN" sz="2400" dirty="0" smtClean="0">
-                <a:solidFill>
-                  <a:srgbClr val="006600"/>
-                </a:solidFill>
-                <a:latin typeface="Arial" panose="020B0604020202020204" pitchFamily="34" charset="0"/>
-                <a:sym typeface="Wingdings" panose="05000000000000000000" pitchFamily="2" charset="2"/>
-              </a:rPr>
-              <a:t> 3</a:t>
-            </a:r>
-          </a:p>
-          <a:p>
-            <a:pPr lvl="1">
-              <a:lnSpc>
-                <a:spcPct val="150000"/>
-              </a:lnSpc>
-            </a:pPr>
-            <a:r>
-              <a:rPr lang="en-US" altLang="zh-CN" sz="2400" dirty="0">
-                <a:latin typeface="Arial" panose="020B0604020202020204" pitchFamily="34" charset="0"/>
-                <a:sym typeface="Wingdings" panose="05000000000000000000" pitchFamily="2" charset="2"/>
-              </a:rPr>
-              <a:t>	</a:t>
-            </a:r>
-            <a:r>
-              <a:rPr lang="en-US" altLang="zh-CN" sz="2400" dirty="0" err="1" smtClean="0">
-                <a:latin typeface="Arial" panose="020B0604020202020204" pitchFamily="34" charset="0"/>
-              </a:rPr>
-              <a:t>aColors</a:t>
-            </a:r>
-            <a:r>
-              <a:rPr lang="en-US" altLang="zh-CN" sz="2400" dirty="0" smtClean="0">
-                <a:latin typeface="Arial" panose="020B0604020202020204" pitchFamily="34" charset="0"/>
-              </a:rPr>
-              <a:t> </a:t>
-            </a:r>
-            <a:r>
-              <a:rPr lang="en-US" altLang="zh-CN" sz="2400" dirty="0" smtClean="0">
-                <a:solidFill>
-                  <a:srgbClr val="FF0000"/>
-                </a:solidFill>
-                <a:latin typeface="Arial" panose="020B0604020202020204" pitchFamily="34" charset="0"/>
-              </a:rPr>
-              <a:t>[3] = "purple"</a:t>
-            </a:r>
-            <a:r>
-              <a:rPr lang="en-US" altLang="zh-CN" sz="2400" dirty="0" smtClean="0">
-                <a:latin typeface="Arial" panose="020B0604020202020204" pitchFamily="34" charset="0"/>
-              </a:rPr>
-              <a:t>;</a:t>
-            </a:r>
-          </a:p>
-          <a:p>
-            <a:pPr lvl="1">
-              <a:lnSpc>
-                <a:spcPct val="150000"/>
-              </a:lnSpc>
-            </a:pPr>
-            <a:r>
-              <a:rPr lang="en-US" altLang="zh-CN" sz="2400" dirty="0" smtClean="0">
-                <a:latin typeface="Arial" panose="020B0604020202020204" pitchFamily="34" charset="0"/>
-              </a:rPr>
-              <a:t>	alert</a:t>
-            </a:r>
-            <a:r>
-              <a:rPr lang="en-US" altLang="zh-CN" sz="2400" dirty="0">
-                <a:latin typeface="Arial" panose="020B0604020202020204" pitchFamily="34" charset="0"/>
-              </a:rPr>
-              <a:t>( </a:t>
+              <a:t>	alert( </a:t>
             </a:r>
             <a:r>
               <a:rPr lang="en-US" altLang="zh-CN" sz="2400" dirty="0" err="1">
@@ -9292,17 +9249,92 @@
                 <a:latin typeface="Arial" panose="020B0604020202020204" pitchFamily="34" charset="0"/>
                 <a:sym typeface="Wingdings" panose="05000000000000000000" pitchFamily="2" charset="2"/>
               </a:rPr>
-              <a:t> </a:t>
-            </a:r>
-            <a:r>
-              <a:rPr lang="en-US" altLang="zh-CN" sz="2400" dirty="0" smtClean="0">
+              <a:t> 3</a:t>
+            </a:r>
+          </a:p>
+          <a:p>
+            <a:pPr lvl="1">
+              <a:lnSpc>
+                <a:spcPct val="150000"/>
+              </a:lnSpc>
+            </a:pPr>
+            <a:r>
+              <a:rPr lang="en-US" altLang="zh-CN" sz="2400" dirty="0">
+                <a:latin typeface="Arial" panose="020B0604020202020204" pitchFamily="34" charset="0"/>
+                <a:sym typeface="Wingdings" panose="05000000000000000000" pitchFamily="2" charset="2"/>
+              </a:rPr>
+              <a:t>	</a:t>
+            </a:r>
+            <a:r>
+              <a:rPr lang="en-US" altLang="zh-CN" sz="2400" dirty="0" err="1">
+                <a:latin typeface="Arial" panose="020B0604020202020204" pitchFamily="34" charset="0"/>
+              </a:rPr>
+              <a:t>aColors</a:t>
+            </a:r>
+            <a:r>
+              <a:rPr lang="en-US" altLang="zh-CN" sz="2400" dirty="0">
+                <a:latin typeface="Arial" panose="020B0604020202020204" pitchFamily="34" charset="0"/>
+              </a:rPr>
+              <a:t> </a:t>
+            </a:r>
+            <a:r>
+              <a:rPr lang="en-US" altLang="zh-CN" sz="2400" dirty="0">
+                <a:solidFill>
+                  <a:srgbClr val="FF0000"/>
+                </a:solidFill>
+                <a:latin typeface="Arial" panose="020B0604020202020204" pitchFamily="34" charset="0"/>
+              </a:rPr>
+              <a:t>[3] = "purple"</a:t>
+            </a:r>
+            <a:r>
+              <a:rPr lang="en-US" altLang="zh-CN" sz="2400" dirty="0">
+                <a:latin typeface="Arial" panose="020B0604020202020204" pitchFamily="34" charset="0"/>
+              </a:rPr>
+              <a:t>;</a:t>
+            </a:r>
+          </a:p>
+          <a:p>
+            <a:pPr lvl="1">
+              <a:lnSpc>
+                <a:spcPct val="150000"/>
+              </a:lnSpc>
+            </a:pPr>
+            <a:r>
+              <a:rPr lang="en-US" altLang="zh-CN" sz="2400" dirty="0">
+                <a:latin typeface="Arial" panose="020B0604020202020204" pitchFamily="34" charset="0"/>
+              </a:rPr>
+              <a:t>	alert( </a:t>
+            </a:r>
+            <a:r>
+              <a:rPr lang="en-US" altLang="zh-CN" sz="2400" dirty="0" err="1">
+                <a:latin typeface="Arial" panose="020B0604020202020204" pitchFamily="34" charset="0"/>
+              </a:rPr>
+              <a:t>aColors.length</a:t>
+            </a:r>
+            <a:r>
+              <a:rPr lang="en-US" altLang="zh-CN" sz="2400" dirty="0">
+                <a:latin typeface="Arial" panose="020B0604020202020204" pitchFamily="34" charset="0"/>
+              </a:rPr>
+              <a:t> ); // </a:t>
+            </a:r>
+            <a:r>
+              <a:rPr lang="en-US" altLang="zh-CN" sz="2400" dirty="0">
+                <a:solidFill>
+                  <a:srgbClr val="006600"/>
+                </a:solidFill>
+                <a:latin typeface="Arial" panose="020B0604020202020204" pitchFamily="34" charset="0"/>
+              </a:rPr>
+              <a:t>output  </a:t>
+            </a:r>
+            <a:r>
+              <a:rPr lang="en-US" altLang="zh-CN" sz="2400" dirty="0">
                 <a:solidFill>
                   <a:srgbClr val="006600"/>
                 </a:solidFill>
                 <a:latin typeface="Arial" panose="020B0604020202020204" pitchFamily="34" charset="0"/>
                 <a:sym typeface="Wingdings" panose="05000000000000000000" pitchFamily="2" charset="2"/>
               </a:rPr>
-              <a:t>4</a:t>
+              <a:t> 4</a:t>
             </a:r>
           </a:p>
           <a:p>
@@ -9312,14 +9344,14 @@
               </a:lnSpc>
             </a:pPr>
             <a:r>
-              <a:rPr lang="en-US" altLang="zh-CN" sz="2400" dirty="0" smtClean="0">
+              <a:rPr lang="en-US" altLang="zh-CN" sz="2400" dirty="0">
                 <a:latin typeface="Arial" panose="020B0604020202020204" pitchFamily="34" charset="0"/>
                 <a:sym typeface="Wingdings" panose="05000000000000000000" pitchFamily="2" charset="2"/>
               </a:rPr>
               <a:t>&lt;/script</a:t>
             </a:r>
             <a:r>
-              <a:rPr lang="en-US" altLang="zh-CN" sz="2800" dirty="0" smtClean="0">
+              <a:rPr lang="en-US" altLang="zh-CN" sz="2800" dirty="0">
                 <a:latin typeface="Arial" panose="020B0604020202020204" pitchFamily="34" charset="0"/>
                 <a:sym typeface="Wingdings" panose="05000000000000000000" pitchFamily="2" charset="2"/>
               </a:rPr>
@@ -9354,16 +9386,12 @@
           <a:lstStyle/>
           <a:p>
             <a:r>
-              <a:rPr lang="en-US" altLang="zh-CN" sz="2800" dirty="0" smtClean="0">
+              <a:rPr lang="en-US" altLang="zh-CN" sz="2800" dirty="0">
                 <a:latin typeface="Arial" panose="020B0604020202020204" pitchFamily="34" charset="0"/>
                 <a:ea typeface="微软雅黑" panose="020B0503020204020204" pitchFamily="34" charset="-122"/>
               </a:rPr>
               <a:t>demo4-7.html</a:t>
             </a:r>
-            <a:endParaRPr lang="en-US" altLang="zh-CN" sz="2800" dirty="0">
-              <a:latin typeface="Arial" panose="020B0604020202020204" pitchFamily="34" charset="0"/>
-              <a:ea typeface="微软雅黑" panose="020B0503020204020204" pitchFamily="34" charset="-122"/>
-            </a:endParaRPr>
           </a:p>
         </p:txBody>
       </p:sp>
@@ -9372,13 +9400,6 @@
   <p:clrMapOvr>
     <a:masterClrMapping/>
   </p:clrMapOvr>
-  <p:timing>
-    <p:tnLst>
-      <p:par>
-        <p:cTn id="1" dur="indefinite" restart="never" nodeType="tmRoot"/>
-      </p:par>
-    </p:tnLst>
-  </p:timing>
 </p:sld>
 </file>
 
@@ -9416,7 +9437,7 @@
           <a:p>
             <a:pPr lvl="0"/>
             <a:r>
-              <a:rPr lang="zh-CN" altLang="en-US" kern="0" dirty="0" smtClean="0"/>
+              <a:rPr lang="zh-CN" altLang="en-US" kern="0" dirty="0"/>
               <a:t> 有</a:t>
             </a:r>
             <a:r>
@@ -9425,29 +9446,9 @@
             </a:r>
             <a:r>
               <a:rPr lang="zh-CN" altLang="en-US" kern="0" dirty="0"/>
-              <a:t>条帖子，欲放到一个表格中，每一条帖子包含（标题、发帖人</a:t>
-            </a:r>
-            <a:r>
-              <a:rPr lang="zh-CN" altLang="en-US" kern="0" dirty="0" smtClean="0"/>
-              <a:t>、</a:t>
-            </a:r>
-            <a:r>
-              <a:rPr lang="zh-CN" altLang="en-US" kern="0" dirty="0"/>
-              <a:t>帖子</a:t>
-            </a:r>
-            <a:r>
-              <a:rPr lang="zh-CN" altLang="en-US" kern="0" dirty="0" smtClean="0"/>
-              <a:t>概览</a:t>
-            </a:r>
-            <a:r>
-              <a:rPr lang="zh-CN" altLang="en-US" kern="0" dirty="0"/>
-              <a:t>、发贴时间）</a:t>
-            </a:r>
-            <a:r>
-              <a:rPr lang="zh-CN" altLang="en-US" kern="0" dirty="0" smtClean="0"/>
-              <a:t>信息</a:t>
-            </a:r>
-            <a:endParaRPr lang="en-US" altLang="zh-CN" kern="0" dirty="0" smtClean="0"/>
+              <a:t>条帖子，欲放到一个表格中，每一条帖子包含（标题、发帖人、帖子概览、发贴时间）信息</a:t>
+            </a:r>
+            <a:endParaRPr lang="en-US" altLang="zh-CN" kern="0" dirty="0"/>
           </a:p>
           <a:p>
             <a:pPr lvl="0"/>
@@ -9456,20 +9457,8 @@
           <a:p>
             <a:pPr lvl="0"/>
             <a:r>
-              <a:rPr lang="zh-CN" altLang="en-US" kern="0" dirty="0" smtClean="0"/>
-              <a:t> 要求</a:t>
-            </a:r>
-            <a:r>
               <a:rPr lang="zh-CN" altLang="en-US" kern="0" dirty="0"/>
-              <a:t>在表格</a:t>
-            </a:r>
-            <a:r>
-              <a:rPr lang="zh-CN" altLang="en-US" kern="0" dirty="0" smtClean="0"/>
-              <a:t>的“帖子概览”列中</a:t>
-            </a:r>
-            <a:r>
-              <a:rPr lang="zh-CN" altLang="en-US" kern="0" dirty="0"/>
-              <a:t>，只显示前 </a:t>
+              <a:t> 要求在表格的“帖子概览”列中，只显示前 </a:t>
             </a:r>
             <a:r>
               <a:rPr lang="en-US" altLang="zh-CN" kern="0" dirty="0"/>
@@ -9477,11 +9466,7 @@
             </a:r>
             <a:r>
               <a:rPr lang="zh-CN" altLang="en-US" kern="0" dirty="0"/>
-              <a:t>个</a:t>
-            </a:r>
-            <a:r>
-              <a:rPr lang="zh-CN" altLang="en-US" kern="0" dirty="0" smtClean="0"/>
-              <a:t>字</a:t>
+              <a:t>个字</a:t>
             </a:r>
             <a:endParaRPr lang="en-US" altLang="zh-CN" kern="0" dirty="0"/>
           </a:p>
@@ -9506,10 +9491,9 @@
           <a:lstStyle/>
           <a:p>
             <a:r>
-              <a:rPr lang="zh-CN" altLang="en-US" dirty="0" smtClean="0"/>
+              <a:rPr lang="zh-CN" altLang="en-US" dirty="0"/>
               <a:t>先看问题</a:t>
             </a:r>
-            <a:endParaRPr lang="zh-CN" altLang="en-US" dirty="0"/>
           </a:p>
         </p:txBody>
       </p:sp>
@@ -9721,11 +9705,11 @@
           <a:lstStyle/>
           <a:p>
             <a:r>
-              <a:rPr lang="zh-CN" altLang="en-US" dirty="0" smtClean="0"/>
+              <a:rPr lang="zh-CN" altLang="en-US" dirty="0"/>
               <a:t> 动手做：</a:t>
             </a:r>
             <a:r>
-              <a:rPr lang="en-US" altLang="zh-CN" dirty="0" smtClean="0"/>
+              <a:rPr lang="en-US" altLang="zh-CN" dirty="0"/>
               <a:t>demo4-8.html</a:t>
             </a:r>
           </a:p>
@@ -9736,18 +9720,18 @@
           <a:p>
             <a:pPr lvl="1"/>
             <a:r>
-              <a:rPr lang="zh-CN" altLang="en-US" sz="2400" dirty="0" smtClean="0"/>
+              <a:rPr lang="zh-CN" altLang="en-US" sz="2400" dirty="0"/>
               <a:t> 创建一个二维数组，存储 </a:t>
             </a:r>
             <a:r>
-              <a:rPr lang="en-US" altLang="zh-CN" sz="2400" dirty="0" smtClean="0"/>
+              <a:rPr lang="en-US" altLang="zh-CN" sz="2400" dirty="0"/>
               <a:t>5 </a:t>
             </a:r>
             <a:r>
-              <a:rPr lang="zh-CN" altLang="en-US" sz="2400" dirty="0" smtClean="0"/>
+              <a:rPr lang="zh-CN" altLang="en-US" sz="2400" dirty="0"/>
               <a:t>条帖子的内容</a:t>
             </a:r>
-            <a:endParaRPr lang="en-US" altLang="zh-CN" sz="2400" dirty="0" smtClean="0"/>
+            <a:endParaRPr lang="en-US" altLang="zh-CN" sz="2400" dirty="0"/>
           </a:p>
           <a:p>
             <a:pPr lvl="1"/>
@@ -9775,10 +9759,9 @@
           <a:lstStyle/>
           <a:p>
             <a:r>
-              <a:rPr lang="zh-CN" altLang="en-US" dirty="0" smtClean="0"/>
+              <a:rPr lang="zh-CN" altLang="en-US" dirty="0"/>
               <a:t>试一试</a:t>
             </a:r>
-            <a:endParaRPr lang="zh-CN" altLang="en-US" dirty="0"/>
           </a:p>
         </p:txBody>
       </p:sp>
@@ -9819,13 +9802,6 @@
   <p:clrMapOvr>
     <a:masterClrMapping/>
   </p:clrMapOvr>
-  <p:timing>
-    <p:tnLst>
-      <p:par>
-        <p:cTn id="1" dur="indefinite" restart="never" nodeType="tmRoot"/>
-      </p:par>
-    </p:tnLst>
-  </p:timing>
 </p:sld>
 </file>
 
@@ -9867,7 +9843,7 @@
           <a:lstStyle/>
           <a:p>
             <a:r>
-              <a:rPr lang="zh-CN" altLang="en-US" dirty="0" smtClean="0"/>
+              <a:rPr lang="zh-CN" altLang="en-US" dirty="0"/>
               <a:t> </a:t>
             </a:r>
             <a:r>
@@ -9886,7 +9862,7 @@
               <a:t>位置</a:t>
             </a:r>
             <a:r>
-              <a:rPr lang="zh-CN" altLang="en-US" dirty="0" smtClean="0">
+              <a:rPr lang="zh-CN" altLang="en-US" dirty="0">
                 <a:sym typeface="+mn-ea"/>
               </a:rPr>
               <a:t> </a:t>
@@ -9899,14 +9875,14 @@
               </a:spcAft>
             </a:pPr>
             <a:r>
-              <a:rPr lang="zh-CN" altLang="en-US" sz="2400" dirty="0" smtClean="0">
+              <a:rPr lang="zh-CN" altLang="en-US" sz="2400" dirty="0">
                 <a:cs typeface="+mn-ea"/>
                 <a:sym typeface="+mn-ea"/>
               </a:rPr>
               <a:t> </a:t>
             </a:r>
             <a:r>
-              <a:rPr lang="zh-CN" altLang="en-US" sz="2400" dirty="0" smtClean="0">
+              <a:rPr lang="zh-CN" altLang="en-US" sz="2400" dirty="0">
                 <a:solidFill>
                   <a:srgbClr val="C00000"/>
                 </a:solidFill>
@@ -9916,29 +9892,29 @@
               <a:t>indexOf()</a:t>
             </a:r>
             <a:r>
-              <a:rPr lang="zh-CN" altLang="en-US" sz="2400" dirty="0" smtClean="0">
+              <a:rPr lang="zh-CN" altLang="en-US" sz="2400" dirty="0">
                 <a:cs typeface="+mn-ea"/>
                 <a:sym typeface="+mn-ea"/>
               </a:rPr>
               <a:t> 方法</a:t>
             </a:r>
-            <a:endParaRPr lang="zh-CN" altLang="en-US" sz="2400" dirty="0" smtClean="0">
+            <a:endParaRPr lang="zh-CN" altLang="en-US" sz="2400" dirty="0">
               <a:cs typeface="+mn-ea"/>
             </a:endParaRPr>
           </a:p>
           <a:p>
             <a:r>
-              <a:rPr lang="zh-CN" altLang="en-US" dirty="0" smtClean="0"/>
+              <a:rPr lang="zh-CN" altLang="en-US" dirty="0"/>
               <a:t> </a:t>
             </a:r>
             <a:r>
-              <a:rPr lang="zh-CN" altLang="en-US" dirty="0" smtClean="0">
+              <a:rPr lang="zh-CN" altLang="en-US" dirty="0">
                 <a:sym typeface="+mn-ea"/>
               </a:rPr>
               <a:t>数组元素</a:t>
             </a:r>
             <a:r>
-              <a:rPr lang="zh-CN" altLang="en-US" dirty="0" smtClean="0">
+              <a:rPr lang="zh-CN" altLang="en-US" dirty="0">
                 <a:solidFill>
                   <a:srgbClr val="FF0000"/>
                 </a:solidFill>
@@ -9946,21 +9922,21 @@
               </a:rPr>
               <a:t>排序</a:t>
             </a:r>
-            <a:endParaRPr lang="zh-CN" altLang="en-US" sz="2400" dirty="0" smtClean="0">
+            <a:endParaRPr lang="zh-CN" altLang="en-US" sz="2400" dirty="0">
               <a:sym typeface="+mn-ea"/>
             </a:endParaRPr>
           </a:p>
           <a:p>
             <a:pPr lvl="1"/>
             <a:r>
-              <a:rPr lang="zh-CN" altLang="en-US" sz="2400" dirty="0" smtClean="0">
+              <a:rPr lang="zh-CN" altLang="en-US" sz="2400" dirty="0">
                 <a:cs typeface="+mn-ea"/>
                 <a:sym typeface="+mn-ea"/>
               </a:rPr>
               <a:t> 通过数组变量的</a:t>
             </a:r>
             <a:r>
-              <a:rPr lang="zh-CN" altLang="en-US" sz="2400" dirty="0" smtClean="0">
+              <a:rPr lang="zh-CN" altLang="en-US" sz="2400" dirty="0">
                 <a:solidFill>
                   <a:srgbClr val="C00000"/>
                 </a:solidFill>
@@ -9970,7 +9946,7 @@
               <a:t> </a:t>
             </a:r>
             <a:r>
-              <a:rPr lang="en-US" altLang="zh-CN" sz="2400" dirty="0" smtClean="0">
+              <a:rPr lang="en-US" altLang="zh-CN" sz="2400" dirty="0">
                 <a:solidFill>
                   <a:srgbClr val="C00000"/>
                 </a:solidFill>
@@ -9980,7 +9956,7 @@
               <a:t>sort</a:t>
             </a:r>
             <a:r>
-              <a:rPr sz="2400" dirty="0" smtClean="0">
+              <a:rPr sz="2400" dirty="0">
                 <a:solidFill>
                   <a:srgbClr val="C00000"/>
                 </a:solidFill>
@@ -9990,7 +9966,7 @@
               <a:t>()</a:t>
             </a:r>
             <a:r>
-              <a:rPr sz="2400" dirty="0" smtClean="0">
+              <a:rPr sz="2400" dirty="0">
                 <a:solidFill>
                   <a:srgbClr val="FF0000"/>
                 </a:solidFill>
@@ -10000,7 +9976,7 @@
               <a:t> </a:t>
             </a:r>
             <a:r>
-              <a:rPr lang="zh-CN" altLang="en-US" sz="2400" dirty="0" smtClean="0">
+              <a:rPr lang="zh-CN" altLang="en-US" sz="2400" dirty="0">
                 <a:cs typeface="+mn-ea"/>
                 <a:sym typeface="+mn-ea"/>
               </a:rPr>
@@ -10010,31 +9986,31 @@
           <a:p>
             <a:pPr lvl="1"/>
             <a:r>
-              <a:rPr lang="zh-CN" altLang="en-US" sz="2400" dirty="0" smtClean="0">
+              <a:rPr lang="zh-CN" altLang="en-US" sz="2400" dirty="0">
                 <a:cs typeface="+mn-ea"/>
                 <a:sym typeface="+mn-ea"/>
               </a:rPr>
               <a:t> 默认从小到大</a:t>
             </a:r>
-            <a:endParaRPr lang="zh-CN" altLang="en-US" sz="2400" dirty="0" smtClean="0">
+            <a:endParaRPr lang="zh-CN" altLang="en-US" sz="2400" dirty="0">
               <a:sym typeface="+mn-ea"/>
             </a:endParaRPr>
           </a:p>
           <a:p>
             <a:r>
-              <a:rPr lang="zh-CN" altLang="en-US" sz="2400" dirty="0" smtClean="0">
+              <a:rPr lang="zh-CN" altLang="en-US" sz="2400" dirty="0">
                 <a:sym typeface="+mn-ea"/>
               </a:rPr>
               <a:t> </a:t>
             </a:r>
             <a:r>
-              <a:rPr lang="zh-CN" altLang="en-US" dirty="0" smtClean="0">
+              <a:rPr lang="zh-CN" altLang="en-US" dirty="0">
                 <a:sym typeface="+mn-ea"/>
               </a:rPr>
               <a:t>颠倒数组中元素的</a:t>
             </a:r>
             <a:r>
-              <a:rPr lang="zh-CN" altLang="en-US" dirty="0" smtClean="0">
+              <a:rPr lang="zh-CN" altLang="en-US" dirty="0">
                 <a:solidFill>
                   <a:srgbClr val="FF0000"/>
                 </a:solidFill>
@@ -10042,21 +10018,21 @@
               </a:rPr>
               <a:t>顺序</a:t>
             </a:r>
-            <a:endParaRPr lang="zh-CN" altLang="en-US" dirty="0" smtClean="0">
+            <a:endParaRPr lang="zh-CN" altLang="en-US" dirty="0">
               <a:sym typeface="+mn-ea"/>
             </a:endParaRPr>
           </a:p>
           <a:p>
             <a:pPr lvl="1"/>
             <a:r>
-              <a:rPr lang="zh-CN" altLang="en-US" sz="2400" dirty="0" smtClean="0">
+              <a:rPr lang="zh-CN" altLang="en-US" sz="2400" dirty="0">
                 <a:cs typeface="+mn-ea"/>
                 <a:sym typeface="+mn-ea"/>
               </a:rPr>
               <a:t> 通过数组变量的</a:t>
             </a:r>
             <a:r>
-              <a:rPr lang="zh-CN" altLang="en-US" sz="2400" dirty="0" smtClean="0">
+              <a:rPr lang="zh-CN" altLang="en-US" sz="2400" dirty="0">
                 <a:solidFill>
                   <a:srgbClr val="C00000"/>
                 </a:solidFill>
@@ -10066,7 +10042,7 @@
               <a:t> </a:t>
             </a:r>
             <a:r>
-              <a:rPr lang="en-US" altLang="zh-CN" sz="2400" dirty="0" smtClean="0">
+              <a:rPr lang="en-US" altLang="zh-CN" sz="2400" dirty="0">
                 <a:solidFill>
                   <a:srgbClr val="C00000"/>
                 </a:solidFill>
@@ -10076,7 +10052,7 @@
               <a:t>reverse</a:t>
             </a:r>
             <a:r>
-              <a:rPr sz="2400" dirty="0" smtClean="0">
+              <a:rPr sz="2400" dirty="0">
                 <a:solidFill>
                   <a:srgbClr val="C00000"/>
                 </a:solidFill>
@@ -10086,7 +10062,7 @@
               <a:t>() </a:t>
             </a:r>
             <a:r>
-              <a:rPr lang="zh-CN" altLang="en-US" sz="2400" dirty="0" smtClean="0">
+              <a:rPr lang="zh-CN" altLang="en-US" sz="2400" dirty="0">
                 <a:cs typeface="+mn-ea"/>
                 <a:sym typeface="+mn-ea"/>
               </a:rPr>
@@ -10118,10 +10094,9 @@
           <a:lstStyle/>
           <a:p>
             <a:r>
-              <a:rPr lang="zh-CN" altLang="en-US" dirty="0" smtClean="0"/>
+              <a:rPr lang="zh-CN" altLang="en-US" dirty="0"/>
               <a:t>数组方法</a:t>
             </a:r>
-            <a:endParaRPr lang="zh-CN" altLang="en-US" dirty="0"/>
           </a:p>
         </p:txBody>
       </p:sp>
@@ -10148,16 +10123,12 @@
           <a:lstStyle/>
           <a:p>
             <a:r>
-              <a:rPr lang="en-US" altLang="zh-CN" sz="2800" dirty="0" smtClean="0">
+              <a:rPr lang="en-US" altLang="zh-CN" sz="2800" dirty="0">
                 <a:latin typeface="Arial" panose="020B0604020202020204" pitchFamily="34" charset="0"/>
                 <a:ea typeface="微软雅黑" panose="020B0503020204020204" pitchFamily="34" charset="-122"/>
               </a:rPr>
               <a:t>demo4-9.html</a:t>
             </a:r>
-            <a:endParaRPr lang="en-US" altLang="zh-CN" sz="2800" dirty="0">
-              <a:latin typeface="Arial" panose="020B0604020202020204" pitchFamily="34" charset="0"/>
-              <a:ea typeface="微软雅黑" panose="020B0503020204020204" pitchFamily="34" charset="-122"/>
-            </a:endParaRPr>
           </a:p>
         </p:txBody>
       </p:sp>
@@ -11301,13 +11272,13 @@
           <a:lstStyle/>
           <a:p>
             <a:r>
-              <a:rPr lang="en-US" altLang="zh-CN" dirty="0" smtClean="0">
+              <a:rPr lang="en-US" altLang="zh-CN" dirty="0">
                 <a:sym typeface="+mn-ea"/>
               </a:rPr>
               <a:t> sort() </a:t>
             </a:r>
             <a:r>
-              <a:rPr lang="zh-CN" altLang="en-US" dirty="0" smtClean="0">
+              <a:rPr lang="zh-CN" altLang="en-US" dirty="0">
                 <a:sym typeface="+mn-ea"/>
               </a:rPr>
               <a:t>方法</a:t>
@@ -11316,21 +11287,21 @@
           <a:p>
             <a:pPr lvl="1"/>
             <a:r>
-              <a:rPr lang="zh-CN" altLang="en-US" sz="2400" dirty="0" smtClean="0">
+              <a:rPr lang="zh-CN" altLang="en-US" sz="2400" dirty="0">
                 <a:cs typeface="+mn-ea"/>
                 <a:sym typeface="+mn-ea"/>
               </a:rPr>
               <a:t> 只能排序 10 以内的数组。如果需要排序的数组中存在大于 10 的数字，我们需要向 sort</a:t>
             </a:r>
             <a:r>
-              <a:rPr lang="en-US" altLang="zh-CN" sz="2400" dirty="0" smtClean="0">
+              <a:rPr lang="en-US" altLang="zh-CN" sz="2400" dirty="0">
                 <a:cs typeface="+mn-ea"/>
                 <a:sym typeface="+mn-ea"/>
               </a:rPr>
               <a:t>()</a:t>
             </a:r>
             <a:r>
-              <a:rPr lang="zh-CN" altLang="en-US" sz="2400" dirty="0" smtClean="0">
+              <a:rPr lang="zh-CN" altLang="en-US" sz="2400" dirty="0">
                 <a:cs typeface="+mn-ea"/>
                 <a:sym typeface="+mn-ea"/>
               </a:rPr>
@@ -11339,26 +11310,26 @@
           </a:p>
           <a:p>
             <a:pPr lvl="1"/>
-            <a:endParaRPr lang="zh-CN" altLang="en-US" sz="2400" dirty="0" smtClean="0">
+            <a:endParaRPr lang="zh-CN" altLang="en-US" sz="2400" dirty="0">
               <a:sym typeface="+mn-ea"/>
             </a:endParaRPr>
           </a:p>
           <a:p>
             <a:pPr lvl="1"/>
-            <a:endParaRPr lang="zh-CN" altLang="en-US" sz="2400" dirty="0" smtClean="0">
+            <a:endParaRPr lang="zh-CN" altLang="en-US" sz="2400" dirty="0">
               <a:sym typeface="+mn-ea"/>
             </a:endParaRPr>
           </a:p>
           <a:p>
             <a:pPr lvl="1"/>
-            <a:endParaRPr lang="zh-CN" altLang="en-US" sz="2400" dirty="0" smtClean="0">
+            <a:endParaRPr lang="zh-CN" altLang="en-US" sz="2400" dirty="0">
               <a:sym typeface="+mn-ea"/>
             </a:endParaRPr>
           </a:p>
           <a:p>
             <a:pPr lvl="1"/>
             <a:r>
-              <a:rPr lang="zh-CN" altLang="en-US" sz="2400" dirty="0" smtClean="0">
+              <a:rPr lang="zh-CN" altLang="en-US" sz="2400" dirty="0">
                 <a:sym typeface="+mn-ea"/>
               </a:rPr>
               <a:t> 对于传入的两个参数：a 代表的是找到的数组中的当前项，b 代表的是当前项的后一项</a:t>
@@ -11367,7 +11338,7 @@
           <a:p>
             <a:pPr lvl="2"/>
             <a:r>
-              <a:rPr lang="zh-CN" altLang="en-US" sz="2000" dirty="0" smtClean="0">
+              <a:rPr lang="zh-CN" altLang="en-US" sz="2000" dirty="0">
                 <a:sym typeface="+mn-ea"/>
               </a:rPr>
               <a:t>return a -b ： 如果 a 大于 b，返回结果，a 与 b 交换位置。如果 a 小于 b，那么 a 和 b 位置不变。 这是升序排序。</a:t>
@@ -11376,19 +11347,19 @@
           <a:p>
             <a:pPr lvl="2"/>
             <a:r>
-              <a:rPr lang="zh-CN" altLang="en-US" sz="2000" dirty="0" smtClean="0">
+              <a:rPr lang="zh-CN" altLang="en-US" sz="2000" dirty="0">
                 <a:sym typeface="+mn-ea"/>
               </a:rPr>
               <a:t>return b -a ： 如果 b 大于 a，返回结果，a 与 b交换位置。如果  </a:t>
             </a:r>
             <a:r>
-              <a:rPr lang="en-US" altLang="zh-CN" sz="2000" dirty="0" smtClean="0">
+              <a:rPr lang="en-US" altLang="zh-CN" sz="2000" dirty="0">
                 <a:sym typeface="+mn-ea"/>
               </a:rPr>
               <a:t>a </a:t>
             </a:r>
             <a:r>
-              <a:rPr lang="zh-CN" altLang="en-US" sz="2000" dirty="0" smtClean="0">
+              <a:rPr lang="zh-CN" altLang="en-US" sz="2000" dirty="0">
                 <a:sym typeface="+mn-ea"/>
               </a:rPr>
               <a:t>小于 b，那么 a 和b位置不变。 这是降序排序。</a:t>
@@ -12492,13 +12463,6 @@
     <a:masterClrMapping/>
   </p:clrMapOvr>
   <p:transition/>
-  <p:timing>
-    <p:tnLst>
-      <p:par>
-        <p:cTn id="1" dur="indefinite" restart="never" nodeType="tmRoot"/>
-      </p:par>
-    </p:tnLst>
-  </p:timing>
 </p:sld>
 </file>
 
@@ -12540,18 +12504,18 @@
           <a:lstStyle/>
           <a:p>
             <a:r>
-              <a:rPr lang="zh-CN" altLang="en-US" dirty="0" smtClean="0"/>
+              <a:rPr lang="zh-CN" altLang="en-US" dirty="0"/>
               <a:t> 数组转换成</a:t>
             </a:r>
             <a:r>
-              <a:rPr lang="zh-CN" altLang="en-US" dirty="0" smtClean="0">
+              <a:rPr lang="zh-CN" altLang="en-US" dirty="0">
                 <a:solidFill>
                   <a:srgbClr val="FF0000"/>
                 </a:solidFill>
               </a:rPr>
               <a:t>字符串</a:t>
             </a:r>
-            <a:endParaRPr lang="en-US" altLang="zh-CN" dirty="0" smtClean="0">
+            <a:endParaRPr lang="en-US" altLang="zh-CN" dirty="0">
               <a:solidFill>
                 <a:srgbClr val="FF0000"/>
               </a:solidFill>
@@ -12561,14 +12525,14 @@
           <a:p>
             <a:pPr lvl="1"/>
             <a:r>
-              <a:rPr lang="zh-CN" altLang="en-US" sz="2400" dirty="0" smtClean="0">
+              <a:rPr lang="zh-CN" altLang="en-US" sz="2400" dirty="0">
                 <a:cs typeface="+mn-ea"/>
                 <a:sym typeface="+mn-ea"/>
               </a:rPr>
               <a:t> 通过数组变量的 </a:t>
             </a:r>
             <a:r>
-              <a:rPr lang="en-US" altLang="zh-CN" sz="2400" dirty="0" smtClean="0">
+              <a:rPr lang="en-US" altLang="zh-CN" sz="2400" dirty="0">
                 <a:solidFill>
                   <a:srgbClr val="C00000"/>
                 </a:solidFill>
@@ -12578,7 +12542,7 @@
               <a:t>join(separator)</a:t>
             </a:r>
             <a:r>
-              <a:rPr sz="2400" dirty="0" smtClean="0">
+              <a:rPr sz="2400" dirty="0">
                 <a:solidFill>
                   <a:srgbClr val="FF0000"/>
                 </a:solidFill>
@@ -12588,7 +12552,7 @@
               <a:t> </a:t>
             </a:r>
             <a:r>
-              <a:rPr lang="zh-CN" altLang="en-US" sz="2400" dirty="0" smtClean="0">
+              <a:rPr lang="zh-CN" altLang="en-US" sz="2400" dirty="0">
                 <a:cs typeface="+mn-ea"/>
                 <a:sym typeface="+mn-ea"/>
               </a:rPr>
@@ -12600,7 +12564,7 @@
               <a:buNone/>
             </a:pPr>
             <a:r>
-              <a:rPr lang="zh-CN" altLang="en-US" sz="2400" dirty="0" smtClean="0">
+              <a:rPr lang="zh-CN" altLang="en-US" sz="2400" dirty="0">
                 <a:sym typeface="+mn-ea"/>
               </a:rPr>
               <a:t>    参数：指定使用的分隔符。如果省略，则使用逗号作为分隔符。</a:t>
@@ -12609,7 +12573,7 @@
           <a:p>
             <a:pPr lvl="1"/>
             <a:r>
-              <a:rPr lang="zh-CN" altLang="en-US" sz="2400" dirty="0" smtClean="0">
+              <a:rPr lang="zh-CN" altLang="en-US" sz="2400" dirty="0">
                 <a:sym typeface="+mn-ea"/>
               </a:rPr>
               <a:t> 返回一个字符串。</a:t>
@@ -12641,10 +12605,9 @@
           <a:lstStyle/>
           <a:p>
             <a:r>
-              <a:rPr lang="zh-CN" altLang="en-US" dirty="0" smtClean="0"/>
+              <a:rPr lang="zh-CN" altLang="en-US" dirty="0"/>
               <a:t>数组方法</a:t>
             </a:r>
-            <a:endParaRPr lang="zh-CN" altLang="en-US" dirty="0"/>
           </a:p>
         </p:txBody>
       </p:sp>
@@ -12671,16 +12634,12 @@
           <a:lstStyle/>
           <a:p>
             <a:r>
-              <a:rPr lang="en-US" altLang="zh-CN" sz="2800" dirty="0" smtClean="0">
+              <a:rPr lang="en-US" altLang="zh-CN" sz="2800" dirty="0">
                 <a:latin typeface="Arial" panose="020B0604020202020204" pitchFamily="34" charset="0"/>
                 <a:ea typeface="微软雅黑" panose="020B0503020204020204" pitchFamily="34" charset="-122"/>
               </a:rPr>
               <a:t>demo4-10.html</a:t>
             </a:r>
-            <a:endParaRPr lang="en-US" altLang="zh-CN" sz="2800" dirty="0">
-              <a:latin typeface="Arial" panose="020B0604020202020204" pitchFamily="34" charset="0"/>
-              <a:ea typeface="微软雅黑" panose="020B0503020204020204" pitchFamily="34" charset="-122"/>
-            </a:endParaRPr>
           </a:p>
         </p:txBody>
       </p:sp>
@@ -12717,7 +12676,7 @@
               </a:lnSpc>
             </a:pPr>
             <a:r>
-              <a:rPr lang="en-US" sz="2600" dirty="0" err="1" smtClean="0">
+              <a:rPr lang="en-US" sz="2600" dirty="0" err="1">
                 <a:solidFill>
                   <a:schemeClr val="tx1"/>
                 </a:solidFill>
@@ -12728,7 +12687,7 @@
               <a:t> </a:t>
             </a:r>
             <a:r>
-              <a:rPr lang="en-US" sz="2600" dirty="0" err="1" smtClean="0">
+              <a:rPr lang="en-US" sz="2600" dirty="0" err="1">
                 <a:latin typeface="微软雅黑" panose="020B0503020204020204" pitchFamily="34" charset="-122"/>
                 <a:ea typeface="微软雅黑" panose="020B0503020204020204" pitchFamily="34" charset="-122"/>
                 <a:sym typeface="+mn-ea"/>
@@ -12743,7 +12702,7 @@
               </a:lnSpc>
             </a:pPr>
             <a:r>
-              <a:rPr lang="en-US" sz="2600" dirty="0" err="1" smtClean="0">
+              <a:rPr lang="en-US" sz="2600" dirty="0" err="1">
                 <a:latin typeface="微软雅黑" panose="020B0503020204020204" pitchFamily="34" charset="-122"/>
                 <a:ea typeface="微软雅黑" panose="020B0503020204020204" pitchFamily="34" charset="-122"/>
                 <a:sym typeface="+mn-ea"/>
@@ -13009,12 +12968,12 @@
               <a:buNone/>
             </a:pPr>
             <a:r>
-              <a:rPr lang="en-US" altLang="zh-CN" dirty="0" smtClean="0">
+              <a:rPr lang="en-US" altLang="zh-CN" dirty="0">
                 <a:sym typeface="+mn-ea"/>
               </a:rPr>
               <a:t> </a:t>
             </a:r>
-            <a:endParaRPr lang="zh-CN" altLang="en-US" sz="2400" dirty="0" smtClean="0">
+            <a:endParaRPr lang="zh-CN" altLang="en-US" sz="2400" dirty="0">
               <a:sym typeface="+mn-ea"/>
             </a:endParaRPr>
           </a:p>
@@ -13046,15 +13005,15 @@
           <a:lstStyle/>
           <a:p>
             <a:r>
-              <a:rPr lang="zh-CN" altLang="en-US" dirty="0" smtClean="0"/>
+              <a:rPr lang="zh-CN" altLang="en-US" dirty="0"/>
               <a:t>数组方法</a:t>
             </a:r>
             <a:r>
-              <a:rPr lang="en-US" altLang="zh-CN" dirty="0" smtClean="0"/>
+              <a:rPr lang="en-US" altLang="zh-CN" dirty="0"/>
               <a:t>——</a:t>
             </a:r>
             <a:r>
-              <a:rPr lang="zh-CN" altLang="en-US" dirty="0" smtClean="0"/>
+              <a:rPr lang="zh-CN" altLang="en-US" dirty="0"/>
               <a:t>删除元素</a:t>
             </a:r>
           </a:p>
@@ -13083,16 +13042,12 @@
           <a:lstStyle/>
           <a:p>
             <a:r>
-              <a:rPr lang="en-US" altLang="zh-CN" sz="2800" dirty="0" smtClean="0">
+              <a:rPr lang="en-US" altLang="zh-CN" sz="2800" dirty="0">
                 <a:latin typeface="Arial" panose="020B0604020202020204" pitchFamily="34" charset="0"/>
                 <a:ea typeface="微软雅黑" panose="020B0503020204020204" pitchFamily="34" charset="-122"/>
               </a:rPr>
               <a:t>demo4-11.html</a:t>
             </a:r>
-            <a:endParaRPr lang="en-US" altLang="zh-CN" sz="2800" dirty="0">
-              <a:latin typeface="Arial" panose="020B0604020202020204" pitchFamily="34" charset="0"/>
-              <a:ea typeface="微软雅黑" panose="020B0503020204020204" pitchFamily="34" charset="-122"/>
-            </a:endParaRPr>
           </a:p>
         </p:txBody>
       </p:sp>
@@ -13113,8 +13068,20 @@
                 <a:tableStyleId>{5C22544A-7EE6-4342-B048-85BDC9FD1C3A}</a:tableStyleId>
               </a:tblPr>
               <a:tblGrid>
-                <a:gridCol w="2679439"/>
-                <a:gridCol w="5445282"/>
+                <a:gridCol w="2679439">
+                  <a:extLst>
+                    <a:ext uri="{9D8B030D-6E8A-4147-A177-3AD203B41FA5}">
+                      <a16:colId xmlns:a16="http://schemas.microsoft.com/office/drawing/2014/main" val="20000"/>
+                    </a:ext>
+                  </a:extLst>
+                </a:gridCol>
+                <a:gridCol w="5445282">
+                  <a:extLst>
+                    <a:ext uri="{9D8B030D-6E8A-4147-A177-3AD203B41FA5}">
+                      <a16:colId xmlns:a16="http://schemas.microsoft.com/office/drawing/2014/main" val="20001"/>
+                    </a:ext>
+                  </a:extLst>
+                </a:gridCol>
               </a:tblGrid>
               <a:tr h="575945">
                 <a:tc>
@@ -13155,6 +13122,11 @@
                   </a:txBody>
                   <a:tcPr anchor="ctr"/>
                 </a:tc>
+                <a:extLst>
+                  <a:ext uri="{0D108BD9-81ED-4DB2-BD59-A6C34878D82A}">
+                    <a16:rowId xmlns:a16="http://schemas.microsoft.com/office/drawing/2014/main" val="10000"/>
+                  </a:ext>
+                </a:extLst>
               </a:tr>
               <a:tr h="576000">
                 <a:tc>
@@ -13179,23 +13151,19 @@
                         <a:defRPr/>
                       </a:pPr>
                       <a:r>
-                        <a:rPr lang="en-US" sz="2400" dirty="0" err="1" smtClean="0">
+                        <a:rPr lang="en-US" sz="2400" dirty="0" err="1">
                           <a:latin typeface="+mn-ea"/>
                           <a:ea typeface="+mn-ea"/>
                         </a:rPr>
                         <a:t>  shift</a:t>
                       </a:r>
                       <a:r>
-                        <a:rPr lang="en-US" sz="2400" dirty="0" smtClean="0">
+                        <a:rPr lang="en-US" sz="2400" dirty="0">
                           <a:latin typeface="+mn-ea"/>
                           <a:ea typeface="+mn-ea"/>
                         </a:rPr>
                         <a:t>( )</a:t>
                       </a:r>
-                      <a:endParaRPr lang="en-US" sz="2400" dirty="0">
-                        <a:latin typeface="+mn-ea"/>
-                        <a:ea typeface="+mn-ea"/>
-                      </a:endParaRPr>
                     </a:p>
                   </a:txBody>
                   <a:tcPr anchor="ctr"/>
@@ -13222,18 +13190,11 @@
                         <a:defRPr/>
                       </a:pPr>
                       <a:r>
-                        <a:rPr lang="zh-CN" altLang="en-US" sz="2400" dirty="0" smtClean="0">
-                          <a:latin typeface="+mn-ea"/>
-                          <a:sym typeface="+mn-ea"/>
-                        </a:rPr>
-                        <a:t>删除</a:t>
-                      </a:r>
-                      <a:r>
                         <a:rPr lang="zh-CN" altLang="en-US" sz="2400" dirty="0">
                           <a:latin typeface="+mn-ea"/>
                           <a:sym typeface="+mn-ea"/>
                         </a:rPr>
-                        <a:t>并返回数组的第一个元素。</a:t>
+                        <a:t>删除并返回数组的第一个元素。</a:t>
                       </a:r>
                       <a:endParaRPr lang="en-US" altLang="zh-CN" sz="2400" dirty="0">
                         <a:latin typeface="+mn-ea"/>
@@ -13244,6 +13205,11 @@
                   </a:txBody>
                   <a:tcPr anchor="ctr"/>
                 </a:tc>
+                <a:extLst>
+                  <a:ext uri="{0D108BD9-81ED-4DB2-BD59-A6C34878D82A}">
+                    <a16:rowId xmlns:a16="http://schemas.microsoft.com/office/drawing/2014/main" val="10001"/>
+                  </a:ext>
+                </a:extLst>
               </a:tr>
               <a:tr h="576000">
                 <a:tc>
@@ -13299,6 +13265,11 @@
                   </a:txBody>
                   <a:tcPr anchor="ctr"/>
                 </a:tc>
+                <a:extLst>
+                  <a:ext uri="{0D108BD9-81ED-4DB2-BD59-A6C34878D82A}">
+                    <a16:rowId xmlns:a16="http://schemas.microsoft.com/office/drawing/2014/main" val="10002"/>
+                  </a:ext>
+                </a:extLst>
               </a:tr>
               <a:tr h="576000">
                 <a:tc>
@@ -13355,7 +13326,7 @@
                         <a:defRPr/>
                       </a:pPr>
                       <a:r>
-                        <a:rPr lang="zh-CN" altLang="en-US" sz="2400" dirty="0" smtClean="0">
+                        <a:rPr lang="zh-CN" altLang="en-US" sz="2400" dirty="0">
                           <a:sym typeface="+mn-ea"/>
                         </a:rPr>
                         <a:t>返回值为提取的子数组。</a:t>
@@ -13368,6 +13339,11 @@
                   </a:txBody>
                   <a:tcPr anchor="ctr"/>
                 </a:tc>
+                <a:extLst>
+                  <a:ext uri="{0D108BD9-81ED-4DB2-BD59-A6C34878D82A}">
+                    <a16:rowId xmlns:a16="http://schemas.microsoft.com/office/drawing/2014/main" val="10003"/>
+                  </a:ext>
+                </a:extLst>
               </a:tr>
               <a:tr h="576000">
                 <a:tc>
@@ -13431,6 +13407,11 @@
                   </a:txBody>
                   <a:tcPr anchor="ctr"/>
                 </a:tc>
+                <a:extLst>
+                  <a:ext uri="{0D108BD9-81ED-4DB2-BD59-A6C34878D82A}">
+                    <a16:rowId xmlns:a16="http://schemas.microsoft.com/office/drawing/2014/main" val="10004"/>
+                  </a:ext>
+                </a:extLst>
               </a:tr>
             </a:tbl>
           </a:graphicData>
@@ -13442,13 +13423,6 @@
     <a:masterClrMapping/>
   </p:clrMapOvr>
   <p:transition/>
-  <p:timing>
-    <p:tnLst>
-      <p:par>
-        <p:cTn id="1" dur="indefinite" restart="never" nodeType="tmRoot"/>
-      </p:par>
-    </p:tnLst>
-  </p:timing>
 </p:sld>
 </file>
 
@@ -13490,13 +13464,13 @@
           <a:lstStyle/>
           <a:p>
             <a:r>
-              <a:rPr lang="en-US" altLang="zh-CN" dirty="0" smtClean="0">
+              <a:rPr lang="en-US" altLang="zh-CN" dirty="0">
                 <a:sym typeface="+mn-ea"/>
               </a:rPr>
               <a:t> </a:t>
             </a:r>
             <a:r>
-              <a:rPr lang="zh-CN" altLang="en-US" sz="2800" dirty="0" smtClean="0">
+              <a:rPr lang="zh-CN" altLang="en-US" sz="2800" dirty="0">
                 <a:sym typeface="+mn-ea"/>
               </a:rPr>
               <a:t>删除数组的第一个元素</a:t>
@@ -13512,14 +13486,14 @@
               </a:spcAft>
             </a:pPr>
             <a:r>
-              <a:rPr lang="zh-CN" altLang="en-US" sz="2400" dirty="0" smtClean="0">
+              <a:rPr lang="zh-CN" altLang="en-US" sz="2400" dirty="0">
                 <a:cs typeface="+mn-ea"/>
                 <a:sym typeface="+mn-ea"/>
               </a:rPr>
               <a:t> 通过数组变量的</a:t>
             </a:r>
             <a:r>
-              <a:rPr lang="zh-CN" altLang="en-US" sz="2400" dirty="0" smtClean="0">
+              <a:rPr lang="zh-CN" altLang="en-US" sz="2400" dirty="0">
                 <a:solidFill>
                   <a:srgbClr val="C00000"/>
                 </a:solidFill>
@@ -13529,7 +13503,7 @@
               <a:t> </a:t>
             </a:r>
             <a:r>
-              <a:rPr lang="en-US" altLang="zh-CN" sz="2400" dirty="0" smtClean="0">
+              <a:rPr lang="en-US" altLang="zh-CN" sz="2400" dirty="0">
                 <a:solidFill>
                   <a:srgbClr val="C00000"/>
                 </a:solidFill>
@@ -13539,7 +13513,7 @@
               <a:t>shift</a:t>
             </a:r>
             <a:r>
-              <a:rPr sz="2400" dirty="0" smtClean="0">
+              <a:rPr sz="2400" dirty="0">
                 <a:solidFill>
                   <a:srgbClr val="C00000"/>
                 </a:solidFill>
@@ -13549,7 +13523,7 @@
               <a:t>() </a:t>
             </a:r>
             <a:r>
-              <a:rPr lang="zh-CN" altLang="en-US" sz="2400" dirty="0" smtClean="0">
+              <a:rPr lang="zh-CN" altLang="en-US" sz="2400" dirty="0">
                 <a:cs typeface="+mn-ea"/>
                 <a:sym typeface="+mn-ea"/>
               </a:rPr>
@@ -13566,7 +13540,7 @@
               </a:spcAft>
             </a:pPr>
             <a:r>
-              <a:rPr lang="zh-CN" altLang="en-US" sz="2400" dirty="0" smtClean="0">
+              <a:rPr lang="zh-CN" altLang="en-US" sz="2400" dirty="0">
                 <a:sym typeface="+mn-ea"/>
               </a:rPr>
               <a:t> 返回值为删除的数组的第一个元素</a:t>
@@ -13582,19 +13556,19 @@
               </a:spcAft>
             </a:pPr>
             <a:r>
-              <a:rPr lang="en-US" altLang="zh-CN" sz="2400" dirty="0" smtClean="0">
+              <a:rPr lang="en-US" altLang="zh-CN" sz="2400" dirty="0">
                 <a:sym typeface="+mn-ea"/>
               </a:rPr>
               <a:t> length </a:t>
             </a:r>
             <a:r>
-              <a:rPr lang="zh-CN" altLang="en-US" sz="2400" dirty="0" smtClean="0">
+              <a:rPr lang="zh-CN" altLang="en-US" sz="2400" dirty="0">
                 <a:sym typeface="+mn-ea"/>
               </a:rPr>
               <a:t>自动减 </a:t>
             </a:r>
             <a:r>
-              <a:rPr lang="en-US" altLang="zh-CN" sz="2400" dirty="0" smtClean="0">
+              <a:rPr lang="en-US" altLang="zh-CN" sz="2400" dirty="0">
                 <a:sym typeface="+mn-ea"/>
               </a:rPr>
               <a:t>1</a:t>
@@ -13602,7 +13576,7 @@
           </a:p>
           <a:p>
             <a:r>
-              <a:rPr lang="zh-CN" altLang="en-US" dirty="0" smtClean="0">
+              <a:rPr lang="zh-CN" altLang="en-US" dirty="0">
                 <a:sym typeface="+mn-ea"/>
               </a:rPr>
               <a:t> 删除数组的最后一个元素</a:t>
@@ -13618,14 +13592,14 @@
               </a:spcAft>
             </a:pPr>
             <a:r>
-              <a:rPr lang="zh-CN" altLang="en-US" sz="2400" dirty="0" smtClean="0">
+              <a:rPr lang="zh-CN" altLang="en-US" sz="2400" dirty="0">
                 <a:cs typeface="+mn-ea"/>
                 <a:sym typeface="+mn-ea"/>
               </a:rPr>
               <a:t> 通过数组变量的</a:t>
             </a:r>
             <a:r>
-              <a:rPr lang="zh-CN" altLang="en-US" sz="2400" dirty="0" smtClean="0">
+              <a:rPr lang="zh-CN" altLang="en-US" sz="2400" dirty="0">
                 <a:solidFill>
                   <a:srgbClr val="C00000"/>
                 </a:solidFill>
@@ -13635,7 +13609,7 @@
               <a:t> </a:t>
             </a:r>
             <a:r>
-              <a:rPr lang="en-US" altLang="zh-CN" sz="2400" dirty="0" smtClean="0">
+              <a:rPr lang="en-US" altLang="zh-CN" sz="2400" dirty="0">
                 <a:solidFill>
                   <a:srgbClr val="C00000"/>
                 </a:solidFill>
@@ -13645,7 +13619,7 @@
               <a:t>pop</a:t>
             </a:r>
             <a:r>
-              <a:rPr sz="2400" dirty="0" smtClean="0">
+              <a:rPr sz="2400" dirty="0">
                 <a:solidFill>
                   <a:srgbClr val="C00000"/>
                 </a:solidFill>
@@ -13655,7 +13629,7 @@
               <a:t>()</a:t>
             </a:r>
             <a:r>
-              <a:rPr sz="2400" dirty="0" smtClean="0">
+              <a:rPr sz="2400" dirty="0">
                 <a:solidFill>
                   <a:srgbClr val="FF0000"/>
                 </a:solidFill>
@@ -13665,7 +13639,7 @@
               <a:t> </a:t>
             </a:r>
             <a:r>
-              <a:rPr lang="zh-CN" altLang="en-US" sz="2400" dirty="0" smtClean="0">
+              <a:rPr lang="zh-CN" altLang="en-US" sz="2400" dirty="0">
                 <a:cs typeface="+mn-ea"/>
                 <a:sym typeface="+mn-ea"/>
               </a:rPr>
@@ -13682,7 +13656,7 @@
               </a:spcAft>
             </a:pPr>
             <a:r>
-              <a:rPr lang="zh-CN" altLang="en-US" sz="2400" dirty="0" smtClean="0">
+              <a:rPr lang="zh-CN" altLang="en-US" sz="2400" dirty="0">
                 <a:sym typeface="+mn-ea"/>
               </a:rPr>
               <a:t> 返回值为删除的数组的最后一个元素</a:t>
@@ -13698,30 +13672,30 @@
               </a:spcAft>
             </a:pPr>
             <a:r>
-              <a:rPr lang="en-US" altLang="zh-CN" sz="2400" dirty="0" smtClean="0">
+              <a:rPr lang="en-US" altLang="zh-CN" sz="2400" dirty="0">
                 <a:sym typeface="+mn-ea"/>
               </a:rPr>
               <a:t> length </a:t>
             </a:r>
             <a:r>
-              <a:rPr lang="zh-CN" altLang="en-US" sz="2400" dirty="0" smtClean="0">
+              <a:rPr lang="zh-CN" altLang="en-US" sz="2400" dirty="0">
                 <a:sym typeface="+mn-ea"/>
               </a:rPr>
               <a:t>自动减 </a:t>
             </a:r>
             <a:r>
-              <a:rPr lang="en-US" altLang="zh-CN" sz="2400" dirty="0" smtClean="0">
+              <a:rPr lang="en-US" altLang="zh-CN" sz="2400" dirty="0">
                 <a:sym typeface="+mn-ea"/>
               </a:rPr>
               <a:t>1</a:t>
             </a:r>
             <a:r>
-              <a:rPr lang="zh-CN" altLang="en-US" dirty="0" smtClean="0">
+              <a:rPr lang="zh-CN" altLang="en-US" dirty="0">
                 <a:sym typeface="+mn-ea"/>
               </a:rPr>
               <a:t> </a:t>
             </a:r>
-            <a:endParaRPr lang="zh-CN" altLang="en-US" sz="2400" dirty="0" smtClean="0">
+            <a:endParaRPr lang="zh-CN" altLang="en-US" sz="2400" dirty="0">
               <a:sym typeface="+mn-ea"/>
             </a:endParaRPr>
           </a:p>
@@ -13753,15 +13727,15 @@
           <a:lstStyle/>
           <a:p>
             <a:r>
-              <a:rPr lang="zh-CN" altLang="en-US" dirty="0" smtClean="0"/>
+              <a:rPr lang="zh-CN" altLang="en-US" dirty="0"/>
               <a:t>数组方法</a:t>
             </a:r>
             <a:r>
-              <a:rPr lang="en-US" altLang="zh-CN" dirty="0" smtClean="0"/>
+              <a:rPr lang="en-US" altLang="zh-CN" dirty="0"/>
               <a:t>——</a:t>
             </a:r>
             <a:r>
-              <a:rPr lang="zh-CN" altLang="en-US" dirty="0" smtClean="0"/>
+              <a:rPr lang="zh-CN" altLang="en-US" dirty="0"/>
               <a:t>删除元素</a:t>
             </a:r>
           </a:p>
@@ -14769,13 +14743,6 @@
     <a:masterClrMapping/>
   </p:clrMapOvr>
   <p:transition/>
-  <p:timing>
-    <p:tnLst>
-      <p:par>
-        <p:cTn id="1" dur="indefinite" restart="never" nodeType="tmRoot"/>
-      </p:par>
-    </p:tnLst>
-  </p:timing>
 </p:sld>
 </file>
 
@@ -14820,12 +14787,12 @@
               <a:buNone/>
             </a:pPr>
             <a:r>
-              <a:rPr lang="en-US" altLang="zh-CN" dirty="0" smtClean="0">
+              <a:rPr lang="en-US" altLang="zh-CN" dirty="0">
                 <a:sym typeface="+mn-ea"/>
               </a:rPr>
               <a:t> </a:t>
             </a:r>
-            <a:endParaRPr lang="zh-CN" altLang="en-US" sz="2400" dirty="0" smtClean="0">
+            <a:endParaRPr lang="zh-CN" altLang="en-US" sz="2400" dirty="0">
               <a:sym typeface="+mn-ea"/>
             </a:endParaRPr>
           </a:p>
@@ -14857,15 +14824,15 @@
           <a:lstStyle/>
           <a:p>
             <a:r>
-              <a:rPr lang="zh-CN" altLang="en-US" dirty="0" smtClean="0"/>
+              <a:rPr lang="zh-CN" altLang="en-US" dirty="0"/>
               <a:t>数组方法</a:t>
             </a:r>
             <a:r>
-              <a:rPr lang="en-US" altLang="zh-CN" dirty="0" smtClean="0"/>
+              <a:rPr lang="en-US" altLang="zh-CN" dirty="0"/>
               <a:t>——</a:t>
             </a:r>
             <a:r>
-              <a:rPr lang="zh-CN" altLang="en-US" dirty="0" smtClean="0"/>
+              <a:rPr lang="zh-CN" altLang="en-US" dirty="0"/>
               <a:t>添加元素</a:t>
             </a:r>
           </a:p>
@@ -14894,16 +14861,12 @@
           <a:lstStyle/>
           <a:p>
             <a:r>
-              <a:rPr lang="en-US" altLang="zh-CN" sz="2800" dirty="0" smtClean="0">
+              <a:rPr lang="en-US" altLang="zh-CN" sz="2800" dirty="0">
                 <a:latin typeface="Arial" panose="020B0604020202020204" pitchFamily="34" charset="0"/>
                 <a:ea typeface="微软雅黑" panose="020B0503020204020204" pitchFamily="34" charset="-122"/>
               </a:rPr>
               <a:t>demo4-11.html</a:t>
             </a:r>
-            <a:endParaRPr lang="en-US" altLang="zh-CN" sz="2800" dirty="0">
-              <a:latin typeface="Arial" panose="020B0604020202020204" pitchFamily="34" charset="0"/>
-              <a:ea typeface="微软雅黑" panose="020B0503020204020204" pitchFamily="34" charset="-122"/>
-            </a:endParaRPr>
           </a:p>
         </p:txBody>
       </p:sp>
@@ -14915,7 +14878,7 @@
         </p:nvGraphicFramePr>
         <p:xfrm>
           <a:off x="2033453" y="1266836"/>
-          <a:ext cx="8124721" cy="4169465"/>
+          <a:ext cx="8124721" cy="4044116"/>
         </p:xfrm>
         <a:graphic>
           <a:graphicData uri="http://schemas.openxmlformats.org/drawingml/2006/table">
@@ -14924,8 +14887,20 @@
                 <a:tableStyleId>{5C22544A-7EE6-4342-B048-85BDC9FD1C3A}</a:tableStyleId>
               </a:tblPr>
               <a:tblGrid>
-                <a:gridCol w="2679439"/>
-                <a:gridCol w="5445282"/>
+                <a:gridCol w="2679439">
+                  <a:extLst>
+                    <a:ext uri="{9D8B030D-6E8A-4147-A177-3AD203B41FA5}">
+                      <a16:colId xmlns:a16="http://schemas.microsoft.com/office/drawing/2014/main" val="20000"/>
+                    </a:ext>
+                  </a:extLst>
+                </a:gridCol>
+                <a:gridCol w="5445282">
+                  <a:extLst>
+                    <a:ext uri="{9D8B030D-6E8A-4147-A177-3AD203B41FA5}">
+                      <a16:colId xmlns:a16="http://schemas.microsoft.com/office/drawing/2014/main" val="20001"/>
+                    </a:ext>
+                  </a:extLst>
+                </a:gridCol>
               </a:tblGrid>
               <a:tr h="575945">
                 <a:tc>
@@ -14966,6 +14941,11 @@
                   </a:txBody>
                   <a:tcPr anchor="ctr"/>
                 </a:tc>
+                <a:extLst>
+                  <a:ext uri="{0D108BD9-81ED-4DB2-BD59-A6C34878D82A}">
+                    <a16:rowId xmlns:a16="http://schemas.microsoft.com/office/drawing/2014/main" val="10000"/>
+                  </a:ext>
+                </a:extLst>
               </a:tr>
               <a:tr h="576000">
                 <a:tc>
@@ -14990,23 +14970,19 @@
                         <a:defRPr/>
                       </a:pPr>
                       <a:r>
-                        <a:rPr lang="en-US" sz="2400" dirty="0" err="1" smtClean="0">
+                        <a:rPr lang="en-US" sz="2400" dirty="0" err="1">
                           <a:latin typeface="+mn-ea"/>
                           <a:ea typeface="+mn-ea"/>
                         </a:rPr>
                         <a:t> unshift</a:t>
                       </a:r>
                       <a:r>
-                        <a:rPr lang="en-US" sz="2400" dirty="0" smtClean="0">
+                        <a:rPr lang="en-US" sz="2400" dirty="0">
                           <a:latin typeface="+mn-ea"/>
                           <a:ea typeface="+mn-ea"/>
                         </a:rPr>
                         <a:t>( )</a:t>
                       </a:r>
-                      <a:endParaRPr lang="en-US" sz="2400" dirty="0">
-                        <a:latin typeface="+mn-ea"/>
-                        <a:ea typeface="+mn-ea"/>
-                      </a:endParaRPr>
                     </a:p>
                   </a:txBody>
                   <a:tcPr anchor="ctr"/>
@@ -15033,20 +15009,21 @@
                         <a:defRPr/>
                       </a:pPr>
                       <a:r>
-                        <a:rPr lang="zh-CN" altLang="en-US" sz="2400" dirty="0" smtClean="0">
+                        <a:rPr lang="zh-CN" altLang="en-US" sz="2400" dirty="0">
                           <a:latin typeface="+mn-ea"/>
                           <a:ea typeface="+mn-ea"/>
                         </a:rPr>
                         <a:t>向数组的开头添加一个或更多元素，并返回新的长度。</a:t>
                       </a:r>
-                      <a:endParaRPr lang="zh-CN" altLang="en-US" sz="2400" dirty="0">
-                        <a:latin typeface="+mn-ea"/>
-                        <a:ea typeface="+mn-ea"/>
-                      </a:endParaRPr>
                     </a:p>
                   </a:txBody>
                   <a:tcPr anchor="ctr"/>
                 </a:tc>
+                <a:extLst>
+                  <a:ext uri="{0D108BD9-81ED-4DB2-BD59-A6C34878D82A}">
+                    <a16:rowId xmlns:a16="http://schemas.microsoft.com/office/drawing/2014/main" val="10001"/>
+                  </a:ext>
+                </a:extLst>
               </a:tr>
               <a:tr h="576000">
                 <a:tc>
@@ -15111,6 +15088,11 @@
                   </a:txBody>
                   <a:tcPr anchor="ctr"/>
                 </a:tc>
+                <a:extLst>
+                  <a:ext uri="{0D108BD9-81ED-4DB2-BD59-A6C34878D82A}">
+                    <a16:rowId xmlns:a16="http://schemas.microsoft.com/office/drawing/2014/main" val="10002"/>
+                  </a:ext>
+                </a:extLst>
               </a:tr>
               <a:tr h="576000">
                 <a:tc>
@@ -15205,6 +15187,11 @@
                   </a:txBody>
                   <a:tcPr anchor="ctr"/>
                 </a:tc>
+                <a:extLst>
+                  <a:ext uri="{0D108BD9-81ED-4DB2-BD59-A6C34878D82A}">
+                    <a16:rowId xmlns:a16="http://schemas.microsoft.com/office/drawing/2014/main" val="10003"/>
+                  </a:ext>
+                </a:extLst>
               </a:tr>
               <a:tr h="576000">
                 <a:tc>
@@ -15268,6 +15255,11 @@
                   </a:txBody>
                   <a:tcPr anchor="ctr"/>
                 </a:tc>
+                <a:extLst>
+                  <a:ext uri="{0D108BD9-81ED-4DB2-BD59-A6C34878D82A}">
+                    <a16:rowId xmlns:a16="http://schemas.microsoft.com/office/drawing/2014/main" val="10004"/>
+                  </a:ext>
+                </a:extLst>
               </a:tr>
             </a:tbl>
           </a:graphicData>
@@ -15279,13 +15271,6 @@
     <a:masterClrMapping/>
   </p:clrMapOvr>
   <p:transition/>
-  <p:timing>
-    <p:tnLst>
-      <p:par>
-        <p:cTn id="1" dur="indefinite" restart="never" nodeType="tmRoot"/>
-      </p:par>
-    </p:tnLst>
-  </p:timing>
 </p:sld>
 </file>
 
@@ -15327,18 +15312,18 @@
           <a:lstStyle/>
           <a:p>
             <a:r>
-              <a:rPr lang="en-US" altLang="zh-CN" dirty="0" smtClean="0">
+              <a:rPr lang="en-US" altLang="zh-CN" dirty="0">
                 <a:sym typeface="+mn-ea"/>
               </a:rPr>
               <a:t> </a:t>
             </a:r>
             <a:r>
-              <a:rPr lang="zh-CN" altLang="en-US" sz="2800" dirty="0" smtClean="0">
+              <a:rPr lang="zh-CN" altLang="en-US" sz="2800" dirty="0">
                 <a:sym typeface="+mn-ea"/>
               </a:rPr>
               <a:t>向数组的开头添加元素</a:t>
             </a:r>
-            <a:endParaRPr lang="zh-CN" altLang="en-US" sz="2400" dirty="0" smtClean="0">
+            <a:endParaRPr lang="zh-CN" altLang="en-US" sz="2400" dirty="0">
               <a:sym typeface="+mn-ea"/>
             </a:endParaRPr>
           </a:p>
@@ -15352,14 +15337,14 @@
               </a:spcAft>
             </a:pPr>
             <a:r>
-              <a:rPr lang="zh-CN" altLang="en-US" sz="2400" dirty="0" smtClean="0">
+              <a:rPr lang="zh-CN" altLang="en-US" sz="2400" dirty="0">
                 <a:cs typeface="+mn-ea"/>
                 <a:sym typeface="+mn-ea"/>
               </a:rPr>
               <a:t> 通过数组变量的</a:t>
             </a:r>
             <a:r>
-              <a:rPr lang="zh-CN" altLang="en-US" sz="2400" dirty="0" smtClean="0">
+              <a:rPr lang="zh-CN" altLang="en-US" sz="2400" dirty="0">
                 <a:solidFill>
                   <a:srgbClr val="C00000"/>
                 </a:solidFill>
@@ -15369,7 +15354,7 @@
               <a:t> </a:t>
             </a:r>
             <a:r>
-              <a:rPr lang="en-US" altLang="zh-CN" sz="2400" dirty="0" smtClean="0">
+              <a:rPr lang="en-US" altLang="zh-CN" sz="2400" dirty="0">
                 <a:solidFill>
                   <a:srgbClr val="C00000"/>
                 </a:solidFill>
@@ -15379,7 +15364,7 @@
               <a:t>unshift</a:t>
             </a:r>
             <a:r>
-              <a:rPr sz="2400" dirty="0" smtClean="0">
+              <a:rPr sz="2400" dirty="0">
                 <a:solidFill>
                   <a:srgbClr val="C00000"/>
                 </a:solidFill>
@@ -15389,7 +15374,7 @@
               <a:t>()</a:t>
             </a:r>
             <a:r>
-              <a:rPr sz="2400" dirty="0" smtClean="0">
+              <a:rPr sz="2400" dirty="0">
                 <a:solidFill>
                   <a:srgbClr val="FF0000"/>
                 </a:solidFill>
@@ -15399,19 +15384,19 @@
               <a:t> </a:t>
             </a:r>
             <a:r>
-              <a:rPr lang="zh-CN" altLang="en-US" sz="2400" dirty="0" smtClean="0">
+              <a:rPr lang="zh-CN" altLang="en-US" sz="2400" dirty="0">
                 <a:cs typeface="+mn-ea"/>
                 <a:sym typeface="+mn-ea"/>
               </a:rPr>
               <a:t>方法，返回值为新的长度</a:t>
             </a:r>
-            <a:endParaRPr lang="en-US" altLang="zh-CN" sz="2400" dirty="0" smtClean="0">
+            <a:endParaRPr lang="en-US" altLang="zh-CN" sz="2400" dirty="0">
               <a:sym typeface="+mn-ea"/>
             </a:endParaRPr>
           </a:p>
           <a:p>
             <a:r>
-              <a:rPr lang="zh-CN" altLang="en-US" dirty="0" smtClean="0">
+              <a:rPr lang="zh-CN" altLang="en-US" dirty="0">
                 <a:sym typeface="+mn-ea"/>
               </a:rPr>
               <a:t> 向数组的末尾添加元素</a:t>
@@ -15427,14 +15412,14 @@
               </a:spcAft>
             </a:pPr>
             <a:r>
-              <a:rPr lang="zh-CN" altLang="en-US" sz="2400" dirty="0" smtClean="0">
+              <a:rPr lang="zh-CN" altLang="en-US" sz="2400" dirty="0">
                 <a:cs typeface="+mn-ea"/>
                 <a:sym typeface="+mn-ea"/>
               </a:rPr>
               <a:t> 通过数组变量的</a:t>
             </a:r>
             <a:r>
-              <a:rPr lang="zh-CN" altLang="en-US" sz="2400" dirty="0" smtClean="0">
+              <a:rPr lang="zh-CN" altLang="en-US" sz="2400" dirty="0">
                 <a:solidFill>
                   <a:srgbClr val="FF0000"/>
                 </a:solidFill>
@@ -15444,7 +15429,7 @@
               <a:t> </a:t>
             </a:r>
             <a:r>
-              <a:rPr lang="en-US" altLang="zh-CN" sz="2400" dirty="0" smtClean="0">
+              <a:rPr lang="en-US" altLang="zh-CN" sz="2400" dirty="0">
                 <a:solidFill>
                   <a:srgbClr val="C00000"/>
                 </a:solidFill>
@@ -15454,7 +15439,7 @@
               <a:t>push</a:t>
             </a:r>
             <a:r>
-              <a:rPr sz="2400" dirty="0" smtClean="0">
+              <a:rPr sz="2400" dirty="0">
                 <a:solidFill>
                   <a:srgbClr val="C00000"/>
                 </a:solidFill>
@@ -15464,7 +15449,7 @@
               <a:t>()</a:t>
             </a:r>
             <a:r>
-              <a:rPr sz="2400" dirty="0" smtClean="0">
+              <a:rPr sz="2400" dirty="0">
                 <a:solidFill>
                   <a:srgbClr val="FF0000"/>
                 </a:solidFill>
@@ -15474,7 +15459,7 @@
               <a:t> </a:t>
             </a:r>
             <a:r>
-              <a:rPr lang="zh-CN" altLang="en-US" sz="2400" dirty="0" smtClean="0">
+              <a:rPr lang="zh-CN" altLang="en-US" sz="2400" dirty="0">
                 <a:cs typeface="+mn-ea"/>
                 <a:sym typeface="+mn-ea"/>
               </a:rPr>
@@ -15491,31 +15476,31 @@
               </a:spcAft>
             </a:pPr>
             <a:r>
-              <a:rPr lang="zh-CN" altLang="en-US" sz="3360" dirty="0" smtClean="0">
+              <a:rPr lang="zh-CN" altLang="en-US" sz="3360" dirty="0">
                 <a:cs typeface="+mn-ea"/>
                 <a:sym typeface="+mn-ea"/>
               </a:rPr>
               <a:t> </a:t>
             </a:r>
             <a:r>
-              <a:rPr lang="zh-CN" altLang="en-US" dirty="0" smtClean="0">
+              <a:rPr lang="zh-CN" altLang="en-US" dirty="0">
                 <a:sym typeface="+mn-ea"/>
               </a:rPr>
               <a:t>数组拼接</a:t>
             </a:r>
-            <a:endParaRPr lang="zh-CN" altLang="en-US" dirty="0" smtClean="0"/>
+            <a:endParaRPr lang="zh-CN" altLang="en-US" dirty="0"/>
           </a:p>
           <a:p>
             <a:pPr lvl="1"/>
             <a:r>
-              <a:rPr lang="zh-CN" altLang="en-US" sz="2400" dirty="0" smtClean="0">
+              <a:rPr lang="zh-CN" altLang="en-US" sz="2400" dirty="0">
                 <a:cs typeface="+mn-ea"/>
                 <a:sym typeface="+mn-ea"/>
               </a:rPr>
               <a:t> 通过数组变量的</a:t>
             </a:r>
             <a:r>
-              <a:rPr lang="zh-CN" altLang="en-US" sz="2400" dirty="0" smtClean="0">
+              <a:rPr lang="zh-CN" altLang="en-US" sz="2400" dirty="0">
                 <a:solidFill>
                   <a:srgbClr val="C00000"/>
                 </a:solidFill>
@@ -15525,7 +15510,7 @@
               <a:t> </a:t>
             </a:r>
             <a:r>
-              <a:rPr lang="en-US" altLang="zh-CN" sz="2400" dirty="0" smtClean="0">
+              <a:rPr lang="en-US" altLang="zh-CN" sz="2400" dirty="0">
                 <a:solidFill>
                   <a:srgbClr val="C00000"/>
                 </a:solidFill>
@@ -15535,7 +15520,7 @@
               <a:t>concat</a:t>
             </a:r>
             <a:r>
-              <a:rPr sz="2400" dirty="0" smtClean="0">
+              <a:rPr sz="2400" dirty="0">
                 <a:solidFill>
                   <a:srgbClr val="C00000"/>
                 </a:solidFill>
@@ -15545,7 +15530,7 @@
               <a:t>(</a:t>
             </a:r>
             <a:r>
-              <a:rPr lang="en-US" sz="2400" dirty="0" smtClean="0">
+              <a:rPr lang="en-US" sz="2400" dirty="0">
                 <a:solidFill>
                   <a:srgbClr val="C00000"/>
                 </a:solidFill>
@@ -15555,7 +15540,7 @@
               <a:t>arr1,arr2,...</a:t>
             </a:r>
             <a:r>
-              <a:rPr sz="2400" dirty="0" smtClean="0">
+              <a:rPr sz="2400" dirty="0">
                 <a:solidFill>
                   <a:srgbClr val="C00000"/>
                 </a:solidFill>
@@ -15565,13 +15550,13 @@
               <a:t>) </a:t>
             </a:r>
             <a:r>
-              <a:rPr lang="zh-CN" altLang="en-US" sz="2400" dirty="0" smtClean="0">
+              <a:rPr lang="zh-CN" altLang="en-US" sz="2400" dirty="0">
                 <a:cs typeface="+mn-ea"/>
                 <a:sym typeface="+mn-ea"/>
               </a:rPr>
               <a:t>方法，返回值为新的数组</a:t>
             </a:r>
-            <a:endParaRPr lang="zh-CN" altLang="en-US" sz="2400" dirty="0" smtClean="0">
+            <a:endParaRPr lang="zh-CN" altLang="en-US" sz="2400" dirty="0">
               <a:sym typeface="+mn-ea"/>
             </a:endParaRPr>
           </a:p>
@@ -15603,15 +15588,15 @@
           <a:lstStyle/>
           <a:p>
             <a:r>
-              <a:rPr lang="zh-CN" altLang="en-US" dirty="0" smtClean="0"/>
+              <a:rPr lang="zh-CN" altLang="en-US" dirty="0"/>
               <a:t>数组方法</a:t>
             </a:r>
             <a:r>
-              <a:rPr lang="en-US" altLang="zh-CN" dirty="0" smtClean="0"/>
+              <a:rPr lang="en-US" altLang="zh-CN" dirty="0"/>
               <a:t>——</a:t>
             </a:r>
             <a:r>
-              <a:rPr lang="zh-CN" altLang="en-US" dirty="0" smtClean="0"/>
+              <a:rPr lang="zh-CN" altLang="en-US" dirty="0"/>
               <a:t>添加元素</a:t>
             </a:r>
           </a:p>
@@ -16619,13 +16604,6 @@
     <a:masterClrMapping/>
   </p:clrMapOvr>
   <p:transition/>
-  <p:timing>
-    <p:tnLst>
-      <p:par>
-        <p:cTn id="1" dur="indefinite" restart="never" nodeType="tmRoot"/>
-      </p:par>
-    </p:tnLst>
-  </p:timing>
 </p:sld>
 </file>
 
@@ -16667,13 +16645,13 @@
           <a:lstStyle/>
           <a:p>
             <a:r>
-              <a:rPr lang="en-US" altLang="zh-CN" dirty="0" smtClean="0">
+              <a:rPr lang="en-US" altLang="zh-CN" dirty="0">
                 <a:sym typeface="+mn-ea"/>
               </a:rPr>
               <a:t> </a:t>
             </a:r>
             <a:r>
-              <a:rPr lang="zh-CN" altLang="en-US" dirty="0" smtClean="0">
+              <a:rPr lang="zh-CN" altLang="en-US" dirty="0">
                 <a:sym typeface="+mn-ea"/>
               </a:rPr>
               <a:t>向/从数组中添加/删除项目</a:t>
@@ -16689,14 +16667,14 @@
               </a:spcAft>
             </a:pPr>
             <a:r>
-              <a:rPr lang="zh-CN" altLang="en-US" sz="2400" dirty="0" smtClean="0">
+              <a:rPr lang="zh-CN" altLang="en-US" sz="2400" dirty="0">
                 <a:cs typeface="+mn-ea"/>
                 <a:sym typeface="+mn-ea"/>
               </a:rPr>
               <a:t>通过数组变量的</a:t>
             </a:r>
             <a:r>
-              <a:rPr lang="zh-CN" altLang="en-US" sz="2400" dirty="0" smtClean="0">
+              <a:rPr lang="zh-CN" altLang="en-US" sz="2400" dirty="0">
                 <a:solidFill>
                   <a:srgbClr val="C00000"/>
                 </a:solidFill>
@@ -16706,7 +16684,7 @@
               <a:t> </a:t>
             </a:r>
             <a:r>
-              <a:rPr lang="en-US" altLang="zh-CN" sz="2400" dirty="0" smtClean="0">
+              <a:rPr lang="en-US" altLang="zh-CN" sz="2400" dirty="0">
                 <a:solidFill>
                   <a:srgbClr val="C00000"/>
                 </a:solidFill>
@@ -16716,7 +16694,7 @@
               <a:t>splice</a:t>
             </a:r>
             <a:r>
-              <a:rPr sz="2400" dirty="0" smtClean="0">
+              <a:rPr sz="2400" dirty="0">
                 <a:solidFill>
                   <a:srgbClr val="C00000"/>
                 </a:solidFill>
@@ -16726,7 +16704,7 @@
               <a:t>(index,howmany,item1,.....,itemX)</a:t>
             </a:r>
             <a:r>
-              <a:rPr sz="2400" dirty="0" smtClean="0">
+              <a:rPr sz="2400" dirty="0">
                 <a:solidFill>
                   <a:srgbClr val="FF0000"/>
                 </a:solidFill>
@@ -16736,7 +16714,7 @@
               <a:t> </a:t>
             </a:r>
             <a:r>
-              <a:rPr lang="zh-CN" altLang="en-US" sz="2400" dirty="0" smtClean="0">
+              <a:rPr lang="zh-CN" altLang="en-US" sz="2400" dirty="0">
                 <a:cs typeface="+mn-ea"/>
                 <a:sym typeface="+mn-ea"/>
               </a:rPr>
@@ -16752,7 +16730,7 @@
                 <a:spcPts val="0"/>
               </a:spcAft>
             </a:pPr>
-            <a:endParaRPr lang="zh-CN" altLang="en-US" sz="2400" dirty="0" smtClean="0">
+            <a:endParaRPr lang="zh-CN" altLang="en-US" sz="2400" dirty="0">
               <a:cs typeface="+mn-ea"/>
               <a:sym typeface="+mn-ea"/>
             </a:endParaRPr>
@@ -16766,7 +16744,7 @@
                 <a:spcPts val="0"/>
               </a:spcAft>
             </a:pPr>
-            <a:endParaRPr lang="zh-CN" altLang="en-US" sz="2400" dirty="0" smtClean="0">
+            <a:endParaRPr lang="zh-CN" altLang="en-US" sz="2400" dirty="0">
               <a:cs typeface="+mn-ea"/>
               <a:sym typeface="+mn-ea"/>
             </a:endParaRPr>
@@ -16780,7 +16758,7 @@
                 <a:spcPts val="0"/>
               </a:spcAft>
             </a:pPr>
-            <a:endParaRPr lang="zh-CN" altLang="en-US" sz="2400" dirty="0" smtClean="0">
+            <a:endParaRPr lang="zh-CN" altLang="en-US" sz="2400" dirty="0">
               <a:cs typeface="+mn-ea"/>
               <a:sym typeface="+mn-ea"/>
             </a:endParaRPr>
@@ -16794,7 +16772,7 @@
                 <a:spcPts val="0"/>
               </a:spcAft>
             </a:pPr>
-            <a:endParaRPr lang="zh-CN" altLang="en-US" sz="2400" dirty="0" smtClean="0">
+            <a:endParaRPr lang="zh-CN" altLang="en-US" sz="2400" dirty="0">
               <a:cs typeface="+mn-ea"/>
               <a:sym typeface="+mn-ea"/>
             </a:endParaRPr>
@@ -16809,7 +16787,7 @@
               </a:spcAft>
             </a:pPr>
             <a:r>
-              <a:rPr lang="zh-CN" altLang="en-US" sz="2400" dirty="0" smtClean="0">
+              <a:rPr lang="zh-CN" altLang="en-US" sz="2400" dirty="0">
                 <a:cs typeface="+mn-ea"/>
                 <a:sym typeface="+mn-ea"/>
               </a:rPr>
@@ -16825,7 +16803,7 @@
                 <a:spcPts val="0"/>
               </a:spcAft>
             </a:pPr>
-            <a:endParaRPr lang="zh-CN" altLang="en-US" sz="2400" dirty="0" smtClean="0">
+            <a:endParaRPr lang="zh-CN" altLang="en-US" sz="2400" dirty="0">
               <a:cs typeface="+mn-ea"/>
               <a:sym typeface="+mn-ea"/>
             </a:endParaRPr>
@@ -16834,7 +16812,7 @@
             <a:pPr marL="0" indent="0">
               <a:buNone/>
             </a:pPr>
-            <a:endParaRPr lang="zh-CN" altLang="en-US" sz="2400" dirty="0" smtClean="0">
+            <a:endParaRPr lang="zh-CN" altLang="en-US" sz="2400" dirty="0">
               <a:sym typeface="+mn-ea"/>
             </a:endParaRPr>
           </a:p>
@@ -16866,10 +16844,9 @@
           <a:lstStyle/>
           <a:p>
             <a:r>
-              <a:rPr lang="zh-CN" altLang="en-US" dirty="0" smtClean="0"/>
+              <a:rPr lang="zh-CN" altLang="en-US" dirty="0"/>
               <a:t>数组方法</a:t>
             </a:r>
-            <a:endParaRPr lang="zh-CN" altLang="en-US" dirty="0"/>
           </a:p>
         </p:txBody>
       </p:sp>
@@ -16928,16 +16905,12 @@
           <a:lstStyle/>
           <a:p>
             <a:r>
-              <a:rPr lang="en-US" altLang="zh-CN" sz="2800" dirty="0" smtClean="0">
+              <a:rPr lang="en-US" altLang="zh-CN" sz="2800" dirty="0">
                 <a:latin typeface="Arial" panose="020B0604020202020204" pitchFamily="34" charset="0"/>
                 <a:ea typeface="微软雅黑" panose="020B0503020204020204" pitchFamily="34" charset="-122"/>
               </a:rPr>
               <a:t>demo4-12.html</a:t>
             </a:r>
-            <a:endParaRPr lang="en-US" altLang="zh-CN" sz="2800" dirty="0">
-              <a:latin typeface="Arial" panose="020B0604020202020204" pitchFamily="34" charset="0"/>
-              <a:ea typeface="微软雅黑" panose="020B0503020204020204" pitchFamily="34" charset="-122"/>
-            </a:endParaRPr>
           </a:p>
         </p:txBody>
       </p:sp>
@@ -16947,13 +16920,6 @@
     <a:masterClrMapping/>
   </p:clrMapOvr>
   <p:transition/>
-  <p:timing>
-    <p:tnLst>
-      <p:par>
-        <p:cTn id="1" dur="indefinite" restart="never" nodeType="tmRoot"/>
-      </p:par>
-    </p:tnLst>
-  </p:timing>
 </p:sld>
 </file>
 
@@ -17267,13 +17233,6 @@
   <p:clrMapOvr>
     <a:masterClrMapping/>
   </p:clrMapOvr>
-  <p:timing>
-    <p:tnLst>
-      <p:par>
-        <p:cTn id="1" dur="indefinite" restart="never" nodeType="tmRoot"/>
-      </p:par>
-    </p:tnLst>
-  </p:timing>
 </p:sld>
 </file>
 
@@ -17316,35 +17275,19 @@
           <a:p>
             <a:pPr lvl="0"/>
             <a:r>
-              <a:rPr lang="zh-CN" altLang="en-US" kern="0" dirty="0" smtClean="0"/>
-              <a:t> 如何表示各个单元格的</a:t>
-            </a:r>
-            <a:r>
               <a:rPr lang="zh-CN" altLang="en-US" kern="0" dirty="0"/>
-              <a:t>信息</a:t>
-            </a:r>
-            <a:r>
-              <a:rPr lang="zh-CN" altLang="en-US" kern="0" dirty="0" smtClean="0"/>
-              <a:t>？</a:t>
+              <a:t> 如何表示各个单元格的信息？</a:t>
             </a:r>
             <a:endParaRPr lang="en-US" altLang="zh-CN" kern="0" dirty="0"/>
           </a:p>
           <a:p>
             <a:pPr lvl="0"/>
             <a:r>
-              <a:rPr lang="zh-CN" altLang="en-US" kern="0" dirty="0" smtClean="0"/>
-              <a:t> 如何表示一条记录的</a:t>
-            </a:r>
-            <a:r>
               <a:rPr lang="zh-CN" altLang="en-US" kern="0" dirty="0"/>
-              <a:t>信息</a:t>
-            </a:r>
-            <a:r>
-              <a:rPr lang="zh-CN" altLang="en-US" kern="0" dirty="0" smtClean="0"/>
-              <a:t>？如何表示 </a:t>
-            </a:r>
-            <a:r>
-              <a:rPr lang="en-US" altLang="zh-CN" kern="0" dirty="0" smtClean="0"/>
+              <a:t> 如何表示一条记录的信息？如何表示 </a:t>
+            </a:r>
+            <a:r>
+              <a:rPr lang="en-US" altLang="zh-CN" kern="0" dirty="0"/>
               <a:t>100 </a:t>
             </a:r>
             <a:r>
@@ -17352,42 +17295,30 @@
               <a:t>条</a:t>
             </a:r>
             <a:r>
-              <a:rPr lang="zh-CN" altLang="en-US" dirty="0" smtClean="0">
+              <a:rPr lang="zh-CN" altLang="en-US" dirty="0">
                 <a:sym typeface="+mn-ea"/>
               </a:rPr>
               <a:t>全部</a:t>
             </a:r>
             <a:r>
-              <a:rPr lang="zh-CN" altLang="en-US" kern="0" dirty="0" smtClean="0"/>
+              <a:rPr lang="zh-CN" altLang="en-US" kern="0" dirty="0"/>
               <a:t>记录的信息？</a:t>
             </a:r>
-            <a:endParaRPr lang="en-US" altLang="zh-CN" dirty="0" smtClean="0"/>
+            <a:endParaRPr lang="en-US" altLang="zh-CN" dirty="0"/>
           </a:p>
           <a:p>
             <a:pPr lvl="0"/>
             <a:r>
-              <a:rPr lang="zh-CN" altLang="en-US" kern="0" dirty="0" smtClean="0"/>
-              <a:t> 如何</a:t>
-            </a:r>
-            <a:r>
               <a:rPr lang="zh-CN" altLang="en-US" kern="0" dirty="0"/>
-              <a:t>把这些记录依次放到表格的每一行中</a:t>
-            </a:r>
-            <a:r>
-              <a:rPr lang="zh-CN" altLang="en-US" kern="0" dirty="0" smtClean="0"/>
-              <a:t>？</a:t>
-            </a:r>
-            <a:endParaRPr lang="en-US" altLang="zh-CN" dirty="0" smtClean="0"/>
+              <a:t> 如何把这些记录依次放到表格的每一行中？</a:t>
+            </a:r>
+            <a:endParaRPr lang="en-US" altLang="zh-CN" dirty="0"/>
           </a:p>
           <a:p>
             <a:pPr lvl="0"/>
             <a:r>
-              <a:rPr lang="zh-CN" altLang="en-US" kern="0" dirty="0" smtClean="0"/>
-              <a:t> 如何</a:t>
-            </a:r>
-            <a:r>
               <a:rPr lang="zh-CN" altLang="en-US" kern="0" dirty="0"/>
-              <a:t>实现“帖子概览”中的文本缩略功能？</a:t>
+              <a:t> 如何实现“帖子概览”中的文本缩略功能？</a:t>
             </a:r>
             <a:endParaRPr lang="en-US" altLang="zh-CN" kern="0" dirty="0"/>
           </a:p>
@@ -17412,10 +17343,9 @@
           <a:lstStyle/>
           <a:p>
             <a:r>
-              <a:rPr lang="zh-CN" altLang="en-US" smtClean="0"/>
+              <a:rPr lang="zh-CN" altLang="en-US"/>
               <a:t>问题分析</a:t>
             </a:r>
-            <a:endParaRPr lang="zh-CN" altLang="en-US"/>
           </a:p>
         </p:txBody>
       </p:sp>
@@ -17424,13 +17354,6 @@
   <p:clrMapOvr>
     <a:masterClrMapping/>
   </p:clrMapOvr>
-  <p:timing>
-    <p:tnLst>
-      <p:par>
-        <p:cTn id="1" dur="indefinite" restart="never" nodeType="tmRoot"/>
-      </p:par>
-    </p:tnLst>
-  </p:timing>
 </p:sld>
 </file>
 
@@ -17467,18 +17390,18 @@
           <a:lstStyle/>
           <a:p>
             <a:r>
-              <a:rPr lang="zh-CN" altLang="en-US" dirty="0" smtClean="0"/>
+              <a:rPr lang="zh-CN" altLang="en-US" dirty="0"/>
               <a:t> 使用 </a:t>
             </a:r>
             <a:r>
-              <a:rPr lang="en-US" altLang="zh-CN" dirty="0" smtClean="0"/>
+              <a:rPr lang="en-US" altLang="zh-CN" dirty="0"/>
               <a:t>for </a:t>
             </a:r>
             <a:r>
-              <a:rPr lang="zh-CN" altLang="en-US" dirty="0" smtClean="0"/>
+              <a:rPr lang="zh-CN" altLang="en-US" dirty="0"/>
               <a:t>循环遍历数组</a:t>
             </a:r>
-            <a:endParaRPr lang="en-US" altLang="zh-CN" dirty="0" smtClean="0"/>
+            <a:endParaRPr lang="en-US" altLang="zh-CN" dirty="0"/>
           </a:p>
           <a:p>
             <a:pPr marL="168275" lvl="1" indent="0">
@@ -17504,10 +17427,9 @@
           <a:lstStyle/>
           <a:p>
             <a:r>
-              <a:rPr lang="zh-CN" altLang="en-US" dirty="0" smtClean="0"/>
+              <a:rPr lang="zh-CN" altLang="en-US" dirty="0"/>
               <a:t>把数据写入表格</a:t>
             </a:r>
-            <a:endParaRPr lang="zh-CN" altLang="en-US" dirty="0"/>
           </a:p>
         </p:txBody>
       </p:sp>
@@ -17705,13 +17627,6 @@
   <p:clrMapOvr>
     <a:masterClrMapping/>
   </p:clrMapOvr>
-  <p:timing>
-    <p:tnLst>
-      <p:par>
-        <p:cTn id="1" dur="indefinite" restart="never" nodeType="tmRoot"/>
-      </p:par>
-    </p:tnLst>
-  </p:timing>
 </p:sld>
 </file>
 
@@ -17753,18 +17668,18 @@
           <a:lstStyle/>
           <a:p>
             <a:r>
-              <a:rPr lang="zh-CN" altLang="en-US" dirty="0" smtClean="0"/>
+              <a:rPr lang="zh-CN" altLang="en-US" dirty="0"/>
               <a:t>  </a:t>
             </a:r>
             <a:r>
-              <a:rPr lang="en-US" altLang="zh-CN" dirty="0" err="1" smtClean="0"/>
+              <a:rPr lang="en-US" altLang="zh-CN" dirty="0" err="1"/>
               <a:t>forEach </a:t>
             </a:r>
             <a:r>
-              <a:rPr lang="zh-CN" altLang="en-US" dirty="0" smtClean="0"/>
+              <a:rPr lang="zh-CN" altLang="en-US" dirty="0"/>
               <a:t>函数</a:t>
             </a:r>
-            <a:endParaRPr lang="zh-CN" altLang="zh-CN" sz="2400" dirty="0" smtClean="0">
+            <a:endParaRPr lang="zh-CN" altLang="zh-CN" sz="2400" dirty="0">
               <a:ln>
                 <a:noFill/>
               </a:ln>
@@ -17779,7 +17694,7 @@
           <a:p>
             <a:pPr lvl="1"/>
             <a:r>
-              <a:rPr lang="zh-CN" altLang="en-US" sz="2400" b="1" dirty="0" smtClean="0">
+              <a:rPr lang="zh-CN" altLang="en-US" sz="2400" b="1" dirty="0">
                 <a:ln>
                   <a:noFill/>
                 </a:ln>
@@ -17795,7 +17710,7 @@
               <a:t> </a:t>
             </a:r>
             <a:r>
-              <a:rPr lang="zh-CN" altLang="en-US" sz="2400" dirty="0" smtClean="0">
+              <a:rPr lang="zh-CN" altLang="en-US" sz="2400" dirty="0">
                 <a:ln>
                   <a:noFill/>
                 </a:ln>
@@ -17822,7 +17737,7 @@
           <a:p>
             <a:pPr lvl="1"/>
             <a:r>
-              <a:rPr lang="zh-CN" altLang="en-US" sz="2400" dirty="0" smtClean="0">
+              <a:rPr lang="zh-CN" altLang="en-US" sz="2400" dirty="0">
                 <a:ln>
                   <a:noFill/>
                 </a:ln>
@@ -17838,7 +17753,7 @@
               <a:t> </a:t>
             </a:r>
             <a:r>
-              <a:rPr lang="zh-CN" altLang="en-US" sz="2400" dirty="0" smtClean="0">
+              <a:rPr lang="zh-CN" altLang="en-US" sz="2400" dirty="0">
                 <a:ln>
                   <a:noFill/>
                 </a:ln>
@@ -17852,7 +17767,7 @@
               <a:t>语法：</a:t>
             </a:r>
             <a:r>
-              <a:rPr lang="en-US" altLang="zh-CN" sz="2400" dirty="0" smtClean="0">
+              <a:rPr lang="en-US" altLang="zh-CN" sz="2400" dirty="0">
                 <a:ln>
                   <a:noFill/>
                 </a:ln>
@@ -17868,7 +17783,7 @@
               <a:t>arr.</a:t>
             </a:r>
             <a:r>
-              <a:rPr lang="zh-CN" altLang="zh-CN" sz="2400" dirty="0" smtClean="0">
+              <a:rPr lang="zh-CN" altLang="zh-CN" sz="2400" dirty="0">
                 <a:ln>
                   <a:noFill/>
                 </a:ln>
@@ -17882,7 +17797,7 @@
               <a:t>for</a:t>
             </a:r>
             <a:r>
-              <a:rPr lang="en-US" altLang="zh-CN" sz="2400" dirty="0" smtClean="0">
+              <a:rPr lang="en-US" altLang="zh-CN" sz="2400" dirty="0">
                 <a:ln>
                   <a:noFill/>
                 </a:ln>
@@ -17896,7 +17811,7 @@
               <a:t>Each</a:t>
             </a:r>
             <a:r>
-              <a:rPr lang="zh-CN" altLang="zh-CN" sz="2400" dirty="0" smtClean="0">
+              <a:rPr lang="zh-CN" altLang="zh-CN" sz="2400" dirty="0">
                 <a:ln>
                   <a:noFill/>
                 </a:ln>
@@ -17910,7 +17825,7 @@
               <a:t> </a:t>
             </a:r>
             <a:r>
-              <a:rPr lang="zh-CN" altLang="zh-CN" sz="2400" dirty="0" smtClean="0">
+              <a:rPr lang="zh-CN" altLang="zh-CN" sz="2400" dirty="0">
                 <a:ln>
                   <a:noFill/>
                 </a:ln>
@@ -17924,7 +17839,7 @@
               <a:t>( </a:t>
             </a:r>
             <a:r>
-              <a:rPr lang="en-US" altLang="zh-CN" sz="2400" dirty="0" smtClean="0">
+              <a:rPr lang="en-US" altLang="zh-CN" sz="2400" dirty="0">
                 <a:solidFill>
                   <a:srgbClr val="C00000"/>
                 </a:solidFill>
@@ -17951,7 +17866,7 @@
               <a:t>r</a:t>
             </a:r>
             <a:r>
-              <a:rPr lang="en-US" altLang="zh-CN" sz="2400" dirty="0" smtClean="0">
+              <a:rPr lang="en-US" altLang="zh-CN" sz="2400" dirty="0">
                 <a:solidFill>
                   <a:srgbClr val="C00000"/>
                 </a:solidFill>
@@ -17961,7 +17876,7 @@
               <a:t>){}</a:t>
             </a:r>
             <a:r>
-              <a:rPr lang="zh-CN" altLang="en-US" sz="2400" dirty="0" smtClean="0">
+              <a:rPr lang="zh-CN" altLang="en-US" sz="2400" dirty="0">
                 <a:solidFill>
                   <a:srgbClr val="0000CC"/>
                 </a:solidFill>
@@ -17982,7 +17897,7 @@
             <a:pPr marL="168275" lvl="1" indent="0">
               <a:buNone/>
             </a:pPr>
-            <a:endParaRPr lang="en-US" altLang="zh-CN" dirty="0" smtClean="0"/>
+            <a:endParaRPr lang="en-US" altLang="zh-CN" dirty="0"/>
           </a:p>
           <a:p>
             <a:pPr lvl="1"/>
@@ -18053,7 +17968,7 @@
               </a:spcAft>
             </a:pPr>
             <a:r>
-              <a:rPr kumimoji="0" lang="en-US" altLang="zh-CN" sz="2800" b="0" i="0" u="none" strike="noStrike" cap="none" normalizeH="0" baseline="0" dirty="0" smtClean="0">
+              <a:rPr kumimoji="0" lang="en-US" altLang="zh-CN" sz="2800" b="0" i="0" u="none" strike="noStrike" cap="none" normalizeH="0" baseline="0" dirty="0">
                 <a:ln>
                   <a:noFill/>
                 </a:ln>
@@ -18066,7 +17981,7 @@
               <a:t>IE8</a:t>
             </a:r>
             <a:r>
-              <a:rPr kumimoji="0" lang="zh-CN" altLang="en-US" sz="2800" b="0" i="0" u="none" strike="noStrike" cap="none" normalizeH="0" baseline="0" dirty="0" smtClean="0">
+              <a:rPr kumimoji="0" lang="zh-CN" altLang="en-US" sz="2800" b="0" i="0" u="none" strike="noStrike" cap="none" normalizeH="0" baseline="0" dirty="0">
                 <a:ln>
                   <a:noFill/>
                 </a:ln>
@@ -18104,16 +18019,12 @@
           <a:lstStyle/>
           <a:p>
             <a:r>
-              <a:rPr lang="en-US" altLang="zh-CN" sz="2800" dirty="0" smtClean="0">
+              <a:rPr lang="en-US" altLang="zh-CN" sz="2800" dirty="0">
                 <a:latin typeface="Arial" panose="020B0604020202020204" pitchFamily="34" charset="0"/>
                 <a:ea typeface="微软雅黑" panose="020B0503020204020204" pitchFamily="34" charset="-122"/>
               </a:rPr>
               <a:t>demo4-13.html</a:t>
             </a:r>
-            <a:endParaRPr lang="en-US" altLang="zh-CN" sz="2800" dirty="0">
-              <a:latin typeface="Arial" panose="020B0604020202020204" pitchFamily="34" charset="0"/>
-              <a:ea typeface="微软雅黑" panose="020B0503020204020204" pitchFamily="34" charset="-122"/>
-            </a:endParaRPr>
           </a:p>
         </p:txBody>
       </p:sp>
@@ -18165,7 +18076,7 @@
         </p:blipFill>
         <p:spPr>
           <a:xfrm>
-            <a:off x="6408420" y="3322320"/>
+            <a:off x="6343077" y="3415665"/>
             <a:ext cx="5506085" cy="1904365"/>
           </a:xfrm>
           <a:prstGeom prst="rect">
@@ -18426,10 +18337,9 @@
           <a:lstStyle/>
           <a:p>
             <a:r>
-              <a:rPr lang="zh-CN" altLang="en-US" smtClean="0"/>
+              <a:rPr lang="zh-CN" altLang="en-US"/>
               <a:t>数组小结</a:t>
             </a:r>
-            <a:endParaRPr lang="zh-CN" altLang="en-US"/>
           </a:p>
         </p:txBody>
       </p:sp>
@@ -18437,11 +18347,17 @@
         <p:nvGraphicFramePr>
           <p:cNvPr id="5" name="表格 4"/>
           <p:cNvGraphicFramePr/>
-          <p:nvPr/>
+          <p:nvPr>
+            <p:extLst>
+              <p:ext uri="{D42A27DB-BD31-4B8C-83A1-F6EECF244321}">
+                <p14:modId xmlns:p14="http://schemas.microsoft.com/office/powerpoint/2010/main" val="4252022636"/>
+              </p:ext>
+            </p:extLst>
+          </p:nvPr>
         </p:nvGraphicFramePr>
         <p:xfrm>
           <a:off x="870585" y="1066165"/>
-          <a:ext cx="7088505" cy="5334000"/>
+          <a:ext cx="7088505" cy="5463163"/>
         </p:xfrm>
         <a:graphic>
           <a:graphicData uri="http://schemas.openxmlformats.org/drawingml/2006/table">
@@ -18450,8 +18366,20 @@
                 <a:tableStyleId>{5C22544A-7EE6-4342-B048-85BDC9FD1C3A}</a:tableStyleId>
               </a:tblPr>
               <a:tblGrid>
-                <a:gridCol w="2833370"/>
-                <a:gridCol w="4255135"/>
+                <a:gridCol w="2833370">
+                  <a:extLst>
+                    <a:ext uri="{9D8B030D-6E8A-4147-A177-3AD203B41FA5}">
+                      <a16:colId xmlns:a16="http://schemas.microsoft.com/office/drawing/2014/main" val="20000"/>
+                    </a:ext>
+                  </a:extLst>
+                </a:gridCol>
+                <a:gridCol w="4255135">
+                  <a:extLst>
+                    <a:ext uri="{9D8B030D-6E8A-4147-A177-3AD203B41FA5}">
+                      <a16:colId xmlns:a16="http://schemas.microsoft.com/office/drawing/2014/main" val="20001"/>
+                    </a:ext>
+                  </a:extLst>
+                </a:gridCol>
               </a:tblGrid>
               <a:tr h="487680">
                 <a:tc>
@@ -18492,6 +18420,11 @@
                   </a:txBody>
                   <a:tcPr/>
                 </a:tc>
+                <a:extLst>
+                  <a:ext uri="{0D108BD9-81ED-4DB2-BD59-A6C34878D82A}">
+                    <a16:rowId xmlns:a16="http://schemas.microsoft.com/office/drawing/2014/main" val="10000"/>
+                  </a:ext>
+                </a:extLst>
               </a:tr>
               <a:tr h="381000">
                 <a:tc>
@@ -18539,6 +18472,11 @@
                   </a:txBody>
                   <a:tcPr/>
                 </a:tc>
+                <a:extLst>
+                  <a:ext uri="{0D108BD9-81ED-4DB2-BD59-A6C34878D82A}">
+                    <a16:rowId xmlns:a16="http://schemas.microsoft.com/office/drawing/2014/main" val="10001"/>
+                  </a:ext>
+                </a:extLst>
               </a:tr>
               <a:tr h="381000">
                 <a:tc>
@@ -18586,6 +18524,11 @@
                   </a:txBody>
                   <a:tcPr/>
                 </a:tc>
+                <a:extLst>
+                  <a:ext uri="{0D108BD9-81ED-4DB2-BD59-A6C34878D82A}">
+                    <a16:rowId xmlns:a16="http://schemas.microsoft.com/office/drawing/2014/main" val="10002"/>
+                  </a:ext>
+                </a:extLst>
               </a:tr>
               <a:tr h="381000">
                 <a:tc>
@@ -18632,6 +18575,11 @@
                   </a:txBody>
                   <a:tcPr/>
                 </a:tc>
+                <a:extLst>
+                  <a:ext uri="{0D108BD9-81ED-4DB2-BD59-A6C34878D82A}">
+                    <a16:rowId xmlns:a16="http://schemas.microsoft.com/office/drawing/2014/main" val="10003"/>
+                  </a:ext>
+                </a:extLst>
               </a:tr>
               <a:tr h="381000">
                 <a:tc>
@@ -18678,6 +18626,11 @@
                   </a:txBody>
                   <a:tcPr/>
                 </a:tc>
+                <a:extLst>
+                  <a:ext uri="{0D108BD9-81ED-4DB2-BD59-A6C34878D82A}">
+                    <a16:rowId xmlns:a16="http://schemas.microsoft.com/office/drawing/2014/main" val="10004"/>
+                  </a:ext>
+                </a:extLst>
               </a:tr>
               <a:tr h="493395">
                 <a:tc>
@@ -18724,7 +18677,7 @@
                         <a:t>join(</a:t>
                       </a:r>
                       <a:r>
-                        <a:rPr lang="zh-CN" altLang="en-US" sz="2200" dirty="0" smtClean="0">
+                        <a:rPr lang="zh-CN" altLang="en-US" sz="2200" dirty="0">
                           <a:solidFill>
                             <a:schemeClr val="tx1"/>
                           </a:solidFill>
@@ -18749,6 +18702,11 @@
                   </a:txBody>
                   <a:tcPr/>
                 </a:tc>
+                <a:extLst>
+                  <a:ext uri="{0D108BD9-81ED-4DB2-BD59-A6C34878D82A}">
+                    <a16:rowId xmlns:a16="http://schemas.microsoft.com/office/drawing/2014/main" val="10005"/>
+                  </a:ext>
+                </a:extLst>
               </a:tr>
               <a:tr h="381000">
                 <a:tc>
@@ -18785,22 +18743,30 @@
                         <a:buNone/>
                       </a:pPr>
                       <a:r>
-                        <a:rPr lang="en-US" altLang="zh-CN" sz="2200">
+                        <a:rPr lang="en-US" altLang="zh-CN" sz="2200" dirty="0">
                           <a:latin typeface="微软雅黑" panose="020B0503020204020204" pitchFamily="34" charset="-122"/>
                           <a:ea typeface="微软雅黑" panose="020B0503020204020204" pitchFamily="34" charset="-122"/>
                         </a:rPr>
-                        <a:t>push() shift()  </a:t>
+                        <a:t>push() unshift()  </a:t>
                       </a:r>
                       <a:r>
-                        <a:rPr lang="en-US" altLang="zh-CN" sz="2200">
+                        <a:rPr lang="en-US" altLang="zh-CN" sz="2200" dirty="0" err="1">
                           <a:latin typeface="微软雅黑" panose="020B0503020204020204" pitchFamily="34" charset="-122"/>
                           <a:ea typeface="微软雅黑" panose="020B0503020204020204" pitchFamily="34" charset="-122"/>
                           <a:sym typeface="+mn-ea"/>
                         </a:rPr>
-                        <a:t>concat()  </a:t>
+                        <a:t>concat</a:t>
                       </a:r>
                       <a:r>
-                        <a:rPr lang="en-US" altLang="zh-CN" sz="2200">
+                        <a:rPr lang="en-US" altLang="zh-CN" sz="2200" dirty="0">
+                          <a:latin typeface="微软雅黑" panose="020B0503020204020204" pitchFamily="34" charset="-122"/>
+                          <a:ea typeface="微软雅黑" panose="020B0503020204020204" pitchFamily="34" charset="-122"/>
+                          <a:sym typeface="+mn-ea"/>
+                        </a:rPr>
+                        <a:t>()  </a:t>
+                      </a:r>
+                      <a:r>
+                        <a:rPr lang="en-US" altLang="zh-CN" sz="2200" dirty="0">
                           <a:latin typeface="微软雅黑" panose="020B0503020204020204" pitchFamily="34" charset="-122"/>
                           <a:ea typeface="微软雅黑" panose="020B0503020204020204" pitchFamily="34" charset="-122"/>
                         </a:rPr>
@@ -18810,6 +18776,11 @@
                   </a:txBody>
                   <a:tcPr/>
                 </a:tc>
+                <a:extLst>
+                  <a:ext uri="{0D108BD9-81ED-4DB2-BD59-A6C34878D82A}">
+                    <a16:rowId xmlns:a16="http://schemas.microsoft.com/office/drawing/2014/main" val="10006"/>
+                  </a:ext>
+                </a:extLst>
               </a:tr>
               <a:tr h="381000">
                 <a:tc>
@@ -18846,16 +18817,21 @@
                         <a:buNone/>
                       </a:pPr>
                       <a:r>
-                        <a:rPr lang="en-US" altLang="zh-CN" sz="2200">
+                        <a:rPr lang="en-US" altLang="zh-CN" sz="2200" dirty="0">
                           <a:latin typeface="微软雅黑" panose="020B0503020204020204" pitchFamily="34" charset="-122"/>
                           <a:ea typeface="微软雅黑" panose="020B0503020204020204" pitchFamily="34" charset="-122"/>
                         </a:rPr>
-                        <a:t>pop()  unshift()  splice()</a:t>
+                        <a:t>pop()  shift()  splice()</a:t>
                       </a:r>
                     </a:p>
                   </a:txBody>
                   <a:tcPr/>
                 </a:tc>
+                <a:extLst>
+                  <a:ext uri="{0D108BD9-81ED-4DB2-BD59-A6C34878D82A}">
+                    <a16:rowId xmlns:a16="http://schemas.microsoft.com/office/drawing/2014/main" val="10007"/>
+                  </a:ext>
+                </a:extLst>
               </a:tr>
               <a:tr h="381000">
                 <a:tc>
@@ -18916,6 +18892,11 @@
                   </a:txBody>
                   <a:tcPr/>
                 </a:tc>
+                <a:extLst>
+                  <a:ext uri="{0D108BD9-81ED-4DB2-BD59-A6C34878D82A}">
+                    <a16:rowId xmlns:a16="http://schemas.microsoft.com/office/drawing/2014/main" val="10008"/>
+                  </a:ext>
+                </a:extLst>
               </a:tr>
               <a:tr h="762000">
                 <a:tc>
@@ -18977,6 +18958,11 @@
                   </a:txBody>
                   <a:tcPr/>
                 </a:tc>
+                <a:extLst>
+                  <a:ext uri="{0D108BD9-81ED-4DB2-BD59-A6C34878D82A}">
+                    <a16:rowId xmlns:a16="http://schemas.microsoft.com/office/drawing/2014/main" val="10009"/>
+                  </a:ext>
+                </a:extLst>
               </a:tr>
             </a:tbl>
           </a:graphicData>
@@ -19018,7 +19004,7 @@
               </a:spcAft>
             </a:pPr>
             <a:r>
-              <a:rPr lang="zh-CN" altLang="en-US" sz="2600" dirty="0" smtClean="0">
+              <a:rPr lang="zh-CN" altLang="en-US" sz="2600" dirty="0">
                 <a:latin typeface="微软雅黑" panose="020B0503020204020204" pitchFamily="34" charset="-122"/>
                 <a:ea typeface="微软雅黑" panose="020B0503020204020204" pitchFamily="34" charset="-122"/>
                 <a:cs typeface="微软雅黑" panose="020B0503020204020204" pitchFamily="34" charset="-122"/>
@@ -19026,7 +19012,7 @@
               <a:t>关于 </a:t>
             </a:r>
             <a:r>
-              <a:rPr lang="en-US" altLang="zh-CN" sz="2600" dirty="0" smtClean="0">
+              <a:rPr lang="en-US" altLang="zh-CN" sz="2600" dirty="0">
                 <a:latin typeface="微软雅黑" panose="020B0503020204020204" pitchFamily="34" charset="-122"/>
                 <a:ea typeface="微软雅黑" panose="020B0503020204020204" pitchFamily="34" charset="-122"/>
                 <a:cs typeface="微软雅黑" panose="020B0503020204020204" pitchFamily="34" charset="-122"/>
@@ -19034,7 +19020,7 @@
               <a:t>JavaScript </a:t>
             </a:r>
             <a:r>
-              <a:rPr lang="zh-CN" altLang="en-US" sz="2600" dirty="0" smtClean="0">
+              <a:rPr lang="zh-CN" altLang="en-US" sz="2600" dirty="0">
                 <a:latin typeface="微软雅黑" panose="020B0503020204020204" pitchFamily="34" charset="-122"/>
                 <a:ea typeface="微软雅黑" panose="020B0503020204020204" pitchFamily="34" charset="-122"/>
                 <a:cs typeface="微软雅黑" panose="020B0503020204020204" pitchFamily="34" charset="-122"/>
@@ -19055,7 +19041,7 @@
               </a:spcAft>
             </a:pPr>
             <a:r>
-              <a:rPr lang="zh-CN" altLang="en-US" sz="2600" dirty="0" smtClean="0">
+              <a:rPr lang="zh-CN" altLang="en-US" sz="2600" dirty="0">
                 <a:latin typeface="微软雅黑" panose="020B0503020204020204" pitchFamily="34" charset="-122"/>
                 <a:ea typeface="微软雅黑" panose="020B0503020204020204" pitchFamily="34" charset="-122"/>
                 <a:cs typeface="微软雅黑" panose="020B0503020204020204" pitchFamily="34" charset="-122"/>
@@ -19063,7 +19049,7 @@
               <a:t>① 数组</a:t>
             </a:r>
             <a:r>
-              <a:rPr lang="zh-CN" altLang="en-US" sz="2600" dirty="0" smtClean="0">
+              <a:rPr lang="zh-CN" altLang="en-US" sz="2600" dirty="0">
                 <a:solidFill>
                   <a:srgbClr val="FF0000"/>
                 </a:solidFill>
@@ -19074,7 +19060,7 @@
               <a:t>定义</a:t>
             </a:r>
             <a:r>
-              <a:rPr lang="zh-CN" altLang="en-US" sz="2600" dirty="0" smtClean="0">
+              <a:rPr lang="zh-CN" altLang="en-US" sz="2600" dirty="0">
                 <a:latin typeface="微软雅黑" panose="020B0503020204020204" pitchFamily="34" charset="-122"/>
                 <a:ea typeface="微软雅黑" panose="020B0503020204020204" pitchFamily="34" charset="-122"/>
                 <a:cs typeface="微软雅黑" panose="020B0503020204020204" pitchFamily="34" charset="-122"/>
@@ -19082,7 +19068,7 @@
               <a:t>方式以及</a:t>
             </a:r>
             <a:r>
-              <a:rPr lang="zh-CN" altLang="en-US" sz="2600" dirty="0" smtClean="0">
+              <a:rPr lang="zh-CN" altLang="en-US" sz="2600" dirty="0">
                 <a:solidFill>
                   <a:srgbClr val="FF0000"/>
                 </a:solidFill>
@@ -19093,7 +19079,7 @@
               <a:t>多维</a:t>
             </a:r>
             <a:r>
-              <a:rPr lang="zh-CN" altLang="en-US" sz="2600" dirty="0" smtClean="0">
+              <a:rPr lang="zh-CN" altLang="en-US" sz="2600" dirty="0">
                 <a:latin typeface="微软雅黑" panose="020B0503020204020204" pitchFamily="34" charset="-122"/>
                 <a:ea typeface="微软雅黑" panose="020B0503020204020204" pitchFamily="34" charset="-122"/>
                 <a:cs typeface="微软雅黑" panose="020B0503020204020204" pitchFamily="34" charset="-122"/>
@@ -19101,12 +19087,12 @@
               <a:t>数组</a:t>
             </a:r>
             <a:r>
-              <a:rPr lang="zh-CN" altLang="en-US" sz="2600" dirty="0" smtClean="0">
+              <a:rPr lang="zh-CN" altLang="en-US" sz="2600" dirty="0">
                 <a:sym typeface="+mn-ea"/>
               </a:rPr>
               <a:t>。</a:t>
             </a:r>
-            <a:endParaRPr lang="zh-CN" altLang="en-US" sz="2600" dirty="0" smtClean="0">
+            <a:endParaRPr lang="zh-CN" altLang="en-US" sz="2600" dirty="0">
               <a:latin typeface="微软雅黑" panose="020B0503020204020204" pitchFamily="34" charset="-122"/>
               <a:ea typeface="微软雅黑" panose="020B0503020204020204" pitchFamily="34" charset="-122"/>
               <a:cs typeface="微软雅黑" panose="020B0503020204020204" pitchFamily="34" charset="-122"/>
@@ -19125,7 +19111,7 @@
               </a:spcAft>
             </a:pPr>
             <a:r>
-              <a:rPr lang="zh-CN" altLang="en-US" sz="2600" dirty="0" smtClean="0">
+              <a:rPr lang="zh-CN" altLang="en-US" sz="2600" dirty="0">
                 <a:latin typeface="微软雅黑" panose="020B0503020204020204" pitchFamily="34" charset="-122"/>
                 <a:ea typeface="微软雅黑" panose="020B0503020204020204" pitchFamily="34" charset="-122"/>
                 <a:cs typeface="微软雅黑" panose="020B0503020204020204" pitchFamily="34" charset="-122"/>
@@ -19147,7 +19133,7 @@
               </a:rPr>
               <a:t>可以是不同的数据类型。</a:t>
             </a:r>
-            <a:endParaRPr lang="zh-CN" altLang="en-US" sz="2600" dirty="0" smtClean="0">
+            <a:endParaRPr lang="zh-CN" altLang="en-US" sz="2600" dirty="0">
               <a:latin typeface="微软雅黑" panose="020B0503020204020204" pitchFamily="34" charset="-122"/>
               <a:ea typeface="微软雅黑" panose="020B0503020204020204" pitchFamily="34" charset="-122"/>
               <a:cs typeface="微软雅黑" panose="020B0503020204020204" pitchFamily="34" charset="-122"/>
@@ -19167,7 +19153,7 @@
               </a:spcAft>
             </a:pPr>
             <a:r>
-              <a:rPr lang="zh-CN" altLang="en-US" sz="2600" dirty="0" smtClean="0">
+              <a:rPr lang="zh-CN" altLang="en-US" sz="2600" dirty="0">
                 <a:latin typeface="微软雅黑" panose="020B0503020204020204" pitchFamily="34" charset="-122"/>
                 <a:ea typeface="微软雅黑" panose="020B0503020204020204" pitchFamily="34" charset="-122"/>
                 <a:cs typeface="微软雅黑" panose="020B0503020204020204" pitchFamily="34" charset="-122"/>
@@ -19175,13 +19161,13 @@
               <a:t>③ </a:t>
             </a:r>
             <a:r>
-              <a:rPr lang="zh-CN" altLang="en-US" sz="2600" dirty="0" smtClean="0">
+              <a:rPr lang="zh-CN" altLang="en-US" sz="2600" dirty="0">
                 <a:sym typeface="+mn-ea"/>
               </a:rPr>
               <a:t>数组</a:t>
             </a:r>
             <a:r>
-              <a:rPr lang="zh-CN" altLang="en-US" sz="2600" dirty="0" smtClean="0">
+              <a:rPr lang="zh-CN" altLang="en-US" sz="2600" dirty="0">
                 <a:solidFill>
                   <a:srgbClr val="FF0000"/>
                 </a:solidFill>
@@ -19190,7 +19176,7 @@
               <a:t>长度可变</a:t>
             </a:r>
             <a:r>
-              <a:rPr lang="zh-CN" altLang="en-US" sz="2600" dirty="0" smtClean="0">
+              <a:rPr lang="zh-CN" altLang="en-US" sz="2600" dirty="0">
                 <a:solidFill>
                   <a:schemeClr val="tx1"/>
                 </a:solidFill>
@@ -19198,7 +19184,7 @@
               </a:rPr>
               <a:t>特性。</a:t>
             </a:r>
-            <a:endParaRPr lang="zh-CN" altLang="en-US" sz="2600" dirty="0" smtClean="0">
+            <a:endParaRPr lang="zh-CN" altLang="en-US" sz="2600" dirty="0">
               <a:latin typeface="微软雅黑" panose="020B0503020204020204" pitchFamily="34" charset="-122"/>
               <a:ea typeface="微软雅黑" panose="020B0503020204020204" pitchFamily="34" charset="-122"/>
               <a:cs typeface="微软雅黑" panose="020B0503020204020204" pitchFamily="34" charset="-122"/>
@@ -19217,13 +19203,13 @@
               </a:spcAft>
             </a:pPr>
             <a:r>
-              <a:rPr lang="zh-CN" altLang="en-US" sz="2600" dirty="0" smtClean="0">
+              <a:rPr lang="zh-CN" altLang="en-US" sz="2600" dirty="0">
                 <a:sym typeface="+mn-ea"/>
               </a:rPr>
               <a:t>④</a:t>
             </a:r>
             <a:r>
-              <a:rPr lang="zh-CN" altLang="en-US" sz="2600" dirty="0" smtClean="0">
+              <a:rPr lang="zh-CN" altLang="en-US" sz="2600" dirty="0">
                 <a:latin typeface="微软雅黑" panose="020B0503020204020204" pitchFamily="34" charset="-122"/>
                 <a:ea typeface="微软雅黑" panose="020B0503020204020204" pitchFamily="34" charset="-122"/>
                 <a:cs typeface="微软雅黑" panose="020B0503020204020204" pitchFamily="34" charset="-122"/>
@@ -19232,7 +19218,7 @@
               <a:t> 数组的方法书写符合</a:t>
             </a:r>
             <a:r>
-              <a:rPr lang="zh-CN" altLang="en-US" sz="2600" dirty="0" smtClean="0">
+              <a:rPr lang="zh-CN" altLang="en-US" sz="2600" dirty="0">
                 <a:solidFill>
                   <a:srgbClr val="FF0000"/>
                 </a:solidFill>
@@ -19244,7 +19230,7 @@
               <a:t>小驼峰</a:t>
             </a:r>
             <a:r>
-              <a:rPr lang="zh-CN" altLang="en-US" sz="2600" dirty="0" smtClean="0">
+              <a:rPr lang="zh-CN" altLang="en-US" sz="2600" dirty="0">
                 <a:latin typeface="微软雅黑" panose="020B0503020204020204" pitchFamily="34" charset="-122"/>
                 <a:ea typeface="微软雅黑" panose="020B0503020204020204" pitchFamily="34" charset="-122"/>
                 <a:cs typeface="微软雅黑" panose="020B0503020204020204" pitchFamily="34" charset="-122"/>
@@ -19266,13 +19252,13 @@
               </a:spcAft>
             </a:pPr>
             <a:r>
-              <a:rPr lang="zh-CN" altLang="en-US" sz="2600" dirty="0" smtClean="0">
+              <a:rPr lang="zh-CN" altLang="en-US" sz="2600" dirty="0">
                 <a:sym typeface="+mn-ea"/>
               </a:rPr>
               <a:t>⑤</a:t>
             </a:r>
             <a:r>
-              <a:rPr lang="zh-CN" altLang="en-US" sz="2600" dirty="0" smtClean="0">
+              <a:rPr lang="zh-CN" altLang="en-US" sz="2600" dirty="0">
                 <a:latin typeface="微软雅黑" panose="020B0503020204020204" pitchFamily="34" charset="-122"/>
                 <a:ea typeface="微软雅黑" panose="020B0503020204020204" pitchFamily="34" charset="-122"/>
                 <a:cs typeface="微软雅黑" panose="020B0503020204020204" pitchFamily="34" charset="-122"/>
@@ -19281,13 +19267,13 @@
               <a:t> 清楚</a:t>
             </a:r>
             <a:r>
-              <a:rPr lang="zh-CN" altLang="en-US" sz="2600" dirty="0" smtClean="0">
+              <a:rPr lang="zh-CN" altLang="en-US" sz="2600" dirty="0">
                 <a:sym typeface="+mn-ea"/>
               </a:rPr>
               <a:t>数组方法</a:t>
             </a:r>
             <a:r>
-              <a:rPr lang="zh-CN" altLang="en-US" sz="2600" dirty="0" smtClean="0">
+              <a:rPr lang="zh-CN" altLang="en-US" sz="2600" dirty="0">
                 <a:solidFill>
                   <a:srgbClr val="FF0000"/>
                 </a:solidFill>
@@ -19296,7 +19282,7 @@
               <a:t>有没有</a:t>
             </a:r>
             <a:r>
-              <a:rPr lang="zh-CN" altLang="en-US" sz="2600" dirty="0" smtClean="0">
+              <a:rPr lang="zh-CN" altLang="en-US" sz="2600" dirty="0">
                 <a:sym typeface="+mn-ea"/>
               </a:rPr>
               <a:t>改变原始数组。</a:t>
@@ -19314,13 +19300,6 @@
   <p:clrMapOvr>
     <a:masterClrMapping/>
   </p:clrMapOvr>
-  <p:timing>
-    <p:tnLst>
-      <p:par>
-        <p:cTn id="1" dur="indefinite" restart="never" nodeType="tmRoot"/>
-      </p:par>
-    </p:tnLst>
-  </p:timing>
 </p:sld>
 </file>
 
@@ -19357,38 +19336,38 @@
           <a:lstStyle/>
           <a:p>
             <a:r>
-              <a:rPr lang="zh-CN" altLang="en-US" dirty="0" smtClean="0"/>
+              <a:rPr lang="zh-CN" altLang="en-US" dirty="0"/>
               <a:t> 字符串的定义和作用</a:t>
             </a:r>
-            <a:endParaRPr lang="en-US" altLang="zh-CN" dirty="0" smtClean="0"/>
-          </a:p>
-          <a:p>
-            <a:r>
-              <a:rPr lang="zh-CN" altLang="en-US" dirty="0" smtClean="0"/>
+            <a:endParaRPr lang="en-US" altLang="zh-CN" dirty="0"/>
+          </a:p>
+          <a:p>
+            <a:r>
+              <a:rPr lang="zh-CN" altLang="en-US" dirty="0"/>
               <a:t> 字符串的常用操作</a:t>
             </a:r>
-            <a:endParaRPr lang="en-US" altLang="zh-CN" dirty="0" smtClean="0"/>
-          </a:p>
-          <a:p>
-            <a:r>
-              <a:rPr lang="zh-CN" altLang="en-US" dirty="0" smtClean="0"/>
+            <a:endParaRPr lang="en-US" altLang="zh-CN" dirty="0"/>
+          </a:p>
+          <a:p>
+            <a:r>
+              <a:rPr lang="zh-CN" altLang="en-US" dirty="0"/>
               <a:t> 数组的创建</a:t>
             </a:r>
-            <a:endParaRPr lang="en-US" altLang="zh-CN" dirty="0" smtClean="0"/>
-          </a:p>
-          <a:p>
-            <a:r>
-              <a:rPr lang="zh-CN" altLang="en-US" dirty="0" smtClean="0"/>
+            <a:endParaRPr lang="en-US" altLang="zh-CN" dirty="0"/>
+          </a:p>
+          <a:p>
+            <a:r>
+              <a:rPr lang="zh-CN" altLang="en-US" dirty="0"/>
               <a:t> 数组元素的访问</a:t>
             </a:r>
-            <a:endParaRPr lang="en-US" altLang="zh-CN" dirty="0" smtClean="0"/>
-          </a:p>
-          <a:p>
-            <a:r>
-              <a:rPr lang="zh-CN" altLang="en-US" dirty="0" smtClean="0"/>
+            <a:endParaRPr lang="en-US" altLang="zh-CN" dirty="0"/>
+          </a:p>
+          <a:p>
+            <a:r>
+              <a:rPr lang="zh-CN" altLang="en-US" dirty="0"/>
               <a:t> 数组元素的遍历</a:t>
             </a:r>
-            <a:endParaRPr lang="en-US" altLang="zh-CN" dirty="0" smtClean="0"/>
+            <a:endParaRPr lang="en-US" altLang="zh-CN" dirty="0"/>
           </a:p>
         </p:txBody>
       </p:sp>
@@ -19408,10 +19387,9 @@
           <a:lstStyle/>
           <a:p>
             <a:r>
-              <a:rPr lang="zh-CN" altLang="en-US" smtClean="0"/>
+              <a:rPr lang="zh-CN" altLang="en-US"/>
               <a:t>本节小结</a:t>
             </a:r>
-            <a:endParaRPr lang="zh-CN" altLang="en-US"/>
           </a:p>
         </p:txBody>
       </p:sp>
@@ -19420,13 +19398,6 @@
   <p:clrMapOvr>
     <a:masterClrMapping/>
   </p:clrMapOvr>
-  <p:timing>
-    <p:tnLst>
-      <p:par>
-        <p:cTn id="1" dur="indefinite" restart="never" nodeType="tmRoot"/>
-      </p:par>
-    </p:tnLst>
-  </p:timing>
 </p:sld>
 </file>
 
@@ -19463,10 +19434,9 @@
           <a:lstStyle/>
           <a:p>
             <a:r>
-              <a:rPr lang="zh-CN" altLang="en-US" smtClean="0"/>
+              <a:rPr lang="zh-CN" altLang="en-US"/>
               <a:t>本节小结</a:t>
             </a:r>
-            <a:endParaRPr lang="zh-CN" altLang="en-US"/>
           </a:p>
         </p:txBody>
       </p:sp>
@@ -19474,11 +19444,17 @@
         <p:nvGraphicFramePr>
           <p:cNvPr id="5" name="表格 4"/>
           <p:cNvGraphicFramePr/>
-          <p:nvPr/>
+          <p:nvPr>
+            <p:extLst>
+              <p:ext uri="{D42A27DB-BD31-4B8C-83A1-F6EECF244321}">
+                <p14:modId xmlns:p14="http://schemas.microsoft.com/office/powerpoint/2010/main" val="2044301204"/>
+              </p:ext>
+            </p:extLst>
+          </p:nvPr>
         </p:nvGraphicFramePr>
         <p:xfrm>
           <a:off x="1229360" y="1066165"/>
-          <a:ext cx="10241280" cy="5334000"/>
+          <a:ext cx="10241280" cy="5060827"/>
         </p:xfrm>
         <a:graphic>
           <a:graphicData uri="http://schemas.openxmlformats.org/drawingml/2006/table">
@@ -19487,9 +19463,27 @@
                 <a:tableStyleId>{5C22544A-7EE6-4342-B048-85BDC9FD1C3A}</a:tableStyleId>
               </a:tblPr>
               <a:tblGrid>
-                <a:gridCol w="2833370"/>
-                <a:gridCol w="2760345"/>
-                <a:gridCol w="4647565"/>
+                <a:gridCol w="2833370">
+                  <a:extLst>
+                    <a:ext uri="{9D8B030D-6E8A-4147-A177-3AD203B41FA5}">
+                      <a16:colId xmlns:a16="http://schemas.microsoft.com/office/drawing/2014/main" val="20000"/>
+                    </a:ext>
+                  </a:extLst>
+                </a:gridCol>
+                <a:gridCol w="2760345">
+                  <a:extLst>
+                    <a:ext uri="{9D8B030D-6E8A-4147-A177-3AD203B41FA5}">
+                      <a16:colId xmlns:a16="http://schemas.microsoft.com/office/drawing/2014/main" val="20001"/>
+                    </a:ext>
+                  </a:extLst>
+                </a:gridCol>
+                <a:gridCol w="4647565">
+                  <a:extLst>
+                    <a:ext uri="{9D8B030D-6E8A-4147-A177-3AD203B41FA5}">
+                      <a16:colId xmlns:a16="http://schemas.microsoft.com/office/drawing/2014/main" val="20002"/>
+                    </a:ext>
+                  </a:extLst>
+                </a:gridCol>
               </a:tblGrid>
               <a:tr h="381000">
                 <a:tc>
@@ -19549,6 +19543,11 @@
                   </a:txBody>
                   <a:tcPr/>
                 </a:tc>
+                <a:extLst>
+                  <a:ext uri="{0D108BD9-81ED-4DB2-BD59-A6C34878D82A}">
+                    <a16:rowId xmlns:a16="http://schemas.microsoft.com/office/drawing/2014/main" val="10000"/>
+                  </a:ext>
+                </a:extLst>
               </a:tr>
               <a:tr h="381000">
                 <a:tc>
@@ -19618,6 +19617,11 @@
                   </a:txBody>
                   <a:tcPr/>
                 </a:tc>
+                <a:extLst>
+                  <a:ext uri="{0D108BD9-81ED-4DB2-BD59-A6C34878D82A}">
+                    <a16:rowId xmlns:a16="http://schemas.microsoft.com/office/drawing/2014/main" val="10001"/>
+                  </a:ext>
+                </a:extLst>
               </a:tr>
               <a:tr h="381000">
                 <a:tc>
@@ -19687,6 +19691,11 @@
                   </a:txBody>
                   <a:tcPr/>
                 </a:tc>
+                <a:extLst>
+                  <a:ext uri="{0D108BD9-81ED-4DB2-BD59-A6C34878D82A}">
+                    <a16:rowId xmlns:a16="http://schemas.microsoft.com/office/drawing/2014/main" val="10002"/>
+                  </a:ext>
+                </a:extLst>
               </a:tr>
               <a:tr h="381000">
                 <a:tc>
@@ -19755,6 +19764,11 @@
                   </a:txBody>
                   <a:tcPr/>
                 </a:tc>
+                <a:extLst>
+                  <a:ext uri="{0D108BD9-81ED-4DB2-BD59-A6C34878D82A}">
+                    <a16:rowId xmlns:a16="http://schemas.microsoft.com/office/drawing/2014/main" val="10003"/>
+                  </a:ext>
+                </a:extLst>
               </a:tr>
               <a:tr h="381000">
                 <a:tc>
@@ -19830,6 +19844,11 @@
                   </a:txBody>
                   <a:tcPr/>
                 </a:tc>
+                <a:extLst>
+                  <a:ext uri="{0D108BD9-81ED-4DB2-BD59-A6C34878D82A}">
+                    <a16:rowId xmlns:a16="http://schemas.microsoft.com/office/drawing/2014/main" val="10004"/>
+                  </a:ext>
+                </a:extLst>
               </a:tr>
               <a:tr h="493395">
                 <a:tc>
@@ -19876,7 +19895,7 @@
                         <a:t>split(</a:t>
                       </a:r>
                       <a:r>
-                        <a:rPr lang="zh-CN" altLang="en-US" sz="2200" dirty="0" smtClean="0">
+                        <a:rPr lang="zh-CN" altLang="en-US" sz="2200" dirty="0">
                           <a:solidFill>
                             <a:schemeClr val="tx1"/>
                           </a:solidFill>
@@ -19923,7 +19942,7 @@
                         <a:t>join(</a:t>
                       </a:r>
                       <a:r>
-                        <a:rPr lang="zh-CN" altLang="en-US" sz="2200" dirty="0" smtClean="0">
+                        <a:rPr lang="zh-CN" altLang="en-US" sz="2200" dirty="0">
                           <a:solidFill>
                             <a:schemeClr val="tx1"/>
                           </a:solidFill>
@@ -19948,6 +19967,11 @@
                   </a:txBody>
                   <a:tcPr/>
                 </a:tc>
+                <a:extLst>
+                  <a:ext uri="{0D108BD9-81ED-4DB2-BD59-A6C34878D82A}">
+                    <a16:rowId xmlns:a16="http://schemas.microsoft.com/office/drawing/2014/main" val="10005"/>
+                  </a:ext>
+                </a:extLst>
               </a:tr>
               <a:tr h="381000">
                 <a:tc>
@@ -20015,22 +20039,30 @@
                         <a:buNone/>
                       </a:pPr>
                       <a:r>
-                        <a:rPr lang="en-US" altLang="zh-CN" sz="2200">
+                        <a:rPr lang="en-US" altLang="zh-CN" sz="2200" dirty="0">
                           <a:latin typeface="微软雅黑" panose="020B0503020204020204" pitchFamily="34" charset="-122"/>
                           <a:ea typeface="微软雅黑" panose="020B0503020204020204" pitchFamily="34" charset="-122"/>
                         </a:rPr>
-                        <a:t>push() shift()  </a:t>
+                        <a:t>push() unshift()  </a:t>
                       </a:r>
                       <a:r>
-                        <a:rPr lang="en-US" altLang="zh-CN" sz="2200">
+                        <a:rPr lang="en-US" altLang="zh-CN" sz="2200" dirty="0" err="1">
                           <a:latin typeface="微软雅黑" panose="020B0503020204020204" pitchFamily="34" charset="-122"/>
                           <a:ea typeface="微软雅黑" panose="020B0503020204020204" pitchFamily="34" charset="-122"/>
                           <a:sym typeface="+mn-ea"/>
                         </a:rPr>
-                        <a:t>concat()  </a:t>
+                        <a:t>concat</a:t>
                       </a:r>
                       <a:r>
-                        <a:rPr lang="en-US" altLang="zh-CN" sz="2200">
+                        <a:rPr lang="en-US" altLang="zh-CN" sz="2200" dirty="0">
+                          <a:latin typeface="微软雅黑" panose="020B0503020204020204" pitchFamily="34" charset="-122"/>
+                          <a:ea typeface="微软雅黑" panose="020B0503020204020204" pitchFamily="34" charset="-122"/>
+                          <a:sym typeface="+mn-ea"/>
+                        </a:rPr>
+                        <a:t>()  </a:t>
+                      </a:r>
+                      <a:r>
+                        <a:rPr lang="en-US" altLang="zh-CN" sz="2200" dirty="0">
                           <a:latin typeface="微软雅黑" panose="020B0503020204020204" pitchFamily="34" charset="-122"/>
                           <a:ea typeface="微软雅黑" panose="020B0503020204020204" pitchFamily="34" charset="-122"/>
                         </a:rPr>
@@ -20040,6 +20072,11 @@
                   </a:txBody>
                   <a:tcPr/>
                 </a:tc>
+                <a:extLst>
+                  <a:ext uri="{0D108BD9-81ED-4DB2-BD59-A6C34878D82A}">
+                    <a16:rowId xmlns:a16="http://schemas.microsoft.com/office/drawing/2014/main" val="10006"/>
+                  </a:ext>
+                </a:extLst>
               </a:tr>
               <a:tr h="381000">
                 <a:tc>
@@ -20099,12 +20136,17 @@
                           <a:latin typeface="微软雅黑" panose="020B0503020204020204" pitchFamily="34" charset="-122"/>
                           <a:ea typeface="微软雅黑" panose="020B0503020204020204" pitchFamily="34" charset="-122"/>
                         </a:rPr>
-                        <a:t>pop()  unshift()  splice()</a:t>
+                        <a:t>pop()  shift()  splice()</a:t>
                       </a:r>
                     </a:p>
                   </a:txBody>
                   <a:tcPr/>
                 </a:tc>
+                <a:extLst>
+                  <a:ext uri="{0D108BD9-81ED-4DB2-BD59-A6C34878D82A}">
+                    <a16:rowId xmlns:a16="http://schemas.microsoft.com/office/drawing/2014/main" val="10007"/>
+                  </a:ext>
+                </a:extLst>
               </a:tr>
               <a:tr h="381000">
                 <a:tc>
@@ -20173,6 +20215,11 @@
                   </a:txBody>
                   <a:tcPr/>
                 </a:tc>
+                <a:extLst>
+                  <a:ext uri="{0D108BD9-81ED-4DB2-BD59-A6C34878D82A}">
+                    <a16:rowId xmlns:a16="http://schemas.microsoft.com/office/drawing/2014/main" val="10008"/>
+                  </a:ext>
+                </a:extLst>
               </a:tr>
               <a:tr h="762000">
                 <a:tc>
@@ -20246,7 +20293,7 @@
                         <a:buNone/>
                       </a:pPr>
                       <a:r>
-                        <a:rPr lang="en-US" altLang="zh-CN" sz="2200">
+                        <a:rPr lang="en-US" altLang="zh-CN" sz="2200" dirty="0">
                           <a:latin typeface="微软雅黑" panose="020B0503020204020204" pitchFamily="34" charset="-122"/>
                           <a:ea typeface="微软雅黑" panose="020B0503020204020204" pitchFamily="34" charset="-122"/>
                         </a:rPr>
@@ -20261,7 +20308,7 @@
                         <a:buNone/>
                       </a:pPr>
                       <a:r>
-                        <a:rPr lang="en-US" altLang="zh-CN" sz="2200">
+                        <a:rPr lang="en-US" altLang="zh-CN" sz="2200" dirty="0">
                           <a:latin typeface="微软雅黑" panose="020B0503020204020204" pitchFamily="34" charset="-122"/>
                           <a:ea typeface="微软雅黑" panose="020B0503020204020204" pitchFamily="34" charset="-122"/>
                         </a:rPr>
@@ -20271,6 +20318,11 @@
                   </a:txBody>
                   <a:tcPr/>
                 </a:tc>
+                <a:extLst>
+                  <a:ext uri="{0D108BD9-81ED-4DB2-BD59-A6C34878D82A}">
+                    <a16:rowId xmlns:a16="http://schemas.microsoft.com/office/drawing/2014/main" val="10009"/>
+                  </a:ext>
+                </a:extLst>
               </a:tr>
             </a:tbl>
           </a:graphicData>
@@ -20448,125 +20500,124 @@
           <a:lstStyle/>
           <a:p>
             <a:r>
-              <a:rPr lang="zh-CN" altLang="en-US" dirty="0" smtClean="0"/>
+              <a:rPr lang="zh-CN" altLang="en-US" dirty="0"/>
               <a:t> </a:t>
             </a:r>
             <a:r>
-              <a:rPr dirty="0" smtClean="0"/>
+              <a:rPr dirty="0"/>
               <a:t>var str = "</a:t>
             </a:r>
             <a:r>
-              <a:rPr lang="en-US" dirty="0" smtClean="0"/>
+              <a:rPr lang="en-US" dirty="0"/>
               <a:t>no </a:t>
             </a:r>
             <a:r>
-              <a:rPr lang="en-US" smtClean="0"/>
+              <a:rPr lang="en-US"/>
               <a:t>zuo</a:t>
             </a:r>
             <a:r>
-              <a:rPr smtClean="0"/>
               <a:t>  </a:t>
             </a:r>
             <a:r>
-              <a:rPr dirty="0" smtClean="0"/>
+              <a:rPr dirty="0"/>
               <a:t>no die";</a:t>
             </a:r>
           </a:p>
           <a:p>
             <a:r>
-              <a:rPr dirty="0" smtClean="0"/>
+              <a:rPr dirty="0"/>
               <a:t> var arr = [];</a:t>
             </a:r>
           </a:p>
           <a:p>
             <a:r>
-              <a:rPr dirty="0" smtClean="0"/>
+              <a:rPr dirty="0"/>
               <a:t> 请将 str 中的每个</a:t>
             </a:r>
             <a:r>
-              <a:rPr lang="zh-CN" dirty="0" smtClean="0"/>
+              <a:rPr lang="zh-CN" dirty="0"/>
               <a:t>单</a:t>
             </a:r>
             <a:r>
-              <a:rPr dirty="0" err="1" smtClean="0"/>
+              <a:rPr dirty="0" err="1"/>
               <a:t>词首字母改成大写</a:t>
             </a:r>
             <a:r>
-              <a:rPr dirty="0" smtClean="0">
+              <a:rPr dirty="0">
                 <a:sym typeface="+mn-ea"/>
               </a:rPr>
               <a:t> "</a:t>
             </a:r>
             <a:r>
-              <a:rPr lang="en-US" dirty="0" smtClean="0">
+              <a:rPr lang="en-US" dirty="0">
                 <a:sym typeface="+mn-ea"/>
               </a:rPr>
               <a:t>N</a:t>
             </a:r>
             <a:r>
-              <a:rPr dirty="0" smtClean="0">
+              <a:rPr dirty="0">
                 <a:sym typeface="+mn-ea"/>
               </a:rPr>
               <a:t>o </a:t>
             </a:r>
             <a:r>
-              <a:rPr lang="en-US" dirty="0" err="1" smtClean="0">
+              <a:rPr lang="en-US" dirty="0" err="1">
                 <a:sym typeface="+mn-ea"/>
               </a:rPr>
               <a:t>Z</a:t>
             </a:r>
             <a:r>
-              <a:rPr dirty="0" err="1" smtClean="0">
+              <a:rPr dirty="0" err="1">
                 <a:sym typeface="+mn-ea"/>
               </a:rPr>
               <a:t>uo</a:t>
             </a:r>
             <a:r>
-              <a:rPr dirty="0" smtClean="0">
+              <a:rPr dirty="0">
                 <a:sym typeface="+mn-ea"/>
               </a:rPr>
               <a:t> </a:t>
             </a:r>
             <a:r>
-              <a:rPr lang="en-US" dirty="0" smtClean="0">
+              <a:rPr lang="en-US" dirty="0">
                 <a:sym typeface="+mn-ea"/>
               </a:rPr>
               <a:t>N</a:t>
             </a:r>
             <a:r>
-              <a:rPr dirty="0" smtClean="0">
+              <a:rPr dirty="0">
                 <a:sym typeface="+mn-ea"/>
               </a:rPr>
               <a:t>o </a:t>
             </a:r>
             <a:r>
-              <a:rPr lang="en-US" dirty="0" smtClean="0">
+              <a:rPr lang="en-US" dirty="0">
                 <a:sym typeface="+mn-ea"/>
               </a:rPr>
               <a:t>D</a:t>
             </a:r>
             <a:r>
-              <a:rPr dirty="0" smtClean="0">
+              <a:rPr dirty="0">
                 <a:sym typeface="+mn-ea"/>
               </a:rPr>
               <a:t>ie"</a:t>
             </a:r>
             <a:r>
-              <a:rPr dirty="0" smtClean="0"/>
+              <a:rPr dirty="0"/>
               <a:t>。</a:t>
             </a:r>
           </a:p>
           <a:p>
             <a:r>
-              <a:rPr lang="zh-CN" dirty="0" smtClean="0"/>
+              <a:rPr lang="zh-CN" dirty="0"/>
               <a:t> 注：使用 </a:t>
             </a:r>
             <a:r>
-              <a:rPr lang="en-US" altLang="zh-CN" dirty="0" smtClean="0"/>
+              <a:rPr lang="en-US" altLang="zh-CN" dirty="0"/>
               <a:t>forEach() </a:t>
             </a:r>
             <a:r>
-              <a:rPr lang="zh-CN" altLang="en-US" dirty="0" smtClean="0"/>
+              <a:rPr lang="zh-CN" altLang="en-US" dirty="0"/>
               <a:t>遍历。</a:t>
             </a:r>
           </a:p>
@@ -20599,13 +20650,6 @@
   <p:clrMapOvr>
     <a:masterClrMapping/>
   </p:clrMapOvr>
-  <p:timing>
-    <p:tnLst>
-      <p:par>
-        <p:cTn id="1" dur="indefinite" restart="never" nodeType="tmRoot"/>
-      </p:par>
-    </p:tnLst>
-  </p:timing>
 </p:sld>
 </file>
 
@@ -20803,13 +20847,6 @@
   <p:clrMapOvr>
     <a:masterClrMapping/>
   </p:clrMapOvr>
-  <p:timing>
-    <p:tnLst>
-      <p:par>
-        <p:cTn id="1" dur="indefinite" restart="never" nodeType="tmRoot"/>
-      </p:par>
-    </p:tnLst>
-  </p:timing>
 </p:sld>
 </file>
 
@@ -21119,13 +21156,6 @@
   <p:clrMapOvr>
     <a:masterClrMapping/>
   </p:clrMapOvr>
-  <p:timing>
-    <p:tnLst>
-      <p:par>
-        <p:cTn id="1" dur="indefinite" restart="never" nodeType="tmRoot"/>
-      </p:par>
-    </p:tnLst>
-  </p:timing>
 </p:sld>
 </file>
 
@@ -21162,31 +21192,19 @@
           <a:lstStyle/>
           <a:p>
             <a:r>
-              <a:rPr lang="zh-CN" altLang="en-US" sz="3200" dirty="0" smtClean="0"/>
+              <a:rPr lang="zh-CN" altLang="en-US" sz="3200" dirty="0"/>
               <a:t> </a:t>
             </a:r>
             <a:r>
-              <a:rPr lang="zh-CN" altLang="en-US" dirty="0" smtClean="0"/>
-              <a:t>单元格</a:t>
-            </a:r>
-            <a:r>
               <a:rPr lang="zh-CN" altLang="en-US" dirty="0"/>
-              <a:t>信息</a:t>
-            </a:r>
-            <a:r>
-              <a:rPr lang="zh-CN" altLang="en-US" dirty="0" smtClean="0"/>
-              <a:t>的</a:t>
-            </a:r>
-            <a:r>
-              <a:rPr lang="zh-CN" altLang="en-US" dirty="0"/>
-              <a:t>表示</a:t>
-            </a:r>
-            <a:r>
-              <a:rPr lang="en-US" altLang="zh-CN" dirty="0" smtClean="0"/>
+              <a:t>单元格信息的表示</a:t>
+            </a:r>
+            <a:r>
+              <a:rPr lang="en-US" altLang="zh-CN" dirty="0"/>
               <a:t>----</a:t>
             </a:r>
             <a:r>
-              <a:rPr lang="zh-CN" altLang="en-US" dirty="0" smtClean="0">
+              <a:rPr lang="zh-CN" altLang="en-US" dirty="0">
                 <a:solidFill>
                   <a:srgbClr val="FF0000"/>
                 </a:solidFill>
@@ -21194,7 +21212,7 @@
               <a:t>字符串（</a:t>
             </a:r>
             <a:r>
-              <a:rPr lang="en-US" altLang="zh-CN" dirty="0" smtClean="0">
+              <a:rPr lang="en-US" altLang="zh-CN" dirty="0">
                 <a:solidFill>
                   <a:srgbClr val="FF0000"/>
                 </a:solidFill>
@@ -21202,66 +21220,66 @@
               <a:t>String</a:t>
             </a:r>
             <a:r>
-              <a:rPr lang="zh-CN" altLang="en-US" dirty="0" smtClean="0">
+              <a:rPr lang="zh-CN" altLang="en-US" dirty="0">
                 <a:solidFill>
                   <a:srgbClr val="FF0000"/>
                 </a:solidFill>
               </a:rPr>
               <a:t>）</a:t>
             </a:r>
-            <a:endParaRPr lang="en-US" altLang="zh-CN" dirty="0" smtClean="0"/>
+            <a:endParaRPr lang="en-US" altLang="zh-CN" dirty="0"/>
           </a:p>
           <a:p>
             <a:pPr lvl="1"/>
             <a:r>
-              <a:rPr lang="zh-CN" altLang="en-US" sz="2800" dirty="0" smtClean="0"/>
+              <a:rPr lang="zh-CN" altLang="en-US" sz="2800" dirty="0"/>
               <a:t> </a:t>
             </a:r>
             <a:r>
-              <a:rPr lang="zh-CN" altLang="en-US" sz="2400" dirty="0" smtClean="0"/>
+              <a:rPr lang="zh-CN" altLang="en-US" sz="2400" dirty="0"/>
               <a:t>在 </a:t>
             </a:r>
             <a:r>
-              <a:rPr lang="en-US" altLang="zh-CN" sz="2400" dirty="0" smtClean="0"/>
+              <a:rPr lang="en-US" altLang="zh-CN" sz="2400" dirty="0"/>
               <a:t>JavaScript </a:t>
             </a:r>
             <a:r>
-              <a:rPr lang="zh-CN" altLang="en-US" sz="2400" dirty="0" smtClean="0"/>
+              <a:rPr lang="zh-CN" altLang="en-US" sz="2400" dirty="0"/>
               <a:t>中，可以使用 </a:t>
             </a:r>
             <a:r>
-              <a:rPr lang="en-US" altLang="zh-CN" sz="2400" dirty="0" smtClean="0"/>
+              <a:rPr lang="en-US" altLang="zh-CN" sz="2400" dirty="0"/>
               <a:t>String </a:t>
             </a:r>
             <a:r>
-              <a:rPr lang="zh-CN" altLang="en-US" sz="2400" dirty="0" smtClean="0"/>
+              <a:rPr lang="zh-CN" altLang="en-US" sz="2400" dirty="0"/>
               <a:t>类型存储字符</a:t>
             </a:r>
-            <a:endParaRPr lang="en-US" altLang="zh-CN" sz="2400" dirty="0" smtClean="0"/>
+            <a:endParaRPr lang="en-US" altLang="zh-CN" sz="2400" dirty="0"/>
           </a:p>
           <a:p>
             <a:pPr lvl="1"/>
             <a:r>
-              <a:rPr lang="zh-CN" altLang="en-US" sz="2400" dirty="0" smtClean="0"/>
+              <a:rPr lang="zh-CN" altLang="en-US" sz="2400" dirty="0"/>
               <a:t> 字符串中每个字符都有特定的位置，首字符从位置 </a:t>
             </a:r>
             <a:r>
-              <a:rPr lang="en-US" altLang="zh-CN" sz="2400" dirty="0" smtClean="0"/>
+              <a:rPr lang="en-US" altLang="zh-CN" sz="2400" dirty="0"/>
               <a:t>0 </a:t>
             </a:r>
             <a:r>
-              <a:rPr lang="zh-CN" altLang="en-US" sz="2400" dirty="0" smtClean="0"/>
+              <a:rPr lang="zh-CN" altLang="en-US" sz="2400" dirty="0"/>
               <a:t>开始</a:t>
             </a:r>
-            <a:endParaRPr lang="en-US" altLang="zh-CN" sz="2400" dirty="0" smtClean="0"/>
+            <a:endParaRPr lang="en-US" altLang="zh-CN" sz="2400" dirty="0"/>
           </a:p>
           <a:p>
             <a:pPr lvl="1"/>
             <a:r>
-              <a:rPr lang="zh-CN" altLang="en-US" sz="2400" dirty="0" smtClean="0"/>
+              <a:rPr lang="zh-CN" altLang="en-US" sz="2400" dirty="0"/>
               <a:t> 字符串变量是由双引号或单引号来声明</a:t>
             </a:r>
-            <a:endParaRPr lang="en-US" altLang="zh-CN" sz="2400" dirty="0" smtClean="0"/>
+            <a:endParaRPr lang="en-US" altLang="zh-CN" sz="2400" dirty="0"/>
           </a:p>
           <a:p>
             <a:pPr marL="584200" lvl="3" indent="0" algn="ctr">
@@ -21269,16 +21287,12 @@
             </a:pPr>
             <a:r>
               <a:rPr lang="en-US" altLang="zh-CN" sz="2400" dirty="0"/>
-              <a:t>	</a:t>
-            </a:r>
-            <a:r>
-              <a:rPr lang="en-US" altLang="zh-CN" sz="2400" dirty="0" smtClean="0"/>
-              <a:t>	</a:t>
-            </a:r>
-            <a:endParaRPr lang="en-US" altLang="zh-CN" sz="2800" dirty="0" smtClean="0"/>
-          </a:p>
-          <a:p>
-            <a:endParaRPr lang="en-US" altLang="zh-CN" dirty="0" smtClean="0"/>
+              <a:t>		</a:t>
+            </a:r>
+            <a:endParaRPr lang="en-US" altLang="zh-CN" sz="2800" dirty="0"/>
+          </a:p>
+          <a:p>
+            <a:endParaRPr lang="en-US" altLang="zh-CN" dirty="0"/>
           </a:p>
           <a:p>
             <a:pPr lvl="1"/>
@@ -21302,10 +21316,9 @@
           <a:lstStyle/>
           <a:p>
             <a:r>
-              <a:rPr lang="zh-CN" altLang="en-US" dirty="0" smtClean="0"/>
+              <a:rPr lang="zh-CN" altLang="en-US" dirty="0"/>
               <a:t>字符串</a:t>
             </a:r>
-            <a:endParaRPr lang="zh-CN" altLang="en-US" dirty="0"/>
           </a:p>
         </p:txBody>
       </p:sp>
@@ -21403,13 +21416,6 @@
   <p:clrMapOvr>
     <a:masterClrMapping/>
   </p:clrMapOvr>
-  <p:timing>
-    <p:tnLst>
-      <p:par>
-        <p:cTn id="1" dur="indefinite" restart="never" nodeType="tmRoot"/>
-      </p:par>
-    </p:tnLst>
-  </p:timing>
 </p:sld>
 </file>
 
@@ -21451,19 +21457,19 @@
           <a:lstStyle/>
           <a:p>
             <a:r>
-              <a:rPr lang="zh-CN" altLang="en-US" dirty="0" smtClean="0"/>
+              <a:rPr lang="zh-CN" altLang="en-US" dirty="0"/>
               <a:t> 获得字符串的长度</a:t>
             </a:r>
-            <a:endParaRPr lang="en-US" altLang="zh-CN" dirty="0" smtClean="0"/>
+            <a:endParaRPr lang="en-US" altLang="zh-CN" dirty="0"/>
           </a:p>
           <a:p>
             <a:pPr lvl="1"/>
             <a:r>
-              <a:rPr lang="zh-CN" altLang="en-US" sz="2400" dirty="0" smtClean="0"/>
+              <a:rPr lang="zh-CN" altLang="en-US" sz="2400" dirty="0"/>
               <a:t> 通过字符串变量的</a:t>
             </a:r>
             <a:r>
-              <a:rPr lang="zh-CN" altLang="en-US" sz="2400" dirty="0" smtClean="0">
+              <a:rPr lang="zh-CN" altLang="en-US" sz="2400" dirty="0">
                 <a:solidFill>
                   <a:srgbClr val="C00000"/>
                 </a:solidFill>
@@ -21471,7 +21477,7 @@
               <a:t> </a:t>
             </a:r>
             <a:r>
-              <a:rPr lang="en-US" altLang="zh-CN" sz="2400" dirty="0" smtClean="0">
+              <a:rPr lang="en-US" altLang="zh-CN" sz="2400" dirty="0">
                 <a:solidFill>
                   <a:srgbClr val="C00000"/>
                 </a:solidFill>
@@ -21479,39 +21485,39 @@
               <a:t>length </a:t>
             </a:r>
             <a:r>
-              <a:rPr lang="zh-CN" altLang="en-US" sz="2400" dirty="0" smtClean="0"/>
+              <a:rPr lang="zh-CN" altLang="en-US" sz="2400" dirty="0"/>
               <a:t>属性获得</a:t>
             </a:r>
           </a:p>
           <a:p>
             <a:pPr lvl="1"/>
             <a:r>
-              <a:rPr lang="zh-CN" altLang="en-US" sz="2400" dirty="0" smtClean="0"/>
+              <a:rPr lang="zh-CN" altLang="en-US" sz="2400" dirty="0"/>
               <a:t> </a:t>
             </a:r>
             <a:r>
-              <a:rPr lang="en-US" altLang="zh-CN" sz="2400" dirty="0" smtClean="0"/>
+              <a:rPr lang="en-US" altLang="zh-CN" sz="2400" dirty="0"/>
               <a:t>str</a:t>
             </a:r>
             <a:r>
-              <a:rPr lang="en-US" altLang="zh-CN" sz="2400" b="1" dirty="0" smtClean="0"/>
+              <a:rPr lang="en-US" altLang="zh-CN" sz="2400" b="1" dirty="0"/>
               <a:t>.</a:t>
             </a:r>
             <a:r>
-              <a:rPr lang="en-US" altLang="zh-CN" sz="2400" dirty="0" smtClean="0"/>
+              <a:rPr lang="en-US" altLang="zh-CN" sz="2400" dirty="0"/>
               <a:t>length</a:t>
             </a:r>
           </a:p>
           <a:p>
             <a:pPr lvl="0"/>
             <a:r>
-              <a:rPr lang="zh-CN" altLang="en-US" dirty="0" smtClean="0">
+              <a:rPr lang="zh-CN" altLang="en-US" dirty="0">
                 <a:sym typeface="+mn-ea"/>
               </a:rPr>
               <a:t> 获得指定位置的</a:t>
             </a:r>
             <a:r>
-              <a:rPr lang="zh-CN" altLang="en-US" dirty="0" smtClean="0">
+              <a:rPr lang="zh-CN" altLang="en-US" dirty="0">
                 <a:solidFill>
                   <a:srgbClr val="FF0000"/>
                 </a:solidFill>
@@ -21519,18 +21525,18 @@
               </a:rPr>
               <a:t>字符</a:t>
             </a:r>
-            <a:endParaRPr lang="en-US" altLang="zh-CN" sz="3355" dirty="0" smtClean="0"/>
+            <a:endParaRPr lang="en-US" altLang="zh-CN" sz="3355" dirty="0"/>
           </a:p>
           <a:p>
             <a:pPr lvl="1"/>
             <a:r>
-              <a:rPr lang="zh-CN" altLang="en-US" sz="2400" dirty="0" smtClean="0">
+              <a:rPr lang="zh-CN" altLang="en-US" sz="2400" dirty="0">
                 <a:sym typeface="+mn-ea"/>
               </a:rPr>
               <a:t> 通过字符串变量的</a:t>
             </a:r>
             <a:r>
-              <a:rPr lang="zh-CN" altLang="en-US" sz="2400" dirty="0" smtClean="0">
+              <a:rPr lang="zh-CN" altLang="en-US" sz="2400" dirty="0">
                 <a:solidFill>
                   <a:srgbClr val="C00000"/>
                 </a:solidFill>
@@ -21539,7 +21545,7 @@
               <a:t> </a:t>
             </a:r>
             <a:r>
-              <a:rPr lang="en-US" altLang="zh-CN" sz="2400" dirty="0" err="1" smtClean="0">
+              <a:rPr lang="en-US" altLang="zh-CN" sz="2400" dirty="0" err="1">
                 <a:solidFill>
                   <a:srgbClr val="C00000"/>
                 </a:solidFill>
@@ -21548,7 +21554,7 @@
               <a:t>charAt</a:t>
             </a:r>
             <a:r>
-              <a:rPr lang="en-US" altLang="zh-CN" sz="2400" dirty="0" smtClean="0">
+              <a:rPr lang="en-US" altLang="zh-CN" sz="2400" dirty="0">
                 <a:solidFill>
                   <a:srgbClr val="C00000"/>
                 </a:solidFill>
@@ -21557,7 +21563,7 @@
               <a:t>(n)</a:t>
             </a:r>
             <a:r>
-              <a:rPr lang="en-US" altLang="zh-CN" sz="2400" dirty="0" smtClean="0">
+              <a:rPr lang="en-US" altLang="zh-CN" sz="2400" dirty="0">
                 <a:solidFill>
                   <a:srgbClr val="FF0000"/>
                 </a:solidFill>
@@ -21566,34 +21572,34 @@
               <a:t> </a:t>
             </a:r>
             <a:r>
-              <a:rPr lang="zh-CN" altLang="en-US" sz="2400" dirty="0" smtClean="0">
+              <a:rPr lang="zh-CN" altLang="en-US" sz="2400" dirty="0">
                 <a:sym typeface="+mn-ea"/>
               </a:rPr>
               <a:t>方法获得</a:t>
             </a:r>
-            <a:endParaRPr lang="zh-CN" altLang="en-US" sz="2400" dirty="0" smtClean="0"/>
+            <a:endParaRPr lang="zh-CN" altLang="en-US" sz="2400" dirty="0"/>
           </a:p>
           <a:p>
             <a:pPr lvl="1"/>
             <a:r>
-              <a:rPr lang="zh-CN" altLang="en-US" sz="2400" dirty="0" smtClean="0">
+              <a:rPr lang="zh-CN" altLang="en-US" sz="2400" dirty="0">
                 <a:sym typeface="+mn-ea"/>
               </a:rPr>
               <a:t> </a:t>
             </a:r>
             <a:r>
-              <a:rPr lang="en-US" altLang="zh-CN" sz="2400" dirty="0" smtClean="0">
+              <a:rPr lang="en-US" altLang="zh-CN" sz="2400" dirty="0">
                 <a:sym typeface="+mn-ea"/>
               </a:rPr>
               <a:t>str.charAt(n)</a:t>
             </a:r>
-            <a:endParaRPr lang="en-US" altLang="zh-CN" sz="2400" dirty="0" smtClean="0"/>
+            <a:endParaRPr lang="en-US" altLang="zh-CN" sz="2400" dirty="0"/>
           </a:p>
           <a:p>
             <a:pPr marL="168275" lvl="1" indent="0">
               <a:buNone/>
             </a:pPr>
-            <a:endParaRPr lang="en-US" altLang="zh-CN" sz="3360" dirty="0" smtClean="0"/>
+            <a:endParaRPr lang="en-US" altLang="zh-CN" sz="3360" dirty="0"/>
           </a:p>
           <a:p>
             <a:pPr marL="0" indent="0">
@@ -21619,10 +21625,9 @@
           <a:lstStyle/>
           <a:p>
             <a:r>
-              <a:rPr lang="zh-CN" altLang="en-US" dirty="0" smtClean="0"/>
+              <a:rPr lang="zh-CN" altLang="en-US" dirty="0"/>
               <a:t>字符串属性</a:t>
             </a:r>
-            <a:endParaRPr lang="zh-CN" altLang="en-US" dirty="0"/>
           </a:p>
         </p:txBody>
       </p:sp>
@@ -21649,16 +21654,12 @@
           <a:lstStyle/>
           <a:p>
             <a:r>
-              <a:rPr lang="en-US" altLang="zh-CN" sz="2800" dirty="0" smtClean="0">
+              <a:rPr lang="en-US" altLang="zh-CN" sz="2800" dirty="0">
                 <a:latin typeface="Arial" panose="020B0604020202020204" pitchFamily="34" charset="0"/>
                 <a:ea typeface="微软雅黑" panose="020B0503020204020204" pitchFamily="34" charset="-122"/>
               </a:rPr>
               <a:t>demo4-1.html</a:t>
             </a:r>
-            <a:endParaRPr lang="en-US" altLang="zh-CN" sz="2800" dirty="0">
-              <a:latin typeface="Arial" panose="020B0604020202020204" pitchFamily="34" charset="0"/>
-              <a:ea typeface="微软雅黑" panose="020B0503020204020204" pitchFamily="34" charset="-122"/>
-            </a:endParaRPr>
           </a:p>
         </p:txBody>
       </p:sp>
@@ -21975,7 +21976,7 @@
           <a:lstStyle/>
           <a:p>
             <a:r>
-              <a:rPr lang="zh-CN" altLang="en-US" dirty="0" smtClean="0"/>
+              <a:rPr lang="zh-CN" altLang="en-US" dirty="0"/>
               <a:t> </a:t>
             </a:r>
             <a:r>
@@ -21993,12 +21994,12 @@
               </a:rPr>
               <a:t>位置</a:t>
             </a:r>
-            <a:endParaRPr lang="en-US" altLang="zh-CN" sz="2800" dirty="0" smtClean="0"/>
+            <a:endParaRPr lang="en-US" altLang="zh-CN" sz="2800" dirty="0"/>
           </a:p>
           <a:p>
             <a:pPr lvl="1"/>
             <a:r>
-              <a:rPr lang="en-US" altLang="zh-CN" sz="2400" dirty="0" smtClean="0">
+              <a:rPr lang="en-US" altLang="zh-CN" sz="2400" dirty="0">
                 <a:solidFill>
                   <a:srgbClr val="FF0000"/>
                 </a:solidFill>
@@ -22007,7 +22008,7 @@
               <a:t> </a:t>
             </a:r>
             <a:r>
-              <a:rPr lang="en-US" altLang="zh-CN" sz="2400" dirty="0" err="1" smtClean="0">
+              <a:rPr lang="en-US" altLang="zh-CN" sz="2400" dirty="0" err="1">
                 <a:solidFill>
                   <a:srgbClr val="C00000"/>
                 </a:solidFill>
@@ -22016,7 +22017,7 @@
               <a:t>indexOf</a:t>
             </a:r>
             <a:r>
-              <a:rPr lang="en-US" altLang="zh-CN" sz="2400" dirty="0" smtClean="0">
+              <a:rPr lang="en-US" altLang="zh-CN" sz="2400" dirty="0">
                 <a:solidFill>
                   <a:srgbClr val="C00000"/>
                 </a:solidFill>
@@ -22025,7 +22026,7 @@
               <a:t>() </a:t>
             </a:r>
             <a:r>
-              <a:rPr lang="zh-CN" altLang="en-US" sz="2400" dirty="0" smtClean="0">
+              <a:rPr lang="zh-CN" altLang="en-US" sz="2400" dirty="0">
                 <a:sym typeface="+mn-ea"/>
               </a:rPr>
               <a:t>方法</a:t>
@@ -22034,19 +22035,19 @@
           <a:p>
             <a:pPr lvl="1"/>
             <a:r>
-              <a:rPr lang="zh-CN" altLang="en-US" sz="2400" dirty="0" smtClean="0">
+              <a:rPr lang="zh-CN" altLang="en-US" sz="2400" dirty="0">
                 <a:sym typeface="+mn-ea"/>
               </a:rPr>
               <a:t> 返回值为首次出现的位置下标，下标从 </a:t>
             </a:r>
             <a:r>
-              <a:rPr lang="en-US" altLang="zh-CN" sz="2400" dirty="0" smtClean="0">
+              <a:rPr lang="en-US" altLang="zh-CN" sz="2400" dirty="0">
                 <a:sym typeface="+mn-ea"/>
               </a:rPr>
               <a:t>0 </a:t>
             </a:r>
             <a:r>
-              <a:rPr lang="zh-CN" altLang="en-US" sz="2400" dirty="0" smtClean="0">
+              <a:rPr lang="zh-CN" altLang="en-US" sz="2400" dirty="0">
                 <a:sym typeface="+mn-ea"/>
               </a:rPr>
               <a:t>开始</a:t>
@@ -22055,15 +22056,15 @@
           <a:p>
             <a:pPr lvl="1"/>
             <a:r>
-              <a:rPr lang="zh-CN" altLang="en-US" sz="2400" dirty="0" smtClean="0">
+              <a:rPr lang="zh-CN" altLang="en-US" sz="2400" dirty="0">
                 <a:sym typeface="+mn-ea"/>
               </a:rPr>
               <a:t> 若检索的字符串值没有出现，则返回 -1</a:t>
             </a:r>
-            <a:endParaRPr lang="zh-CN" altLang="en-US" sz="2400" dirty="0" smtClean="0"/>
-          </a:p>
-          <a:p>
-            <a:endParaRPr lang="en-US" altLang="zh-CN" sz="2400" dirty="0" smtClean="0">
+            <a:endParaRPr lang="zh-CN" altLang="en-US" sz="2400" dirty="0"/>
+          </a:p>
+          <a:p>
+            <a:endParaRPr lang="en-US" altLang="zh-CN" sz="2400" dirty="0">
               <a:solidFill>
                 <a:srgbClr val="C00000"/>
               </a:solidFill>
@@ -22087,10 +22088,9 @@
           <a:lstStyle/>
           <a:p>
             <a:r>
-              <a:rPr lang="zh-CN" altLang="en-US" dirty="0" smtClean="0"/>
+              <a:rPr lang="zh-CN" altLang="en-US" dirty="0"/>
               <a:t>字符串方法</a:t>
             </a:r>
-            <a:endParaRPr lang="zh-CN" altLang="en-US" dirty="0"/>
           </a:p>
         </p:txBody>
       </p:sp>
@@ -22117,16 +22117,12 @@
           <a:lstStyle/>
           <a:p>
             <a:r>
-              <a:rPr lang="en-US" altLang="zh-CN" sz="2800" dirty="0" smtClean="0">
+              <a:rPr lang="en-US" altLang="zh-CN" sz="2800" dirty="0">
                 <a:latin typeface="Arial" panose="020B0604020202020204" pitchFamily="34" charset="0"/>
                 <a:ea typeface="微软雅黑" panose="020B0503020204020204" pitchFamily="34" charset="-122"/>
               </a:rPr>
               <a:t>demo4-2.html</a:t>
             </a:r>
-            <a:endParaRPr lang="en-US" altLang="zh-CN" sz="2800" dirty="0">
-              <a:latin typeface="Arial" panose="020B0604020202020204" pitchFamily="34" charset="0"/>
-              <a:ea typeface="微软雅黑" panose="020B0503020204020204" pitchFamily="34" charset="-122"/>
-            </a:endParaRPr>
           </a:p>
         </p:txBody>
       </p:sp>
@@ -22135,13 +22131,6 @@
   <p:clrMapOvr>
     <a:masterClrMapping/>
   </p:clrMapOvr>
-  <p:timing>
-    <p:tnLst>
-      <p:par>
-        <p:cTn id="1" dur="indefinite" restart="never" nodeType="tmRoot"/>
-      </p:par>
-    </p:tnLst>
-  </p:timing>
 </p:sld>
 </file>
 
@@ -22183,11 +22172,11 @@
           <a:lstStyle/>
           <a:p>
             <a:r>
-              <a:rPr lang="zh-CN" altLang="en-US" dirty="0" smtClean="0"/>
+              <a:rPr lang="zh-CN" altLang="en-US" dirty="0"/>
               <a:t> 根据位置</a:t>
             </a:r>
             <a:r>
-              <a:rPr lang="zh-CN" altLang="en-US" dirty="0" smtClean="0">
+              <a:rPr lang="zh-CN" altLang="en-US" dirty="0">
                 <a:solidFill>
                   <a:srgbClr val="FF0000"/>
                 </a:solidFill>
@@ -22195,19 +22184,19 @@
               <a:t>提取</a:t>
             </a:r>
             <a:r>
-              <a:rPr lang="zh-CN" altLang="en-US" dirty="0" smtClean="0"/>
+              <a:rPr lang="zh-CN" altLang="en-US" dirty="0"/>
               <a:t>一段子串</a:t>
             </a:r>
-            <a:endParaRPr lang="en-US" altLang="zh-CN" dirty="0" smtClean="0"/>
+            <a:endParaRPr lang="en-US" altLang="zh-CN" dirty="0"/>
           </a:p>
           <a:p>
             <a:pPr lvl="1"/>
             <a:r>
-              <a:rPr lang="zh-CN" altLang="en-US" sz="2400" dirty="0" smtClean="0"/>
+              <a:rPr lang="zh-CN" altLang="en-US" sz="2400" dirty="0"/>
               <a:t> 通过字符串变量的</a:t>
             </a:r>
             <a:r>
-              <a:rPr lang="zh-CN" altLang="en-US" sz="2400" dirty="0" smtClean="0">
+              <a:rPr lang="zh-CN" altLang="en-US" sz="2400" dirty="0">
                 <a:solidFill>
                   <a:srgbClr val="C00000"/>
                 </a:solidFill>
@@ -22215,7 +22204,7 @@
               <a:t> </a:t>
             </a:r>
             <a:r>
-              <a:rPr lang="en-US" altLang="zh-CN" sz="2400" dirty="0" smtClean="0">
+              <a:rPr lang="en-US" altLang="zh-CN" sz="2400" dirty="0">
                 <a:solidFill>
                   <a:srgbClr val="C00000"/>
                 </a:solidFill>
@@ -22223,7 +22212,7 @@
               <a:t>slice(start,end)</a:t>
             </a:r>
             <a:r>
-              <a:rPr lang="en-US" altLang="zh-CN" sz="2400" dirty="0" smtClean="0">
+              <a:rPr lang="en-US" altLang="zh-CN" sz="2400" dirty="0">
                 <a:solidFill>
                   <a:srgbClr val="FF0000"/>
                 </a:solidFill>
@@ -22231,40 +22220,40 @@
               <a:t> </a:t>
             </a:r>
             <a:r>
-              <a:rPr lang="zh-CN" altLang="en-US" sz="2400" dirty="0" smtClean="0"/>
+              <a:rPr lang="zh-CN" altLang="en-US" sz="2400" dirty="0"/>
               <a:t>方法</a:t>
             </a:r>
           </a:p>
           <a:p>
             <a:pPr lvl="1"/>
-            <a:endParaRPr lang="zh-CN" altLang="en-US" sz="2400" dirty="0" smtClean="0"/>
+            <a:endParaRPr lang="zh-CN" altLang="en-US" sz="2400" dirty="0"/>
           </a:p>
           <a:p>
             <a:pPr lvl="1"/>
-            <a:endParaRPr lang="zh-CN" altLang="en-US" sz="2400" dirty="0" smtClean="0"/>
+            <a:endParaRPr lang="zh-CN" altLang="en-US" sz="2400" dirty="0"/>
           </a:p>
           <a:p>
             <a:pPr lvl="1"/>
-            <a:endParaRPr lang="zh-CN" altLang="en-US" sz="2400" dirty="0" smtClean="0"/>
+            <a:endParaRPr lang="zh-CN" altLang="en-US" sz="2400" dirty="0"/>
           </a:p>
           <a:p>
             <a:pPr lvl="1"/>
-            <a:endParaRPr lang="zh-CN" altLang="en-US" sz="2400" dirty="0" smtClean="0"/>
+            <a:endParaRPr lang="zh-CN" altLang="en-US" sz="2400" dirty="0"/>
           </a:p>
           <a:p>
             <a:pPr lvl="1"/>
             <a:r>
-              <a:rPr lang="zh-CN" altLang="en-US" sz="2400" dirty="0" smtClean="0"/>
+              <a:rPr lang="zh-CN" altLang="en-US" sz="2400" dirty="0"/>
               <a:t> 返回值为包含</a:t>
             </a:r>
             <a:r>
-              <a:rPr lang="zh-CN" altLang="en-US" sz="2400" dirty="0" smtClean="0">
+              <a:rPr lang="zh-CN" altLang="en-US" sz="2400" dirty="0">
                 <a:sym typeface="+mn-ea"/>
               </a:rPr>
               <a:t>提取部分的</a:t>
             </a:r>
             <a:r>
-              <a:rPr lang="zh-CN" altLang="en-US" sz="2400" dirty="0" smtClean="0"/>
+              <a:rPr lang="zh-CN" altLang="en-US" sz="2400" dirty="0"/>
               <a:t>新的字符串。</a:t>
             </a:r>
           </a:p>
@@ -22272,7 +22261,7 @@
             <a:pPr marL="168275" lvl="1" indent="0">
               <a:buNone/>
             </a:pPr>
-            <a:endParaRPr lang="en-US" altLang="zh-CN" sz="2400" dirty="0" smtClean="0">
+            <a:endParaRPr lang="en-US" altLang="zh-CN" sz="2400" dirty="0">
               <a:solidFill>
                 <a:srgbClr val="C00000"/>
               </a:solidFill>
@@ -22282,7 +22271,7 @@
             <a:pPr marL="0" indent="0">
               <a:buNone/>
             </a:pPr>
-            <a:endParaRPr lang="en-US" altLang="zh-CN" sz="2400" dirty="0" smtClean="0">
+            <a:endParaRPr lang="en-US" altLang="zh-CN" sz="2400" dirty="0">
               <a:solidFill>
                 <a:srgbClr val="C00000"/>
               </a:solidFill>
@@ -22306,10 +22295,9 @@
           <a:lstStyle/>
           <a:p>
             <a:r>
-              <a:rPr lang="zh-CN" altLang="en-US" dirty="0" smtClean="0"/>
+              <a:rPr lang="zh-CN" altLang="en-US" dirty="0"/>
               <a:t>字符串方法</a:t>
             </a:r>
-            <a:endParaRPr lang="zh-CN" altLang="en-US" dirty="0"/>
           </a:p>
         </p:txBody>
       </p:sp>
@@ -22336,16 +22324,12 @@
           <a:lstStyle/>
           <a:p>
             <a:r>
-              <a:rPr lang="en-US" altLang="zh-CN" sz="2800" dirty="0" smtClean="0">
+              <a:rPr lang="en-US" altLang="zh-CN" sz="2800" dirty="0">
                 <a:latin typeface="Arial" panose="020B0604020202020204" pitchFamily="34" charset="0"/>
                 <a:ea typeface="微软雅黑" panose="020B0503020204020204" pitchFamily="34" charset="-122"/>
               </a:rPr>
               <a:t>demo4-3.html</a:t>
             </a:r>
-            <a:endParaRPr lang="en-US" altLang="zh-CN" sz="2800" dirty="0">
-              <a:latin typeface="Arial" panose="020B0604020202020204" pitchFamily="34" charset="0"/>
-              <a:ea typeface="微软雅黑" panose="020B0503020204020204" pitchFamily="34" charset="-122"/>
-            </a:endParaRPr>
           </a:p>
         </p:txBody>
       </p:sp>
@@ -22625,43 +22609,43 @@
           <a:lstStyle/>
           <a:p>
             <a:r>
-              <a:rPr lang="zh-CN" altLang="en-US" sz="3200" dirty="0" smtClean="0"/>
+              <a:rPr lang="zh-CN" altLang="en-US" sz="3200" dirty="0"/>
               <a:t> </a:t>
             </a:r>
             <a:r>
-              <a:rPr lang="zh-CN" altLang="en-US" dirty="0" smtClean="0"/>
+              <a:rPr lang="zh-CN" altLang="en-US" dirty="0"/>
               <a:t>实现文本缩略</a:t>
             </a:r>
-            <a:endParaRPr lang="en-US" altLang="zh-CN" dirty="0" smtClean="0"/>
+            <a:endParaRPr lang="en-US" altLang="zh-CN" dirty="0"/>
           </a:p>
           <a:p>
             <a:pPr lvl="1"/>
             <a:r>
-              <a:rPr lang="zh-CN" altLang="en-US" sz="2400" dirty="0" smtClean="0"/>
+              <a:rPr lang="zh-CN" altLang="en-US" sz="2400" dirty="0"/>
               <a:t> 求出字符串长度  </a:t>
             </a:r>
             <a:r>
-              <a:rPr lang="en-US" altLang="zh-CN" sz="2400" dirty="0" err="1" smtClean="0"/>
+              <a:rPr lang="en-US" altLang="zh-CN" sz="2400" dirty="0" err="1"/>
               <a:t>var</a:t>
             </a:r>
             <a:r>
-              <a:rPr lang="en-US" altLang="zh-CN" sz="2400" dirty="0" smtClean="0"/>
+              <a:rPr lang="en-US" altLang="zh-CN" sz="2400" dirty="0"/>
               <a:t> </a:t>
             </a:r>
             <a:r>
-              <a:rPr lang="en-US" altLang="zh-CN" sz="2400" dirty="0" err="1" smtClean="0"/>
+              <a:rPr lang="en-US" altLang="zh-CN" sz="2400" dirty="0" err="1"/>
               <a:t>len</a:t>
             </a:r>
             <a:r>
-              <a:rPr lang="en-US" altLang="zh-CN" sz="2400" dirty="0" smtClean="0"/>
+              <a:rPr lang="en-US" altLang="zh-CN" sz="2400" dirty="0"/>
               <a:t> = </a:t>
             </a:r>
             <a:r>
-              <a:rPr lang="en-US" altLang="zh-CN" sz="2400" dirty="0" err="1" smtClean="0"/>
+              <a:rPr lang="en-US" altLang="zh-CN" sz="2400" dirty="0" err="1"/>
               <a:t>text</a:t>
             </a:r>
             <a:r>
-              <a:rPr lang="en-US" altLang="zh-CN" sz="2400" dirty="0" err="1" smtClean="0">
+              <a:rPr lang="en-US" altLang="zh-CN" sz="2400" dirty="0" err="1">
                 <a:solidFill>
                   <a:srgbClr val="C00000"/>
                 </a:solidFill>
@@ -22669,62 +22653,62 @@
               <a:t>.length</a:t>
             </a:r>
             <a:r>
-              <a:rPr lang="en-US" altLang="zh-CN" sz="2400" dirty="0" smtClean="0"/>
+              <a:rPr lang="en-US" altLang="zh-CN" sz="2400" dirty="0"/>
               <a:t>;</a:t>
             </a:r>
           </a:p>
           <a:p>
             <a:pPr lvl="1"/>
             <a:r>
-              <a:rPr lang="zh-CN" altLang="en-US" sz="2400" dirty="0" smtClean="0"/>
+              <a:rPr lang="zh-CN" altLang="en-US" sz="2400" dirty="0"/>
               <a:t> 比较帖子长度与 </a:t>
             </a:r>
             <a:r>
-              <a:rPr lang="en-US" altLang="zh-CN" sz="2400" dirty="0" smtClean="0"/>
+              <a:rPr lang="en-US" altLang="zh-CN" sz="2400" dirty="0"/>
               <a:t>5 </a:t>
             </a:r>
             <a:r>
-              <a:rPr lang="zh-CN" altLang="en-US" sz="2400" dirty="0" smtClean="0"/>
+              <a:rPr lang="zh-CN" altLang="en-US" sz="2400" dirty="0"/>
               <a:t>的关系</a:t>
             </a:r>
-            <a:endParaRPr lang="en-US" altLang="zh-CN" sz="2400" dirty="0" smtClean="0"/>
+            <a:endParaRPr lang="en-US" altLang="zh-CN" sz="2400" dirty="0"/>
           </a:p>
           <a:p>
             <a:pPr lvl="1"/>
             <a:r>
-              <a:rPr lang="zh-CN" altLang="en-US" sz="2400" dirty="0" smtClean="0"/>
+              <a:rPr lang="zh-CN" altLang="en-US" sz="2400" dirty="0"/>
               <a:t> 截取前 </a:t>
             </a:r>
             <a:r>
-              <a:rPr lang="en-US" altLang="zh-CN" sz="2400" dirty="0" smtClean="0"/>
+              <a:rPr lang="en-US" altLang="zh-CN" sz="2400" dirty="0"/>
               <a:t>5 </a:t>
             </a:r>
             <a:r>
-              <a:rPr lang="zh-CN" altLang="en-US" sz="2400" dirty="0" smtClean="0"/>
+              <a:rPr lang="zh-CN" altLang="en-US" sz="2400" dirty="0"/>
               <a:t>个字符  </a:t>
             </a:r>
             <a:r>
-              <a:rPr lang="en-US" altLang="zh-CN" sz="2400" dirty="0" err="1" smtClean="0"/>
+              <a:rPr lang="en-US" altLang="zh-CN" sz="2400" dirty="0" err="1"/>
               <a:t>var</a:t>
             </a:r>
             <a:r>
-              <a:rPr lang="en-US" altLang="zh-CN" sz="2400" dirty="0" smtClean="0"/>
+              <a:rPr lang="en-US" altLang="zh-CN" sz="2400" dirty="0"/>
               <a:t> </a:t>
             </a:r>
             <a:r>
-              <a:rPr lang="en-US" altLang="zh-CN" sz="2400" dirty="0" err="1" smtClean="0"/>
+              <a:rPr lang="en-US" altLang="zh-CN" sz="2400" dirty="0" err="1"/>
               <a:t>newText</a:t>
             </a:r>
             <a:r>
-              <a:rPr lang="en-US" altLang="zh-CN" sz="2400" dirty="0" smtClean="0"/>
+              <a:rPr lang="en-US" altLang="zh-CN" sz="2400" dirty="0"/>
               <a:t> = </a:t>
             </a:r>
             <a:r>
-              <a:rPr lang="en-US" altLang="zh-CN" sz="2400" dirty="0" err="1" smtClean="0"/>
+              <a:rPr lang="en-US" altLang="zh-CN" sz="2400" dirty="0" err="1"/>
               <a:t>text.</a:t>
             </a:r>
             <a:r>
-              <a:rPr lang="en-US" altLang="zh-CN" sz="2400" dirty="0" err="1" smtClean="0">
+              <a:rPr lang="en-US" altLang="zh-CN" sz="2400" dirty="0" err="1">
                 <a:solidFill>
                   <a:srgbClr val="C00000"/>
                 </a:solidFill>
@@ -22732,7 +22716,7 @@
               <a:t>slice</a:t>
             </a:r>
             <a:r>
-              <a:rPr lang="en-US" altLang="zh-CN" sz="2400" dirty="0" smtClean="0">
+              <a:rPr lang="en-US" altLang="zh-CN" sz="2400" dirty="0">
                 <a:solidFill>
                   <a:srgbClr val="C00000"/>
                 </a:solidFill>
@@ -22740,34 +22724,34 @@
               <a:t>(0, 5)</a:t>
             </a:r>
             <a:r>
-              <a:rPr lang="en-US" altLang="zh-CN" sz="2400" dirty="0" smtClean="0"/>
+              <a:rPr lang="en-US" altLang="zh-CN" sz="2400" dirty="0"/>
               <a:t>;</a:t>
             </a:r>
           </a:p>
           <a:p>
             <a:pPr lvl="1"/>
             <a:r>
-              <a:rPr lang="zh-CN" altLang="en-US" sz="2400" dirty="0" smtClean="0"/>
+              <a:rPr lang="zh-CN" altLang="en-US" sz="2400" dirty="0"/>
               <a:t> 加上“</a:t>
             </a:r>
             <a:r>
-              <a:rPr lang="en-US" altLang="zh-CN" sz="2400" dirty="0" smtClean="0"/>
+              <a:rPr lang="en-US" altLang="zh-CN" sz="2400" dirty="0"/>
               <a:t>……</a:t>
             </a:r>
             <a:r>
-              <a:rPr lang="zh-CN" altLang="en-US" sz="2400" dirty="0" smtClean="0"/>
+              <a:rPr lang="zh-CN" altLang="en-US" sz="2400" dirty="0"/>
               <a:t>”符号  </a:t>
             </a:r>
             <a:r>
-              <a:rPr lang="en-US" altLang="zh-CN" sz="2400" dirty="0" err="1" smtClean="0"/>
+              <a:rPr lang="en-US" altLang="zh-CN" sz="2400" dirty="0" err="1"/>
               <a:t>newText</a:t>
             </a:r>
             <a:r>
-              <a:rPr lang="en-US" altLang="zh-CN" sz="2400" dirty="0" smtClean="0"/>
+              <a:rPr lang="en-US" altLang="zh-CN" sz="2400" dirty="0"/>
               <a:t> </a:t>
             </a:r>
             <a:r>
-              <a:rPr lang="en-US" altLang="zh-CN" sz="2400" dirty="0" smtClean="0">
+              <a:rPr lang="en-US" altLang="zh-CN" sz="2400" dirty="0">
                 <a:solidFill>
                   <a:srgbClr val="C00000"/>
                 </a:solidFill>
@@ -22775,7 +22759,7 @@
               <a:t>+=</a:t>
             </a:r>
             <a:r>
-              <a:rPr lang="en-US" altLang="zh-CN" sz="2400" dirty="0" smtClean="0"/>
+              <a:rPr lang="en-US" altLang="zh-CN" sz="2400" dirty="0"/>
               <a:t>“……”;</a:t>
             </a:r>
             <a:endParaRPr lang="zh-CN" altLang="en-US" sz="2400" dirty="0"/>
@@ -22798,10 +22782,9 @@
           <a:lstStyle/>
           <a:p>
             <a:r>
-              <a:rPr lang="zh-CN" altLang="en-US" dirty="0" smtClean="0"/>
+              <a:rPr lang="zh-CN" altLang="en-US" dirty="0"/>
               <a:t>实例</a:t>
             </a:r>
-            <a:endParaRPr lang="zh-CN" altLang="en-US" dirty="0"/>
           </a:p>
         </p:txBody>
       </p:sp>
@@ -22810,13 +22793,6 @@
   <p:clrMapOvr>
     <a:masterClrMapping/>
   </p:clrMapOvr>
-  <p:timing>
-    <p:tnLst>
-      <p:par>
-        <p:cTn id="1" dur="indefinite" restart="never" nodeType="tmRoot"/>
-      </p:par>
-    </p:tnLst>
-  </p:timing>
 </p:sld>
 </file>
 
@@ -23157,7 +23133,7 @@
   <a:extraClrSchemeLst/>
   <a:extLst>
     <a:ext uri="{05A4C25C-085E-4340-85A3-A5531E510DB2}">
-      <thm15:themeFamily xmlns="" xmlns:thm15="http://schemas.microsoft.com/office/thememl/2012/main" name="Office Theme" id="{62F939B6-93AF-4DB8-9C6B-D6C7DFDC589F}" vid="{4A3C46E8-61CC-4603-A589-7422A47A8E4A}"/>
+      <thm15:themeFamily xmlns:thm15="http://schemas.microsoft.com/office/thememl/2012/main" name="Office Theme" id="{62F939B6-93AF-4DB8-9C6B-D6C7DFDC589F}" vid="{4A3C46E8-61CC-4603-A589-7422A47A8E4A}"/>
     </a:ext>
   </a:extLst>
 </a:theme>
@@ -23445,7 +23421,7 @@
   <a:extraClrSchemeLst/>
   <a:extLst>
     <a:ext uri="{05A4C25C-085E-4340-85A3-A5531E510DB2}">
-      <thm15:themeFamily xmlns="" xmlns:thm15="http://schemas.microsoft.com/office/thememl/2012/main" name="Office Theme" id="{62F939B6-93AF-4DB8-9C6B-D6C7DFDC589F}" vid="{4A3C46E8-61CC-4603-A589-7422A47A8E4A}"/>
+      <thm15:themeFamily xmlns:thm15="http://schemas.microsoft.com/office/thememl/2012/main" name="Office Theme" id="{62F939B6-93AF-4DB8-9C6B-D6C7DFDC589F}" vid="{4A3C46E8-61CC-4603-A589-7422A47A8E4A}"/>
     </a:ext>
   </a:extLst>
 </a:theme>
@@ -23735,7 +23711,7 @@
   <a:extraClrSchemeLst/>
   <a:extLst>
     <a:ext uri="{05A4C25C-085E-4340-85A3-A5531E510DB2}">
-      <thm15:themeFamily xmlns="" xmlns:thm15="http://schemas.microsoft.com/office/thememl/2012/main" name="Office Theme" id="{62F939B6-93AF-4DB8-9C6B-D6C7DFDC589F}" vid="{4A3C46E8-61CC-4603-A589-7422A47A8E4A}"/>
+      <thm15:themeFamily xmlns:thm15="http://schemas.microsoft.com/office/thememl/2012/main" name="Office Theme" id="{62F939B6-93AF-4DB8-9C6B-D6C7DFDC589F}" vid="{4A3C46E8-61CC-4603-A589-7422A47A8E4A}"/>
     </a:ext>
   </a:extLst>
 </a:theme>
